--- a/Intro-SQL-SheCodesNow.pptx
+++ b/Intro-SQL-SheCodesNow.pptx
@@ -11,26 +11,26 @@
     <p:sldId id="258" r:id="rId2"/>
     <p:sldId id="269" r:id="rId3"/>
     <p:sldId id="295" r:id="rId4"/>
-    <p:sldId id="257" r:id="rId5"/>
-    <p:sldId id="278" r:id="rId6"/>
-    <p:sldId id="259" r:id="rId7"/>
-    <p:sldId id="260" r:id="rId8"/>
-    <p:sldId id="265" r:id="rId9"/>
-    <p:sldId id="270" r:id="rId10"/>
-    <p:sldId id="271" r:id="rId11"/>
-    <p:sldId id="267" r:id="rId12"/>
-    <p:sldId id="276" r:id="rId13"/>
-    <p:sldId id="287" r:id="rId14"/>
-    <p:sldId id="277" r:id="rId15"/>
-    <p:sldId id="261" r:id="rId16"/>
-    <p:sldId id="273" r:id="rId17"/>
-    <p:sldId id="266" r:id="rId18"/>
-    <p:sldId id="289" r:id="rId19"/>
-    <p:sldId id="279" r:id="rId20"/>
-    <p:sldId id="288" r:id="rId21"/>
-    <p:sldId id="280" r:id="rId22"/>
-    <p:sldId id="281" r:id="rId23"/>
-    <p:sldId id="290" r:id="rId24"/>
+    <p:sldId id="278" r:id="rId5"/>
+    <p:sldId id="259" r:id="rId6"/>
+    <p:sldId id="260" r:id="rId7"/>
+    <p:sldId id="265" r:id="rId8"/>
+    <p:sldId id="270" r:id="rId9"/>
+    <p:sldId id="271" r:id="rId10"/>
+    <p:sldId id="267" r:id="rId11"/>
+    <p:sldId id="276" r:id="rId12"/>
+    <p:sldId id="287" r:id="rId13"/>
+    <p:sldId id="277" r:id="rId14"/>
+    <p:sldId id="261" r:id="rId15"/>
+    <p:sldId id="273" r:id="rId16"/>
+    <p:sldId id="266" r:id="rId17"/>
+    <p:sldId id="289" r:id="rId18"/>
+    <p:sldId id="279" r:id="rId19"/>
+    <p:sldId id="288" r:id="rId20"/>
+    <p:sldId id="280" r:id="rId21"/>
+    <p:sldId id="281" r:id="rId22"/>
+    <p:sldId id="290" r:id="rId23"/>
+    <p:sldId id="296" r:id="rId24"/>
     <p:sldId id="286" r:id="rId25"/>
     <p:sldId id="294" r:id="rId26"/>
     <p:sldId id="262" r:id="rId27"/>
@@ -225,7 +225,7 @@
           <a:p>
             <a:fld id="{08C4C2B2-360A-F246-9B58-867AA71A8D68}" type="datetimeFigureOut">
               <a:rPr lang="en-US" smtClean="0"/>
-              <a:t>2/14/17</a:t>
+              <a:t>7/26/17</a:t>
             </a:fld>
             <a:endParaRPr lang="en-US"/>
           </a:p>
@@ -539,11 +539,11 @@
           <a:p>
             <a:r>
               <a:rPr lang="en-US" dirty="0" smtClean="0"/>
-              <a:t>Hello Everyone!</a:t>
+              <a:t>Reading</a:t>
             </a:r>
             <a:r>
               <a:rPr lang="en-US" baseline="0" dirty="0" smtClean="0"/>
-              <a:t> Welcome to Introduction to SQL!</a:t>
+              <a:t> from PowerPoints can be slightly boring, so I prepared this presentation mostly for the purposes of reference for everyone after the class today. I won’t be reading everything from this presentation to you, but will in fact be hitting the basics to give you a good foundation before we get to play in the data. </a:t>
             </a:r>
           </a:p>
           <a:p>
@@ -552,37 +552,8 @@
           <a:p>
             <a:r>
               <a:rPr lang="en-US" baseline="0" dirty="0" smtClean="0"/>
-              <a:t>A little bit about myself.</a:t>
-            </a:r>
-          </a:p>
-          <a:p>
-            <a:endParaRPr lang="en-US" baseline="0" dirty="0" smtClean="0"/>
-          </a:p>
-          <a:p>
-            <a:endParaRPr lang="en-US" baseline="0" dirty="0" smtClean="0"/>
-          </a:p>
-          <a:p>
-            <a:r>
-              <a:rPr lang="en-US" baseline="0" dirty="0" smtClean="0"/>
-              <a:t>Now we are going to do a quick icebreaker</a:t>
-            </a:r>
-            <a:r>
-              <a:rPr lang="is-IS" baseline="0" dirty="0" smtClean="0"/>
-              <a:t>… We are going to have everyone give us their name, and a favorite country. My TA’s will write down the countries and we can see how many of you enjoy the same countries... </a:t>
-            </a:r>
-            <a:r>
-              <a:rPr lang="is-IS" baseline="0" dirty="0" smtClean="0">
-                <a:sym typeface="Wingdings"/>
-              </a:rPr>
-              <a:t></a:t>
-            </a:r>
-          </a:p>
-          <a:p>
-            <a:endParaRPr lang="is-IS" baseline="0" dirty="0" smtClean="0">
-              <a:sym typeface="Wingdings"/>
-            </a:endParaRPr>
-          </a:p>
-          <a:p>
+              <a:t>Please stop me or raise your hand if I am going to fast for you or you have questions.</a:t>
+            </a:r>
             <a:endParaRPr lang="en-US" dirty="0"/>
           </a:p>
         </p:txBody>
@@ -613,7 +584,7 @@
     </p:spTree>
     <p:extLst>
       <p:ext uri="{BB962C8B-B14F-4D97-AF65-F5344CB8AC3E}">
-        <p14:creationId xmlns:p14="http://schemas.microsoft.com/office/powerpoint/2010/main" val="1134054207"/>
+        <p14:creationId xmlns:p14="http://schemas.microsoft.com/office/powerpoint/2010/main" val="737214830"/>
       </p:ext>
     </p:extLst>
   </p:cSld>
@@ -667,307 +638,7 @@
           <a:bodyPr/>
           <a:lstStyle/>
           <a:p>
-            <a:r>
-              <a:rPr lang="en-US" dirty="0" smtClean="0"/>
-              <a:t>Remember how</a:t>
-            </a:r>
-            <a:r>
-              <a:rPr lang="en-US" baseline="0" dirty="0" smtClean="0"/>
-              <a:t> I said SQL is just asking a question</a:t>
-            </a:r>
-            <a:r>
-              <a:rPr lang="is-IS" baseline="0" dirty="0" smtClean="0"/>
-              <a:t>… and putting it</a:t>
-            </a:r>
-            <a:r>
-              <a:rPr lang="en-US" baseline="0" dirty="0" smtClean="0"/>
-              <a:t> in the right way to be read by the database?</a:t>
-            </a:r>
-          </a:p>
-          <a:p>
-            <a:endParaRPr lang="en-US" baseline="0" dirty="0" smtClean="0"/>
-          </a:p>
-          <a:p>
-            <a:r>
-              <a:rPr lang="en-US" baseline="0" dirty="0" smtClean="0"/>
-              <a:t>Think of it in this way – Everyone here has used google correct?</a:t>
-            </a:r>
-          </a:p>
-          <a:p>
-            <a:r>
-              <a:rPr lang="en-US" baseline="0" dirty="0" smtClean="0"/>
-              <a:t>We are simply ‘googling’ our database</a:t>
-            </a:r>
-            <a:r>
-              <a:rPr lang="is-IS" baseline="0" dirty="0" smtClean="0"/>
-              <a:t>… phrasing our ask into a way that will return the answer or answers we need. </a:t>
-            </a:r>
-            <a:endParaRPr lang="en-US" baseline="0" dirty="0" smtClean="0"/>
-          </a:p>
-          <a:p>
-            <a:endParaRPr lang="en-US" dirty="0" smtClean="0"/>
-          </a:p>
-          <a:p>
-            <a:r>
-              <a:rPr lang="en-US" baseline="0" dirty="0" smtClean="0"/>
-              <a:t>I find breaking it down into three steps makes tackling this language so much easier. </a:t>
-            </a:r>
-          </a:p>
-          <a:p>
-            <a:r>
-              <a:rPr lang="en-US" baseline="0" dirty="0" smtClean="0"/>
-              <a:t>Step ONE – The business question – Identify what you are being asked.</a:t>
-            </a:r>
-          </a:p>
-          <a:p>
-            <a:r>
-              <a:rPr lang="en-US" baseline="0" dirty="0" smtClean="0"/>
-              <a:t>Step TWO – Rephrase the question using the correct syntax – identify the what/where from/ filters </a:t>
-            </a:r>
-            <a:r>
-              <a:rPr lang="en-US" baseline="0" dirty="0" err="1" smtClean="0"/>
-              <a:t>etc</a:t>
-            </a:r>
-            <a:endParaRPr lang="en-US" baseline="0" dirty="0" smtClean="0"/>
-          </a:p>
-          <a:p>
-            <a:r>
-              <a:rPr lang="en-US" baseline="0" dirty="0" smtClean="0"/>
-              <a:t>Step THREE – Trim the question into ONLY the SQL Syntax is left. </a:t>
-            </a:r>
-          </a:p>
-          <a:p>
-            <a:endParaRPr lang="en-US" baseline="0" dirty="0" smtClean="0"/>
-          </a:p>
-          <a:p>
-            <a:r>
-              <a:rPr lang="en-US" baseline="0" dirty="0" smtClean="0"/>
-              <a:t>****CLICK*****</a:t>
-            </a:r>
-          </a:p>
-          <a:p>
-            <a:r>
-              <a:rPr lang="en-US" baseline="0" dirty="0" smtClean="0"/>
-              <a:t>So  lets work through one. We want to know who won the academy award for best actor in 1997</a:t>
-            </a:r>
-          </a:p>
-          <a:p>
-            <a:pPr marL="0" marR="0" indent="0" algn="l" defTabSz="914400" rtl="0" eaLnBrk="1" fontAlgn="auto" latinLnBrk="0" hangingPunct="1">
-              <a:lnSpc>
-                <a:spcPct val="100000"/>
-              </a:lnSpc>
-              <a:spcBef>
-                <a:spcPts val="0"/>
-              </a:spcBef>
-              <a:spcAft>
-                <a:spcPts val="0"/>
-              </a:spcAft>
-              <a:buClrTx/>
-              <a:buSzTx/>
-              <a:buFontTx/>
-              <a:buNone/>
-              <a:tabLst/>
-              <a:defRPr/>
-            </a:pPr>
-            <a:r>
-              <a:rPr lang="en-US" baseline="0" dirty="0" smtClean="0"/>
-              <a:t>To rephrase this question using SQL syntax</a:t>
-            </a:r>
-            <a:r>
-              <a:rPr lang="is-IS" baseline="0" dirty="0" smtClean="0"/>
-              <a:t>… we need to understand that framework better</a:t>
-            </a:r>
-            <a:endParaRPr lang="en-US" baseline="0" dirty="0" smtClean="0"/>
-          </a:p>
-          <a:p>
-            <a:r>
-              <a:rPr lang="en-US" baseline="0" dirty="0" smtClean="0"/>
-              <a:t>****CLICK*****</a:t>
-            </a:r>
-          </a:p>
-          <a:p>
-            <a:pPr marL="0" marR="0" indent="0" algn="l" defTabSz="914400" rtl="0" eaLnBrk="1" fontAlgn="auto" latinLnBrk="0" hangingPunct="1">
-              <a:lnSpc>
-                <a:spcPct val="100000"/>
-              </a:lnSpc>
-              <a:spcBef>
-                <a:spcPts val="0"/>
-              </a:spcBef>
-              <a:spcAft>
-                <a:spcPts val="0"/>
-              </a:spcAft>
-              <a:buClrTx/>
-              <a:buSzTx/>
-              <a:buFontTx/>
-              <a:buNone/>
-              <a:tabLst/>
-              <a:defRPr/>
-            </a:pPr>
-            <a:r>
-              <a:rPr lang="en-US" baseline="0" dirty="0" smtClean="0"/>
-              <a:t>****CLICK*****</a:t>
-            </a:r>
-          </a:p>
-          <a:p>
-            <a:r>
-              <a:rPr lang="en-US" baseline="0" dirty="0" smtClean="0"/>
-              <a:t>****CLICK*****</a:t>
-            </a:r>
-          </a:p>
-          <a:p>
-            <a:pPr marL="0" marR="0" indent="0" algn="l" defTabSz="914400" rtl="0" eaLnBrk="1" fontAlgn="auto" latinLnBrk="0" hangingPunct="1">
-              <a:lnSpc>
-                <a:spcPct val="100000"/>
-              </a:lnSpc>
-              <a:spcBef>
-                <a:spcPts val="0"/>
-              </a:spcBef>
-              <a:spcAft>
-                <a:spcPts val="0"/>
-              </a:spcAft>
-              <a:buClrTx/>
-              <a:buSzTx/>
-              <a:buFontTx/>
-              <a:buNone/>
-              <a:tabLst/>
-              <a:defRPr/>
-            </a:pPr>
-            <a:r>
-              <a:rPr lang="en-US" baseline="0" dirty="0" smtClean="0"/>
-              <a:t>So from our question – what do we know - what do we want returned?</a:t>
-            </a:r>
-          </a:p>
-          <a:p>
-            <a:endParaRPr lang="en-US" baseline="0" dirty="0" smtClean="0"/>
-          </a:p>
-          <a:p>
-            <a:pPr marL="0" marR="0" indent="0" algn="l" defTabSz="914400" rtl="0" eaLnBrk="1" fontAlgn="auto" latinLnBrk="0" hangingPunct="1">
-              <a:lnSpc>
-                <a:spcPct val="100000"/>
-              </a:lnSpc>
-              <a:spcBef>
-                <a:spcPts val="0"/>
-              </a:spcBef>
-              <a:spcAft>
-                <a:spcPts val="0"/>
-              </a:spcAft>
-              <a:buClrTx/>
-              <a:buSzTx/>
-              <a:buFontTx/>
-              <a:buNone/>
-              <a:tabLst/>
-              <a:defRPr/>
-            </a:pPr>
-            <a:r>
-              <a:rPr lang="en-US" baseline="0" dirty="0" smtClean="0"/>
-              <a:t>****CLICK*****</a:t>
-            </a:r>
-          </a:p>
-          <a:p>
-            <a:r>
-              <a:rPr lang="en-US" baseline="0" dirty="0" smtClean="0"/>
-              <a:t>And for this for this particular instance we are going to assume that we have a table named </a:t>
-            </a:r>
-            <a:r>
-              <a:rPr lang="en-US" baseline="0" dirty="0" err="1" smtClean="0"/>
-              <a:t>Best_Actor_Award</a:t>
-            </a:r>
-            <a:r>
-              <a:rPr lang="en-US" baseline="0" dirty="0" smtClean="0"/>
-              <a:t> that has all winners of Best Actor awards</a:t>
-            </a:r>
-          </a:p>
-          <a:p>
-            <a:r>
-              <a:rPr lang="en-US" baseline="0" dirty="0" smtClean="0"/>
-              <a:t>And our filter – it</a:t>
-            </a:r>
-            <a:r>
-              <a:rPr lang="uk-UA" baseline="0" dirty="0" smtClean="0"/>
-              <a:t>’</a:t>
-            </a:r>
-            <a:r>
-              <a:rPr lang="en-US" baseline="0" dirty="0" smtClean="0"/>
-              <a:t>s the year from our question – 1997</a:t>
-            </a:r>
-          </a:p>
-          <a:p>
-            <a:pPr marL="0" marR="0" indent="0" algn="l" defTabSz="914400" rtl="0" eaLnBrk="1" fontAlgn="auto" latinLnBrk="0" hangingPunct="1">
-              <a:lnSpc>
-                <a:spcPct val="100000"/>
-              </a:lnSpc>
-              <a:spcBef>
-                <a:spcPts val="0"/>
-              </a:spcBef>
-              <a:spcAft>
-                <a:spcPts val="0"/>
-              </a:spcAft>
-              <a:buClrTx/>
-              <a:buSzTx/>
-              <a:buFontTx/>
-              <a:buNone/>
-              <a:tabLst/>
-              <a:defRPr/>
-            </a:pPr>
-            <a:r>
-              <a:rPr lang="en-US" baseline="0" dirty="0" smtClean="0"/>
-              <a:t>****CLICK*****</a:t>
-            </a:r>
-          </a:p>
-          <a:p>
-            <a:pPr marL="0" marR="0" indent="0" algn="l" defTabSz="914400" rtl="0" eaLnBrk="1" fontAlgn="auto" latinLnBrk="0" hangingPunct="1">
-              <a:lnSpc>
-                <a:spcPct val="100000"/>
-              </a:lnSpc>
-              <a:spcBef>
-                <a:spcPts val="0"/>
-              </a:spcBef>
-              <a:spcAft>
-                <a:spcPts val="0"/>
-              </a:spcAft>
-              <a:buClrTx/>
-              <a:buSzTx/>
-              <a:buFontTx/>
-              <a:buNone/>
-              <a:tabLst/>
-              <a:defRPr/>
-            </a:pPr>
-            <a:endParaRPr lang="en-US" baseline="0" dirty="0" smtClean="0"/>
-          </a:p>
-          <a:p>
-            <a:pPr marL="0" marR="0" indent="0" algn="l" defTabSz="914400" rtl="0" eaLnBrk="1" fontAlgn="auto" latinLnBrk="0" hangingPunct="1">
-              <a:lnSpc>
-                <a:spcPct val="100000"/>
-              </a:lnSpc>
-              <a:spcBef>
-                <a:spcPts val="0"/>
-              </a:spcBef>
-              <a:spcAft>
-                <a:spcPts val="0"/>
-              </a:spcAft>
-              <a:buClrTx/>
-              <a:buSzTx/>
-              <a:buFontTx/>
-              <a:buNone/>
-              <a:tabLst/>
-              <a:defRPr/>
-            </a:pPr>
-            <a:r>
-              <a:rPr lang="en-US" baseline="0" dirty="0" smtClean="0"/>
-              <a:t>Don’t worry if that was a little fast – we will go through more in depth examples next. </a:t>
-            </a:r>
-          </a:p>
-          <a:p>
-            <a:endParaRPr lang="en-US" baseline="0" dirty="0" smtClean="0"/>
-          </a:p>
-          <a:p>
-            <a:endParaRPr lang="en-US" baseline="0" dirty="0" smtClean="0"/>
-          </a:p>
-          <a:p>
-            <a:endParaRPr lang="en-US" baseline="0" dirty="0" smtClean="0"/>
-          </a:p>
-          <a:p>
-            <a:endParaRPr lang="en-US" baseline="0" dirty="0" smtClean="0"/>
+            <a:endParaRPr lang="en-US" dirty="0"/>
           </a:p>
         </p:txBody>
       </p:sp>
@@ -997,7 +668,7 @@
     </p:spTree>
     <p:extLst>
       <p:ext uri="{BB962C8B-B14F-4D97-AF65-F5344CB8AC3E}">
-        <p14:creationId xmlns:p14="http://schemas.microsoft.com/office/powerpoint/2010/main" val="380979415"/>
+        <p14:creationId xmlns:p14="http://schemas.microsoft.com/office/powerpoint/2010/main" val="243507869"/>
       </p:ext>
     </p:extLst>
   </p:cSld>
@@ -1051,6 +722,77 @@
           <a:bodyPr/>
           <a:lstStyle/>
           <a:p>
+            <a:r>
+              <a:rPr lang="is-IS" baseline="0" dirty="0" smtClean="0"/>
+              <a:t>Today we are going to be using a sandbox environment provided by the W3 schools. A Sandbox environment is a great environment for people to use people to ‘play with the data’ without ruining a production. </a:t>
+            </a:r>
+          </a:p>
+          <a:p>
+            <a:endParaRPr lang="is-IS" baseline="0" dirty="0" smtClean="0"/>
+          </a:p>
+          <a:p>
+            <a:pPr marL="0" marR="0" indent="0" algn="l" defTabSz="914400" rtl="0" eaLnBrk="1" fontAlgn="auto" latinLnBrk="0" hangingPunct="1">
+              <a:lnSpc>
+                <a:spcPct val="100000"/>
+              </a:lnSpc>
+              <a:spcBef>
+                <a:spcPts val="0"/>
+              </a:spcBef>
+              <a:spcAft>
+                <a:spcPts val="0"/>
+              </a:spcAft>
+              <a:buClrTx/>
+              <a:buSzTx/>
+              <a:buFontTx/>
+              <a:buNone/>
+              <a:tabLst/>
+              <a:defRPr/>
+            </a:pPr>
+            <a:r>
+              <a:rPr lang="en-US" dirty="0" smtClean="0">
+                <a:hlinkClick r:id="rId3"/>
+              </a:rPr>
+              <a:t>Http://www.w3schools.com/sql/trysql.asp?filename=trysql_select_all</a:t>
+            </a:r>
+            <a:endParaRPr lang="en-US" dirty="0" smtClean="0"/>
+          </a:p>
+          <a:p>
+            <a:endParaRPr lang="is-IS" baseline="0" dirty="0" smtClean="0"/>
+          </a:p>
+          <a:p>
+            <a:endParaRPr lang="is-IS" baseline="0" dirty="0" smtClean="0"/>
+          </a:p>
+          <a:p>
+            <a:r>
+              <a:rPr lang="is-IS" baseline="0" dirty="0" smtClean="0"/>
+              <a:t>So everyone please go to the following location – TA’s will assist while I continue on.</a:t>
+            </a:r>
+          </a:p>
+          <a:p>
+            <a:endParaRPr lang="is-IS" baseline="0" dirty="0" smtClean="0"/>
+          </a:p>
+          <a:p>
+            <a:r>
+              <a:rPr lang="is-IS" baseline="0" dirty="0" smtClean="0"/>
+              <a:t>TA and for reference</a:t>
+            </a:r>
+          </a:p>
+          <a:p>
+            <a:r>
+              <a:rPr lang="is-IS" baseline="0" dirty="0" smtClean="0"/>
+              <a:t>If no tables are listed on the right hand side have them click the restore database option.</a:t>
+            </a:r>
+            <a:endParaRPr lang="en-US" dirty="0" smtClean="0"/>
+          </a:p>
+          <a:p>
+            <a:r>
+              <a:rPr lang="en-US" dirty="0" smtClean="0"/>
+              <a:t>**Give disclaimer</a:t>
+            </a:r>
+            <a:r>
+              <a:rPr lang="en-US" baseline="0" dirty="0" smtClean="0"/>
+              <a:t> that in normal instances of SQL the ‘viewing’ of available tables is not normally as easily seen or restored as this environment is.</a:t>
+            </a:r>
             <a:endParaRPr lang="en-US" dirty="0"/>
           </a:p>
         </p:txBody>
@@ -1081,7 +823,7 @@
     </p:spTree>
     <p:extLst>
       <p:ext uri="{BB962C8B-B14F-4D97-AF65-F5344CB8AC3E}">
-        <p14:creationId xmlns:p14="http://schemas.microsoft.com/office/powerpoint/2010/main" val="243507869"/>
+        <p14:creationId xmlns:p14="http://schemas.microsoft.com/office/powerpoint/2010/main" val="149691689"/>
       </p:ext>
     </p:extLst>
   </p:cSld>
@@ -1136,15 +878,44 @@
           <a:lstStyle/>
           <a:p>
             <a:r>
+              <a:rPr lang="en-US" baseline="0" dirty="0" smtClean="0"/>
+              <a:t>**Read PowerPoint**</a:t>
+            </a:r>
+          </a:p>
+          <a:p>
+            <a:endParaRPr lang="en-US" baseline="0" dirty="0" smtClean="0"/>
+          </a:p>
+          <a:p>
+            <a:r>
+              <a:rPr lang="en-US" baseline="0" dirty="0" smtClean="0"/>
+              <a:t>Now that you know what we do</a:t>
+            </a:r>
+            <a:r>
               <a:rPr lang="is-IS" baseline="0" dirty="0" smtClean="0"/>
-              <a:t>Today we are going to be using a sandbox environment provided by the W3 schools. A Sandbox environment is a great environment for people to use people to ‘play with the data’ without ruining a production. </a:t>
-            </a:r>
-          </a:p>
-          <a:p>
-            <a:endParaRPr lang="is-IS" baseline="0" dirty="0" smtClean="0"/>
-          </a:p>
-          <a:p>
-            <a:pPr marL="0" marR="0" indent="0" algn="l" defTabSz="914400" rtl="0" eaLnBrk="1" fontAlgn="auto" latinLnBrk="0" hangingPunct="1">
+              <a:t>… Let look at the tables we have listed in our database... </a:t>
+            </a:r>
+            <a:r>
+              <a:rPr lang="en-US" baseline="0" dirty="0" smtClean="0"/>
+              <a:t>W</a:t>
+            </a:r>
+            <a:r>
+              <a:rPr lang="is-IS" baseline="0" dirty="0" smtClean="0"/>
+              <a:t>ould you look at that – products, suppliers, customers – it looks like the naming conventions of our tables alligns with our description of our business. </a:t>
+            </a:r>
+            <a:r>
+              <a:rPr lang="is-IS" baseline="0" dirty="0" smtClean="0">
+                <a:sym typeface="Wingdings"/>
+              </a:rPr>
+              <a:t></a:t>
+            </a:r>
+          </a:p>
+          <a:p>
+            <a:endParaRPr lang="is-IS" baseline="0" dirty="0" smtClean="0">
+              <a:sym typeface="Wingdings"/>
+            </a:endParaRPr>
+          </a:p>
+          <a:p>
+            <a:pPr marL="0" marR="0" lvl="0" indent="0" defTabSz="914400" eaLnBrk="1" fontAlgn="auto" latinLnBrk="0" hangingPunct="1">
               <a:lnSpc>
                 <a:spcPct val="100000"/>
               </a:lnSpc>
@@ -1162,51 +933,57 @@
               <a:defRPr/>
             </a:pPr>
             <a:r>
-              <a:rPr lang="en-US" dirty="0" smtClean="0">
-                <a:hlinkClick r:id="rId3"/>
+              <a:rPr lang="is-IS" baseline="0" dirty="0" smtClean="0">
+                <a:sym typeface="Wingdings"/>
               </a:rPr>
-              <a:t>Http://www.w3schools.com/sql/trysql.asp?filename=trysql_select_all</a:t>
-            </a:r>
+              <a:t>T</a:t>
+            </a:r>
+            <a:r>
+              <a:rPr lang="en-US" baseline="0" dirty="0" smtClean="0">
+                <a:sym typeface="Wingdings"/>
+              </a:rPr>
+              <a:t>h</a:t>
+            </a:r>
+            <a:r>
+              <a:rPr lang="is-IS" baseline="0" dirty="0" smtClean="0">
+                <a:sym typeface="Wingdings"/>
+              </a:rPr>
+              <a:t>is matches what we have listed in our </a:t>
+            </a:r>
+            <a:r>
+              <a:rPr lang="en-US" dirty="0" smtClean="0"/>
+              <a:t>SQL editor:</a:t>
+            </a:r>
+            <a:r>
+              <a:rPr lang="en-US" baseline="0" dirty="0" smtClean="0"/>
+              <a:t> </a:t>
+            </a:r>
+          </a:p>
+          <a:p>
+            <a:pPr marL="0" marR="0" lvl="0" indent="0" defTabSz="914400" eaLnBrk="1" fontAlgn="auto" latinLnBrk="0" hangingPunct="1">
+              <a:lnSpc>
+                <a:spcPct val="100000"/>
+              </a:lnSpc>
+              <a:spcBef>
+                <a:spcPts val="0"/>
+              </a:spcBef>
+              <a:spcAft>
+                <a:spcPts val="0"/>
+              </a:spcAft>
+              <a:buClrTx/>
+              <a:buSzTx/>
+              <a:buFontTx/>
+              <a:buNone/>
+              <a:tabLst/>
+              <a:defRPr/>
+            </a:pPr>
+            <a:r>
+              <a:rPr lang="is-IS" dirty="0" smtClean="0"/>
+              <a:t>Customers, Categories, Employees, OrderDetails, Orders, Products, Shippers and Suppliers.</a:t>
+            </a:r>
+          </a:p>
+          <a:p>
             <a:endParaRPr lang="en-US" dirty="0" smtClean="0"/>
-          </a:p>
-          <a:p>
-            <a:endParaRPr lang="is-IS" baseline="0" dirty="0" smtClean="0"/>
-          </a:p>
-          <a:p>
-            <a:endParaRPr lang="is-IS" baseline="0" dirty="0" smtClean="0"/>
-          </a:p>
-          <a:p>
-            <a:r>
-              <a:rPr lang="is-IS" baseline="0" dirty="0" smtClean="0"/>
-              <a:t>So everyone please go to the following location – TA’s will assist while I continue on.</a:t>
-            </a:r>
-          </a:p>
-          <a:p>
-            <a:endParaRPr lang="is-IS" baseline="0" dirty="0" smtClean="0"/>
-          </a:p>
-          <a:p>
-            <a:r>
-              <a:rPr lang="is-IS" baseline="0" dirty="0" smtClean="0"/>
-              <a:t>TA and for reference</a:t>
-            </a:r>
-          </a:p>
-          <a:p>
-            <a:r>
-              <a:rPr lang="is-IS" baseline="0" dirty="0" smtClean="0"/>
-              <a:t>If no tables are listed on the right hand side have them click the restore database option.</a:t>
-            </a:r>
-            <a:endParaRPr lang="en-US" dirty="0" smtClean="0"/>
-          </a:p>
-          <a:p>
-            <a:r>
-              <a:rPr lang="en-US" dirty="0" smtClean="0"/>
-              <a:t>**Give disclaimer</a:t>
-            </a:r>
-            <a:r>
-              <a:rPr lang="en-US" baseline="0" dirty="0" smtClean="0"/>
-              <a:t> that in normal instances of SQL the ‘viewing’ of available tables is not normally as easily seen or restored as this environment is.</a:t>
-            </a:r>
-            <a:endParaRPr lang="en-US" dirty="0"/>
           </a:p>
         </p:txBody>
       </p:sp>
@@ -1236,7 +1013,7 @@
     </p:spTree>
     <p:extLst>
       <p:ext uri="{BB962C8B-B14F-4D97-AF65-F5344CB8AC3E}">
-        <p14:creationId xmlns:p14="http://schemas.microsoft.com/office/powerpoint/2010/main" val="149691689"/>
+        <p14:creationId xmlns:p14="http://schemas.microsoft.com/office/powerpoint/2010/main" val="597922962"/>
       </p:ext>
     </p:extLst>
   </p:cSld>
@@ -1290,49 +1067,7 @@
           <a:bodyPr/>
           <a:lstStyle/>
           <a:p>
-            <a:r>
-              <a:rPr lang="en-US" baseline="0" dirty="0" smtClean="0"/>
-              <a:t>**</a:t>
-            </a:r>
-            <a:r>
-              <a:rPr lang="en-US" baseline="0" dirty="0" smtClean="0"/>
-              <a:t>Read PowerPoint**</a:t>
-            </a:r>
-          </a:p>
-          <a:p>
-            <a:endParaRPr lang="en-US" baseline="0" dirty="0" smtClean="0"/>
-          </a:p>
-          <a:p>
-            <a:r>
-              <a:rPr lang="en-US" baseline="0" dirty="0" smtClean="0"/>
-              <a:t>Now that you know what we do</a:t>
-            </a:r>
-            <a:r>
-              <a:rPr lang="is-IS" baseline="0" dirty="0" smtClean="0"/>
-              <a:t>… Let look at the tables we have listed in our database... </a:t>
-            </a:r>
-            <a:r>
-              <a:rPr lang="en-US" baseline="0" dirty="0" smtClean="0"/>
-              <a:t>W</a:t>
-            </a:r>
-            <a:r>
-              <a:rPr lang="is-IS" baseline="0" dirty="0" smtClean="0"/>
-              <a:t>ould you look at that – products, suppliers, customers – it looks like the naming conventions of our tables alligns with our description of our business. </a:t>
-            </a:r>
-            <a:r>
-              <a:rPr lang="is-IS" baseline="0" dirty="0" smtClean="0">
-                <a:sym typeface="Wingdings"/>
-              </a:rPr>
-              <a:t></a:t>
-            </a:r>
-          </a:p>
-          <a:p>
-            <a:endParaRPr lang="is-IS" baseline="0" dirty="0" smtClean="0">
-              <a:sym typeface="Wingdings"/>
-            </a:endParaRPr>
-          </a:p>
-          <a:p>
-            <a:pPr marL="0" marR="0" lvl="0" indent="0" defTabSz="914400" eaLnBrk="1" fontAlgn="auto" latinLnBrk="0" hangingPunct="1">
+            <a:pPr marL="0" marR="0" lvl="0" indent="0" algn="l" defTabSz="914400" rtl="0" eaLnBrk="1" fontAlgn="auto" latinLnBrk="0" hangingPunct="1">
               <a:lnSpc>
                 <a:spcPct val="100000"/>
               </a:lnSpc>
@@ -1350,34 +1085,12 @@
               <a:defRPr/>
             </a:pPr>
             <a:r>
-              <a:rPr lang="is-IS" baseline="0" dirty="0" smtClean="0">
-                <a:sym typeface="Wingdings"/>
-              </a:rPr>
-              <a:t>T</a:t>
-            </a:r>
-            <a:r>
-              <a:rPr lang="en-US" baseline="0" dirty="0" smtClean="0">
-                <a:sym typeface="Wingdings"/>
-              </a:rPr>
-              <a:t>h</a:t>
-            </a:r>
-            <a:r>
-              <a:rPr lang="is-IS" baseline="0" dirty="0" smtClean="0">
-                <a:sym typeface="Wingdings"/>
-              </a:rPr>
-              <a:t>is matches what we have listed in our </a:t>
-            </a:r>
-            <a:r>
-              <a:rPr lang="en-US" dirty="0" smtClean="0"/>
-              <a:t>SQL editor:</a:t>
-            </a:r>
-            <a:r>
-              <a:rPr lang="en-US" baseline="0" dirty="0" smtClean="0"/>
-              <a:t> </a:t>
-            </a:r>
-          </a:p>
-          <a:p>
-            <a:pPr marL="0" marR="0" lvl="0" indent="0" defTabSz="914400" eaLnBrk="1" fontAlgn="auto" latinLnBrk="0" hangingPunct="1">
+              <a:rPr lang="en-US" sz="1400" dirty="0" smtClean="0"/>
+              <a:t>**Every business owner should know a little bit about their Customers. It looks like we have a table in our database called Customers. </a:t>
+            </a:r>
+          </a:p>
+          <a:p>
+            <a:pPr marL="0" marR="0" lvl="0" indent="0" algn="l" defTabSz="914400" rtl="0" eaLnBrk="1" fontAlgn="auto" latinLnBrk="0" hangingPunct="1">
               <a:lnSpc>
                 <a:spcPct val="100000"/>
               </a:lnSpc>
@@ -1394,13 +1107,326 @@
               <a:tabLst/>
               <a:defRPr/>
             </a:pPr>
-            <a:r>
-              <a:rPr lang="is-IS" dirty="0" smtClean="0"/>
-              <a:t>Customers, Categories, Employees, OrderDetails, Orders, Products, Shippers and Suppliers.</a:t>
-            </a:r>
-          </a:p>
-          <a:p>
             <a:endParaRPr lang="en-US" dirty="0" smtClean="0"/>
+          </a:p>
+          <a:p>
+            <a:pPr marL="0" marR="0" lvl="0" indent="0" algn="l" defTabSz="914400" rtl="0" eaLnBrk="1" fontAlgn="auto" latinLnBrk="0" hangingPunct="1">
+              <a:lnSpc>
+                <a:spcPct val="100000"/>
+              </a:lnSpc>
+              <a:spcBef>
+                <a:spcPts val="0"/>
+              </a:spcBef>
+              <a:spcAft>
+                <a:spcPts val="0"/>
+              </a:spcAft>
+              <a:buClrTx/>
+              <a:buSzTx/>
+              <a:buFontTx/>
+              <a:buNone/>
+              <a:tabLst/>
+              <a:defRPr/>
+            </a:pPr>
+            <a:r>
+              <a:rPr lang="en-US" dirty="0" smtClean="0"/>
+              <a:t>Lets</a:t>
+            </a:r>
+            <a:r>
+              <a:rPr lang="en-US" baseline="0" dirty="0" smtClean="0"/>
+              <a:t> Dig into our data</a:t>
+            </a:r>
+          </a:p>
+          <a:p>
+            <a:pPr marL="0" marR="0" lvl="0" indent="0" algn="l" defTabSz="914400" rtl="0" eaLnBrk="1" fontAlgn="auto" latinLnBrk="0" hangingPunct="1">
+              <a:lnSpc>
+                <a:spcPct val="100000"/>
+              </a:lnSpc>
+              <a:spcBef>
+                <a:spcPts val="0"/>
+              </a:spcBef>
+              <a:spcAft>
+                <a:spcPts val="0"/>
+              </a:spcAft>
+              <a:buClrTx/>
+              <a:buSzTx/>
+              <a:buFontTx/>
+              <a:buNone/>
+              <a:tabLst/>
+              <a:defRPr/>
+            </a:pPr>
+            <a:endParaRPr lang="en-US" dirty="0" smtClean="0"/>
+          </a:p>
+          <a:p>
+            <a:pPr marL="0" marR="0" lvl="0" indent="0" algn="l" defTabSz="914400" rtl="0" eaLnBrk="1" fontAlgn="auto" latinLnBrk="0" hangingPunct="1">
+              <a:lnSpc>
+                <a:spcPct val="100000"/>
+              </a:lnSpc>
+              <a:spcBef>
+                <a:spcPts val="0"/>
+              </a:spcBef>
+              <a:spcAft>
+                <a:spcPts val="0"/>
+              </a:spcAft>
+              <a:buClrTx/>
+              <a:buSzTx/>
+              <a:buFontTx/>
+              <a:buNone/>
+              <a:tabLst/>
+              <a:defRPr/>
+            </a:pPr>
+            <a:r>
+              <a:rPr lang="en-US" dirty="0" smtClean="0"/>
+              <a:t>Things to remember – Our</a:t>
+            </a:r>
+            <a:r>
+              <a:rPr lang="en-US" baseline="0" dirty="0" smtClean="0"/>
+              <a:t> SQL is not case sensitive. So whether you write SELECT or select or Select all will be read by the database the same. </a:t>
+            </a:r>
+          </a:p>
+          <a:p>
+            <a:pPr marL="0" marR="0" lvl="0" indent="0" algn="l" defTabSz="914400" rtl="0" eaLnBrk="1" fontAlgn="auto" latinLnBrk="0" hangingPunct="1">
+              <a:lnSpc>
+                <a:spcPct val="100000"/>
+              </a:lnSpc>
+              <a:spcBef>
+                <a:spcPts val="0"/>
+              </a:spcBef>
+              <a:spcAft>
+                <a:spcPts val="0"/>
+              </a:spcAft>
+              <a:buClrTx/>
+              <a:buSzTx/>
+              <a:buFontTx/>
+              <a:buNone/>
+              <a:tabLst/>
+              <a:defRPr/>
+            </a:pPr>
+            <a:endParaRPr lang="en-US" baseline="0" dirty="0" smtClean="0"/>
+          </a:p>
+          <a:p>
+            <a:pPr marL="0" marR="0" lvl="0" indent="0" algn="l" defTabSz="914400" rtl="0" eaLnBrk="1" fontAlgn="auto" latinLnBrk="0" hangingPunct="1">
+              <a:lnSpc>
+                <a:spcPct val="100000"/>
+              </a:lnSpc>
+              <a:spcBef>
+                <a:spcPts val="0"/>
+              </a:spcBef>
+              <a:spcAft>
+                <a:spcPts val="0"/>
+              </a:spcAft>
+              <a:buClrTx/>
+              <a:buSzTx/>
+              <a:buFontTx/>
+              <a:buNone/>
+              <a:tabLst/>
+              <a:defRPr/>
+            </a:pPr>
+            <a:r>
+              <a:rPr lang="en-US" baseline="0" dirty="0" smtClean="0"/>
+              <a:t>**Work from PowerPoint**</a:t>
+            </a:r>
+          </a:p>
+          <a:p>
+            <a:pPr marL="0" marR="0" lvl="0" indent="0" algn="l" defTabSz="914400" rtl="0" eaLnBrk="1" fontAlgn="auto" latinLnBrk="0" hangingPunct="1">
+              <a:lnSpc>
+                <a:spcPct val="100000"/>
+              </a:lnSpc>
+              <a:spcBef>
+                <a:spcPts val="0"/>
+              </a:spcBef>
+              <a:spcAft>
+                <a:spcPts val="0"/>
+              </a:spcAft>
+              <a:buClrTx/>
+              <a:buSzTx/>
+              <a:buFontTx/>
+              <a:buNone/>
+              <a:tabLst/>
+              <a:defRPr/>
+            </a:pPr>
+            <a:endParaRPr lang="en-US" baseline="0" dirty="0" smtClean="0"/>
+          </a:p>
+          <a:p>
+            <a:pPr marL="0" marR="0" lvl="0" indent="0" algn="l" defTabSz="914400" rtl="0" eaLnBrk="1" fontAlgn="auto" latinLnBrk="0" hangingPunct="1">
+              <a:lnSpc>
+                <a:spcPct val="100000"/>
+              </a:lnSpc>
+              <a:spcBef>
+                <a:spcPts val="0"/>
+              </a:spcBef>
+              <a:spcAft>
+                <a:spcPts val="0"/>
+              </a:spcAft>
+              <a:buClrTx/>
+              <a:buSzTx/>
+              <a:buFontTx/>
+              <a:buNone/>
+              <a:tabLst/>
+              <a:defRPr/>
+            </a:pPr>
+            <a:r>
+              <a:rPr lang="en-US" baseline="0" dirty="0" smtClean="0"/>
+              <a:t>**Extra step – the database sees ‘all’ as the name of a column, so we need to change it to something the database reads as ‘all’. SQL has a symbol for this very instance the asterisk or star ‘*”</a:t>
+            </a:r>
+          </a:p>
+          <a:p>
+            <a:pPr marL="0" marR="0" lvl="0" indent="0" algn="l" defTabSz="914400" rtl="0" eaLnBrk="1" fontAlgn="auto" latinLnBrk="0" hangingPunct="1">
+              <a:lnSpc>
+                <a:spcPct val="100000"/>
+              </a:lnSpc>
+              <a:spcBef>
+                <a:spcPts val="0"/>
+              </a:spcBef>
+              <a:spcAft>
+                <a:spcPts val="0"/>
+              </a:spcAft>
+              <a:buClrTx/>
+              <a:buSzTx/>
+              <a:buFontTx/>
+              <a:buNone/>
+              <a:tabLst/>
+              <a:defRPr/>
+            </a:pPr>
+            <a:endParaRPr lang="en-US" dirty="0" smtClean="0"/>
+          </a:p>
+          <a:p>
+            <a:pPr marL="0" marR="0" lvl="0" indent="0" defTabSz="914400" eaLnBrk="1" fontAlgn="auto" latinLnBrk="0" hangingPunct="1">
+              <a:lnSpc>
+                <a:spcPct val="100000"/>
+              </a:lnSpc>
+              <a:spcBef>
+                <a:spcPts val="0"/>
+              </a:spcBef>
+              <a:spcAft>
+                <a:spcPts val="0"/>
+              </a:spcAft>
+              <a:buClrTx/>
+              <a:buSzTx/>
+              <a:buFontTx/>
+              <a:buNone/>
+              <a:tabLst/>
+              <a:defRPr/>
+            </a:pPr>
+            <a:r>
+              <a:rPr lang="en-US" b="1" dirty="0" smtClean="0"/>
+              <a:t>**Disclaimer about running select all queries***</a:t>
+            </a:r>
+          </a:p>
+          <a:p>
+            <a:pPr marL="0" marR="0" lvl="0" indent="0" defTabSz="914400" eaLnBrk="1" fontAlgn="auto" latinLnBrk="0" hangingPunct="1">
+              <a:lnSpc>
+                <a:spcPct val="100000"/>
+              </a:lnSpc>
+              <a:spcBef>
+                <a:spcPts val="0"/>
+              </a:spcBef>
+              <a:spcAft>
+                <a:spcPts val="0"/>
+              </a:spcAft>
+              <a:buClrTx/>
+              <a:buSzTx/>
+              <a:buFontTx/>
+              <a:buNone/>
+              <a:tabLst/>
+              <a:defRPr/>
+            </a:pPr>
+            <a:r>
+              <a:rPr lang="en-US" b="1" dirty="0" smtClean="0"/>
+              <a:t>That was good. Now you have everything</a:t>
+            </a:r>
+            <a:r>
+              <a:rPr lang="en-US" b="1" baseline="0" dirty="0" smtClean="0"/>
+              <a:t> from this table. But this is not the best to do when you have a very large table.</a:t>
+            </a:r>
+          </a:p>
+          <a:p>
+            <a:pPr marL="0" marR="0" lvl="0" indent="0" defTabSz="914400" eaLnBrk="1" fontAlgn="auto" latinLnBrk="0" hangingPunct="1">
+              <a:lnSpc>
+                <a:spcPct val="100000"/>
+              </a:lnSpc>
+              <a:spcBef>
+                <a:spcPts val="0"/>
+              </a:spcBef>
+              <a:spcAft>
+                <a:spcPts val="0"/>
+              </a:spcAft>
+              <a:buClrTx/>
+              <a:buSzTx/>
+              <a:buFontTx/>
+              <a:buNone/>
+              <a:tabLst/>
+              <a:defRPr/>
+            </a:pPr>
+            <a:endParaRPr lang="en-US" b="1" baseline="0" dirty="0" smtClean="0"/>
+          </a:p>
+          <a:p>
+            <a:pPr marL="0" marR="0" lvl="0" indent="0" defTabSz="914400" eaLnBrk="1" fontAlgn="auto" latinLnBrk="0" hangingPunct="1">
+              <a:lnSpc>
+                <a:spcPct val="100000"/>
+              </a:lnSpc>
+              <a:spcBef>
+                <a:spcPts val="0"/>
+              </a:spcBef>
+              <a:spcAft>
+                <a:spcPts val="0"/>
+              </a:spcAft>
+              <a:buClrTx/>
+              <a:buSzTx/>
+              <a:buFontTx/>
+              <a:buNone/>
+              <a:tabLst/>
+              <a:defRPr/>
+            </a:pPr>
+            <a:r>
+              <a:rPr lang="en-US" b="1" baseline="0" dirty="0" smtClean="0"/>
+              <a:t>For TA reference- </a:t>
+            </a:r>
+          </a:p>
+          <a:p>
+            <a:pPr marL="0" marR="0" lvl="0" indent="0" defTabSz="914400" eaLnBrk="1" fontAlgn="auto" latinLnBrk="0" hangingPunct="1">
+              <a:lnSpc>
+                <a:spcPct val="100000"/>
+              </a:lnSpc>
+              <a:spcBef>
+                <a:spcPts val="0"/>
+              </a:spcBef>
+              <a:spcAft>
+                <a:spcPts val="0"/>
+              </a:spcAft>
+              <a:buClrTx/>
+              <a:buSzTx/>
+              <a:buFontTx/>
+              <a:buNone/>
+              <a:tabLst/>
+              <a:defRPr/>
+            </a:pPr>
+            <a:r>
+              <a:rPr lang="en-US" b="1" baseline="0" dirty="0" smtClean="0"/>
+              <a:t>The trim step will fail ... the select all needs to be change to select *</a:t>
+            </a:r>
+          </a:p>
+          <a:p>
+            <a:pPr marL="0" marR="0" lvl="0" indent="0" defTabSz="914400" eaLnBrk="1" fontAlgn="auto" latinLnBrk="0" hangingPunct="1">
+              <a:lnSpc>
+                <a:spcPct val="100000"/>
+              </a:lnSpc>
+              <a:spcBef>
+                <a:spcPts val="0"/>
+              </a:spcBef>
+              <a:spcAft>
+                <a:spcPts val="0"/>
+              </a:spcAft>
+              <a:buClrTx/>
+              <a:buSzTx/>
+              <a:buFontTx/>
+              <a:buNone/>
+              <a:tabLst/>
+              <a:defRPr/>
+            </a:pPr>
+            <a:r>
+              <a:rPr lang="en-US" b="1" baseline="0" dirty="0" smtClean="0"/>
+              <a:t> </a:t>
+            </a:r>
           </a:p>
         </p:txBody>
       </p:sp>
@@ -1430,7 +1456,7 @@
     </p:spTree>
     <p:extLst>
       <p:ext uri="{BB962C8B-B14F-4D97-AF65-F5344CB8AC3E}">
-        <p14:creationId xmlns:p14="http://schemas.microsoft.com/office/powerpoint/2010/main" val="597922962"/>
+        <p14:creationId xmlns:p14="http://schemas.microsoft.com/office/powerpoint/2010/main" val="1651792119"/>
       </p:ext>
     </p:extLst>
   </p:cSld>
@@ -1484,7 +1510,7 @@
           <a:bodyPr/>
           <a:lstStyle/>
           <a:p>
-            <a:pPr marL="0" marR="0" lvl="0" indent="0" algn="l" defTabSz="914400" rtl="0" eaLnBrk="1" fontAlgn="auto" latinLnBrk="0" hangingPunct="1">
+            <a:pPr marL="0" marR="0" indent="0" algn="l" defTabSz="914400" rtl="0" eaLnBrk="1" fontAlgn="auto" latinLnBrk="0" hangingPunct="1">
               <a:lnSpc>
                 <a:spcPct val="100000"/>
               </a:lnSpc>
@@ -1502,352 +1528,50 @@
               <a:defRPr/>
             </a:pPr>
             <a:r>
-              <a:rPr lang="en-US" sz="1400" dirty="0" smtClean="0"/>
-              <a:t>**Every business owner should know a little bit about their Customers. It looks like we have a table in our database called Customers. </a:t>
-            </a:r>
-          </a:p>
-          <a:p>
-            <a:pPr marL="0" marR="0" lvl="0" indent="0" algn="l" defTabSz="914400" rtl="0" eaLnBrk="1" fontAlgn="auto" latinLnBrk="0" hangingPunct="1">
-              <a:lnSpc>
-                <a:spcPct val="100000"/>
-              </a:lnSpc>
-              <a:spcBef>
-                <a:spcPts val="0"/>
-              </a:spcBef>
-              <a:spcAft>
-                <a:spcPts val="0"/>
-              </a:spcAft>
-              <a:buClrTx/>
-              <a:buSzTx/>
-              <a:buFontTx/>
-              <a:buNone/>
-              <a:tabLst/>
-              <a:defRPr/>
-            </a:pPr>
+              <a:rPr lang="en-US" dirty="0" smtClean="0"/>
+              <a:t>This allows the user to view all available columns in the table without using too many resources.</a:t>
+            </a:r>
+          </a:p>
+          <a:p>
             <a:endParaRPr lang="en-US" dirty="0" smtClean="0"/>
           </a:p>
           <a:p>
-            <a:pPr marL="0" marR="0" lvl="0" indent="0" algn="l" defTabSz="914400" rtl="0" eaLnBrk="1" fontAlgn="auto" latinLnBrk="0" hangingPunct="1">
-              <a:lnSpc>
-                <a:spcPct val="100000"/>
-              </a:lnSpc>
-              <a:spcBef>
-                <a:spcPts val="0"/>
-              </a:spcBef>
-              <a:spcAft>
-                <a:spcPts val="0"/>
-              </a:spcAft>
-              <a:buClrTx/>
-              <a:buSzTx/>
-              <a:buFontTx/>
-              <a:buNone/>
-              <a:tabLst/>
-              <a:defRPr/>
-            </a:pPr>
             <a:r>
               <a:rPr lang="en-US" dirty="0" smtClean="0"/>
-              <a:t>Lets</a:t>
+              <a:t>What you do is give</a:t>
             </a:r>
             <a:r>
               <a:rPr lang="en-US" baseline="0" dirty="0" smtClean="0"/>
-              <a:t> Dig into our data</a:t>
-            </a:r>
-          </a:p>
-          <a:p>
-            <a:pPr marL="0" marR="0" lvl="0" indent="0" algn="l" defTabSz="914400" rtl="0" eaLnBrk="1" fontAlgn="auto" latinLnBrk="0" hangingPunct="1">
-              <a:lnSpc>
-                <a:spcPct val="100000"/>
-              </a:lnSpc>
-              <a:spcBef>
-                <a:spcPts val="0"/>
-              </a:spcBef>
-              <a:spcAft>
-                <a:spcPts val="0"/>
-              </a:spcAft>
-              <a:buClrTx/>
-              <a:buSzTx/>
-              <a:buFontTx/>
-              <a:buNone/>
-              <a:tabLst/>
-              <a:defRPr/>
-            </a:pPr>
+              <a:t> a numerical number of records to return.</a:t>
+            </a:r>
             <a:endParaRPr lang="en-US" dirty="0" smtClean="0"/>
           </a:p>
           <a:p>
-            <a:pPr marL="0" marR="0" lvl="0" indent="0" algn="l" defTabSz="914400" rtl="0" eaLnBrk="1" fontAlgn="auto" latinLnBrk="0" hangingPunct="1">
-              <a:lnSpc>
-                <a:spcPct val="100000"/>
-              </a:lnSpc>
-              <a:spcBef>
-                <a:spcPts val="0"/>
-              </a:spcBef>
-              <a:spcAft>
-                <a:spcPts val="0"/>
-              </a:spcAft>
-              <a:buClrTx/>
-              <a:buSzTx/>
-              <a:buFontTx/>
-              <a:buNone/>
-              <a:tabLst/>
-              <a:defRPr/>
-            </a:pPr>
+            <a:endParaRPr lang="en-US" dirty="0" smtClean="0"/>
+          </a:p>
+          <a:p>
             <a:r>
               <a:rPr lang="en-US" dirty="0" smtClean="0"/>
-              <a:t>Things to remember – Our</a:t>
+              <a:t>Using limits is a great way to explore a data set without taxing the database with huge returns. </a:t>
+            </a:r>
+          </a:p>
+          <a:p>
+            <a:endParaRPr lang="en-US" dirty="0" smtClean="0"/>
+          </a:p>
+          <a:p>
+            <a:r>
+              <a:rPr lang="en-US" dirty="0" smtClean="0"/>
+              <a:t>Lets try this</a:t>
             </a:r>
             <a:r>
               <a:rPr lang="en-US" baseline="0" dirty="0" smtClean="0"/>
-              <a:t> SQL is not case sensitive. So whether you write SELECT or select or Select all will be read by the database the same. </a:t>
-            </a:r>
-          </a:p>
-          <a:p>
-            <a:pPr marL="0" marR="0" lvl="0" indent="0" algn="l" defTabSz="914400" rtl="0" eaLnBrk="1" fontAlgn="auto" latinLnBrk="0" hangingPunct="1">
-              <a:lnSpc>
-                <a:spcPct val="100000"/>
-              </a:lnSpc>
-              <a:spcBef>
-                <a:spcPts val="0"/>
-              </a:spcBef>
-              <a:spcAft>
-                <a:spcPts val="0"/>
-              </a:spcAft>
-              <a:buClrTx/>
-              <a:buSzTx/>
-              <a:buFontTx/>
-              <a:buNone/>
-              <a:tabLst/>
-              <a:defRPr/>
-            </a:pPr>
-            <a:endParaRPr lang="en-US" baseline="0" dirty="0" smtClean="0"/>
-          </a:p>
-          <a:p>
-            <a:pPr marL="0" marR="0" lvl="0" indent="0" algn="l" defTabSz="914400" rtl="0" eaLnBrk="1" fontAlgn="auto" latinLnBrk="0" hangingPunct="1">
-              <a:lnSpc>
-                <a:spcPct val="100000"/>
-              </a:lnSpc>
-              <a:spcBef>
-                <a:spcPts val="0"/>
-              </a:spcBef>
-              <a:spcAft>
-                <a:spcPts val="0"/>
-              </a:spcAft>
-              <a:buClrTx/>
-              <a:buSzTx/>
-              <a:buFontTx/>
-              <a:buNone/>
-              <a:tabLst/>
-              <a:defRPr/>
-            </a:pPr>
-            <a:r>
-              <a:rPr lang="en-US" baseline="0" dirty="0" smtClean="0"/>
-              <a:t>**Work from </a:t>
-            </a:r>
-            <a:r>
-              <a:rPr lang="en-US" baseline="0" dirty="0" smtClean="0"/>
-              <a:t>PowerPoint**</a:t>
-            </a:r>
-          </a:p>
-          <a:p>
-            <a:pPr marL="0" marR="0" lvl="0" indent="0" algn="l" defTabSz="914400" rtl="0" eaLnBrk="1" fontAlgn="auto" latinLnBrk="0" hangingPunct="1">
-              <a:lnSpc>
-                <a:spcPct val="100000"/>
-              </a:lnSpc>
-              <a:spcBef>
-                <a:spcPts val="0"/>
-              </a:spcBef>
-              <a:spcAft>
-                <a:spcPts val="0"/>
-              </a:spcAft>
-              <a:buClrTx/>
-              <a:buSzTx/>
-              <a:buFontTx/>
-              <a:buNone/>
-              <a:tabLst/>
-              <a:defRPr/>
-            </a:pPr>
-            <a:endParaRPr lang="en-US" baseline="0" dirty="0" smtClean="0"/>
-          </a:p>
-          <a:p>
-            <a:pPr marL="0" marR="0" lvl="0" indent="0" algn="l" defTabSz="914400" rtl="0" eaLnBrk="1" fontAlgn="auto" latinLnBrk="0" hangingPunct="1">
-              <a:lnSpc>
-                <a:spcPct val="100000"/>
-              </a:lnSpc>
-              <a:spcBef>
-                <a:spcPts val="0"/>
-              </a:spcBef>
-              <a:spcAft>
-                <a:spcPts val="0"/>
-              </a:spcAft>
-              <a:buClrTx/>
-              <a:buSzTx/>
-              <a:buFontTx/>
-              <a:buNone/>
-              <a:tabLst/>
-              <a:defRPr/>
-            </a:pPr>
-            <a:r>
-              <a:rPr lang="en-US" baseline="0" dirty="0" smtClean="0"/>
-              <a:t>**Extra step – the database sees ‘all’ as the name of a column, so we need to change it to something the database reads as ‘all’. SQL has a symbol for this very instance the asterisk or star ‘*”</a:t>
-            </a:r>
-          </a:p>
-          <a:p>
-            <a:pPr marL="0" marR="0" lvl="0" indent="0" algn="l" defTabSz="914400" rtl="0" eaLnBrk="1" fontAlgn="auto" latinLnBrk="0" hangingPunct="1">
-              <a:lnSpc>
-                <a:spcPct val="100000"/>
-              </a:lnSpc>
-              <a:spcBef>
-                <a:spcPts val="0"/>
-              </a:spcBef>
-              <a:spcAft>
-                <a:spcPts val="0"/>
-              </a:spcAft>
-              <a:buClrTx/>
-              <a:buSzTx/>
-              <a:buFontTx/>
-              <a:buNone/>
-              <a:tabLst/>
-              <a:defRPr/>
-            </a:pPr>
-            <a:endParaRPr lang="en-US" dirty="0" smtClean="0"/>
-          </a:p>
-          <a:p>
-            <a:pPr marL="0" marR="0" lvl="0" indent="0" defTabSz="914400" eaLnBrk="1" fontAlgn="auto" latinLnBrk="0" hangingPunct="1">
-              <a:lnSpc>
-                <a:spcPct val="100000"/>
-              </a:lnSpc>
-              <a:spcBef>
-                <a:spcPts val="0"/>
-              </a:spcBef>
-              <a:spcAft>
-                <a:spcPts val="0"/>
-              </a:spcAft>
-              <a:buClrTx/>
-              <a:buSzTx/>
-              <a:buFontTx/>
-              <a:buNone/>
-              <a:tabLst/>
-              <a:defRPr/>
-            </a:pPr>
-            <a:r>
-              <a:rPr lang="en-US" b="1" dirty="0" smtClean="0"/>
-              <a:t>**Disclaimer about running select all queries***</a:t>
-            </a:r>
-          </a:p>
-          <a:p>
-            <a:pPr marL="0" marR="0" lvl="0" indent="0" defTabSz="914400" eaLnBrk="1" fontAlgn="auto" latinLnBrk="0" hangingPunct="1">
-              <a:lnSpc>
-                <a:spcPct val="100000"/>
-              </a:lnSpc>
-              <a:spcBef>
-                <a:spcPts val="0"/>
-              </a:spcBef>
-              <a:spcAft>
-                <a:spcPts val="0"/>
-              </a:spcAft>
-              <a:buClrTx/>
-              <a:buSzTx/>
-              <a:buFontTx/>
-              <a:buNone/>
-              <a:tabLst/>
-              <a:defRPr/>
-            </a:pPr>
-            <a:r>
-              <a:rPr lang="en-US" b="1" dirty="0" smtClean="0"/>
-              <a:t>That was good. Now you have everything</a:t>
-            </a:r>
-            <a:r>
-              <a:rPr lang="en-US" b="1" baseline="0" dirty="0" smtClean="0"/>
-              <a:t> from this table. But this is not the best to do when you have a very large table.</a:t>
-            </a:r>
-          </a:p>
-          <a:p>
-            <a:pPr marL="0" marR="0" lvl="0" indent="0" defTabSz="914400" eaLnBrk="1" fontAlgn="auto" latinLnBrk="0" hangingPunct="1">
-              <a:lnSpc>
-                <a:spcPct val="100000"/>
-              </a:lnSpc>
-              <a:spcBef>
-                <a:spcPts val="0"/>
-              </a:spcBef>
-              <a:spcAft>
-                <a:spcPts val="0"/>
-              </a:spcAft>
-              <a:buClrTx/>
-              <a:buSzTx/>
-              <a:buFontTx/>
-              <a:buNone/>
-              <a:tabLst/>
-              <a:defRPr/>
-            </a:pPr>
-            <a:endParaRPr lang="en-US" b="1" baseline="0" dirty="0" smtClean="0"/>
-          </a:p>
-          <a:p>
-            <a:pPr marL="0" marR="0" lvl="0" indent="0" defTabSz="914400" eaLnBrk="1" fontAlgn="auto" latinLnBrk="0" hangingPunct="1">
-              <a:lnSpc>
-                <a:spcPct val="100000"/>
-              </a:lnSpc>
-              <a:spcBef>
-                <a:spcPts val="0"/>
-              </a:spcBef>
-              <a:spcAft>
-                <a:spcPts val="0"/>
-              </a:spcAft>
-              <a:buClrTx/>
-              <a:buSzTx/>
-              <a:buFontTx/>
-              <a:buNone/>
-              <a:tabLst/>
-              <a:defRPr/>
-            </a:pPr>
-            <a:r>
-              <a:rPr lang="en-US" b="1" baseline="0" dirty="0" smtClean="0"/>
-              <a:t>For TA reference- </a:t>
-            </a:r>
-          </a:p>
-          <a:p>
-            <a:pPr marL="0" marR="0" lvl="0" indent="0" defTabSz="914400" eaLnBrk="1" fontAlgn="auto" latinLnBrk="0" hangingPunct="1">
-              <a:lnSpc>
-                <a:spcPct val="100000"/>
-              </a:lnSpc>
-              <a:spcBef>
-                <a:spcPts val="0"/>
-              </a:spcBef>
-              <a:spcAft>
-                <a:spcPts val="0"/>
-              </a:spcAft>
-              <a:buClrTx/>
-              <a:buSzTx/>
-              <a:buFontTx/>
-              <a:buNone/>
-              <a:tabLst/>
-              <a:defRPr/>
-            </a:pPr>
-            <a:r>
-              <a:rPr lang="en-US" b="1" baseline="0" dirty="0" smtClean="0"/>
-              <a:t>The trim step will fail ... the select all needs to be change to select *</a:t>
-            </a:r>
-          </a:p>
-          <a:p>
-            <a:pPr marL="0" marR="0" lvl="0" indent="0" defTabSz="914400" eaLnBrk="1" fontAlgn="auto" latinLnBrk="0" hangingPunct="1">
-              <a:lnSpc>
-                <a:spcPct val="100000"/>
-              </a:lnSpc>
-              <a:spcBef>
-                <a:spcPts val="0"/>
-              </a:spcBef>
-              <a:spcAft>
-                <a:spcPts val="0"/>
-              </a:spcAft>
-              <a:buClrTx/>
-              <a:buSzTx/>
-              <a:buFontTx/>
-              <a:buNone/>
-              <a:tabLst/>
-              <a:defRPr/>
-            </a:pPr>
-            <a:r>
-              <a:rPr lang="en-US" b="1" baseline="0" dirty="0" smtClean="0"/>
-              <a:t> </a:t>
-            </a:r>
+              <a:t> for all of our tables</a:t>
+            </a:r>
+            <a:r>
+              <a:rPr lang="is-IS" baseline="0" dirty="0" smtClean="0"/>
+              <a:t>… just to get an idea of whats in them.</a:t>
+            </a:r>
+            <a:endParaRPr lang="en-US" dirty="0"/>
           </a:p>
         </p:txBody>
       </p:sp>
@@ -1877,7 +1601,7 @@
     </p:spTree>
     <p:extLst>
       <p:ext uri="{BB962C8B-B14F-4D97-AF65-F5344CB8AC3E}">
-        <p14:creationId xmlns:p14="http://schemas.microsoft.com/office/powerpoint/2010/main" val="1651792119"/>
+        <p14:creationId xmlns:p14="http://schemas.microsoft.com/office/powerpoint/2010/main" val="180319588"/>
       </p:ext>
     </p:extLst>
   </p:cSld>
@@ -1931,67 +1655,46 @@
           <a:bodyPr/>
           <a:lstStyle/>
           <a:p>
-            <a:pPr marL="0" marR="0" indent="0" algn="l" defTabSz="914400" rtl="0" eaLnBrk="1" fontAlgn="auto" latinLnBrk="0" hangingPunct="1">
-              <a:lnSpc>
-                <a:spcPct val="100000"/>
-              </a:lnSpc>
-              <a:spcBef>
-                <a:spcPts val="0"/>
-              </a:spcBef>
-              <a:spcAft>
-                <a:spcPts val="0"/>
-              </a:spcAft>
-              <a:buClrTx/>
-              <a:buSzTx/>
-              <a:buFontTx/>
-              <a:buNone/>
-              <a:tabLst/>
-              <a:defRPr/>
-            </a:pPr>
+            <a:r>
+              <a:rPr lang="is-IS" baseline="0" dirty="0" smtClean="0"/>
+              <a:t>Alright next steps – learning how to return specific data from a table</a:t>
+            </a:r>
+          </a:p>
+          <a:p>
+            <a:endParaRPr lang="is-IS" baseline="0" dirty="0" smtClean="0"/>
+          </a:p>
+          <a:p>
+            <a:r>
+              <a:rPr lang="is-IS" baseline="0" dirty="0" smtClean="0"/>
+              <a:t>So we previously returned a list of all customers. What if I only wanted to see a Customers Name and ID. I dont need anything more than that...</a:t>
+            </a:r>
+          </a:p>
+          <a:p>
+            <a:endParaRPr lang="is-IS" baseline="0" dirty="0" smtClean="0"/>
+          </a:p>
+          <a:p>
             <a:r>
               <a:rPr lang="en-US" dirty="0" smtClean="0"/>
-              <a:t>This allows the user to view all available columns in the table without using too many resources.</a:t>
-            </a:r>
-          </a:p>
-          <a:p>
-            <a:endParaRPr lang="en-US" dirty="0" smtClean="0"/>
-          </a:p>
-          <a:p>
+              <a:t>Select </a:t>
+            </a:r>
+            <a:r>
+              <a:rPr lang="en-US" dirty="0" err="1" smtClean="0"/>
+              <a:t>CustomerID</a:t>
+            </a:r>
             <a:r>
               <a:rPr lang="en-US" dirty="0" smtClean="0"/>
-              <a:t>What you do is give</a:t>
-            </a:r>
-            <a:r>
-              <a:rPr lang="en-US" baseline="0" dirty="0" smtClean="0"/>
-              <a:t> a numerical number of records to return.</a:t>
-            </a:r>
-            <a:endParaRPr lang="en-US" dirty="0" smtClean="0"/>
-          </a:p>
-          <a:p>
-            <a:endParaRPr lang="en-US" dirty="0" smtClean="0"/>
-          </a:p>
-          <a:p>
+              <a:t>, </a:t>
+            </a:r>
+            <a:r>
+              <a:rPr lang="en-US" dirty="0" err="1" smtClean="0"/>
+              <a:t>CustomerName</a:t>
+            </a:r>
             <a:r>
               <a:rPr lang="en-US" dirty="0" smtClean="0"/>
-              <a:t>Using limits is a great way to explore a data set without taxing the database with huge returns. </a:t>
-            </a:r>
-          </a:p>
-          <a:p>
-            <a:endParaRPr lang="en-US" dirty="0" smtClean="0"/>
-          </a:p>
-          <a:p>
-            <a:r>
-              <a:rPr lang="en-US" dirty="0" smtClean="0"/>
-              <a:t>Lets try this</a:t>
-            </a:r>
-            <a:r>
-              <a:rPr lang="en-US" baseline="0" dirty="0" smtClean="0"/>
-              <a:t> for all of our tables</a:t>
-            </a:r>
-            <a:r>
-              <a:rPr lang="is-IS" baseline="0" dirty="0" smtClean="0"/>
-              <a:t>… just to get an idea of whats in them.</a:t>
-            </a:r>
+              <a:t> from Customers</a:t>
+            </a:r>
+          </a:p>
+          <a:p>
             <a:endParaRPr lang="en-US" dirty="0"/>
           </a:p>
         </p:txBody>
@@ -2022,7 +1725,7 @@
     </p:spTree>
     <p:extLst>
       <p:ext uri="{BB962C8B-B14F-4D97-AF65-F5344CB8AC3E}">
-        <p14:creationId xmlns:p14="http://schemas.microsoft.com/office/powerpoint/2010/main" val="180319588"/>
+        <p14:creationId xmlns:p14="http://schemas.microsoft.com/office/powerpoint/2010/main" val="476186101"/>
       </p:ext>
     </p:extLst>
   </p:cSld>
@@ -2077,43 +1780,23 @@
           <a:lstStyle/>
           <a:p>
             <a:r>
+              <a:rPr lang="en-US" dirty="0" smtClean="0"/>
+              <a:t>Now that we have</a:t>
+            </a:r>
+            <a:r>
+              <a:rPr lang="en-US" baseline="0" dirty="0" smtClean="0"/>
+              <a:t> the hang of this</a:t>
+            </a:r>
+            <a:r>
               <a:rPr lang="is-IS" baseline="0" dirty="0" smtClean="0"/>
-              <a:t>Alright next steps – learning how to return specific data from a table</a:t>
+              <a:t>… lets try another</a:t>
             </a:r>
           </a:p>
           <a:p>
             <a:endParaRPr lang="is-IS" baseline="0" dirty="0" smtClean="0"/>
           </a:p>
           <a:p>
-            <a:r>
-              <a:rPr lang="is-IS" baseline="0" dirty="0" smtClean="0"/>
-              <a:t>So we previously returned a list of all customers. What if I only wanted to see a Customers Name and ID. I dont need anything more than that...</a:t>
-            </a:r>
-          </a:p>
-          <a:p>
             <a:endParaRPr lang="is-IS" baseline="0" dirty="0" smtClean="0"/>
-          </a:p>
-          <a:p>
-            <a:r>
-              <a:rPr lang="en-US" dirty="0" smtClean="0"/>
-              <a:t>Select </a:t>
-            </a:r>
-            <a:r>
-              <a:rPr lang="en-US" dirty="0" err="1" smtClean="0"/>
-              <a:t>CustomerID</a:t>
-            </a:r>
-            <a:r>
-              <a:rPr lang="en-US" dirty="0" smtClean="0"/>
-              <a:t>, </a:t>
-            </a:r>
-            <a:r>
-              <a:rPr lang="en-US" dirty="0" err="1" smtClean="0"/>
-              <a:t>CustomerName</a:t>
-            </a:r>
-            <a:r>
-              <a:rPr lang="en-US" dirty="0" smtClean="0"/>
-              <a:t> from Customers</a:t>
-            </a:r>
           </a:p>
           <a:p>
             <a:endParaRPr lang="en-US" dirty="0"/>
@@ -2146,7 +1829,7 @@
     </p:spTree>
     <p:extLst>
       <p:ext uri="{BB962C8B-B14F-4D97-AF65-F5344CB8AC3E}">
-        <p14:creationId xmlns:p14="http://schemas.microsoft.com/office/powerpoint/2010/main" val="476186101"/>
+        <p14:creationId xmlns:p14="http://schemas.microsoft.com/office/powerpoint/2010/main" val="72156904"/>
       </p:ext>
     </p:extLst>
   </p:cSld>
@@ -2202,25 +1885,45 @@
           <a:p>
             <a:r>
               <a:rPr lang="en-US" dirty="0" smtClean="0"/>
-              <a:t>Now that we have</a:t>
+              <a:t>So far we have only used Select and From from our framework.</a:t>
+            </a:r>
+          </a:p>
+          <a:p>
+            <a:endParaRPr lang="en-US" dirty="0" smtClean="0"/>
+          </a:p>
+          <a:p>
+            <a:r>
+              <a:rPr lang="en-US" dirty="0" smtClean="0"/>
+              <a:t>But what happens when we only want the names of</a:t>
             </a:r>
             <a:r>
               <a:rPr lang="en-US" baseline="0" dirty="0" smtClean="0"/>
-              <a:t> the hang of this</a:t>
-            </a:r>
-            <a:r>
-              <a:rPr lang="is-IS" baseline="0" dirty="0" smtClean="0"/>
-              <a:t>… lets try another</a:t>
-            </a:r>
-          </a:p>
-          <a:p>
-            <a:endParaRPr lang="is-IS" baseline="0" dirty="0" smtClean="0"/>
-          </a:p>
-          <a:p>
-            <a:endParaRPr lang="is-IS" baseline="0" dirty="0" smtClean="0"/>
-          </a:p>
-          <a:p>
-            <a:endParaRPr lang="en-US" dirty="0"/>
+              <a:t> Customers from a specific country? Perhaps we only want to send advertisements to people in this country. </a:t>
+            </a:r>
+          </a:p>
+          <a:p>
+            <a:endParaRPr lang="en-US" baseline="0" dirty="0" smtClean="0"/>
+          </a:p>
+          <a:p>
+            <a:r>
+              <a:rPr lang="en-US" baseline="0" dirty="0" smtClean="0"/>
+              <a:t>Lets make this a little more fun. Lets look for customers who live in our favorite country.</a:t>
+            </a:r>
+          </a:p>
+          <a:p>
+            <a:endParaRPr lang="en-US" baseline="0" dirty="0" smtClean="0"/>
+          </a:p>
+          <a:p>
+            <a:r>
+              <a:rPr lang="en-US" baseline="0" dirty="0" smtClean="0"/>
+              <a:t>Make sure that when you type a text or string term in the where clause that you put quotations around it. Otherwise the database won’t know be able to recognize that you are looking for a string/text term.</a:t>
+            </a:r>
+          </a:p>
+          <a:p>
+            <a:endParaRPr lang="en-US" dirty="0" smtClean="0"/>
+          </a:p>
+          <a:p>
+            <a:endParaRPr lang="en-US" dirty="0" smtClean="0"/>
           </a:p>
         </p:txBody>
       </p:sp>
@@ -2250,7 +1953,7 @@
     </p:spTree>
     <p:extLst>
       <p:ext uri="{BB962C8B-B14F-4D97-AF65-F5344CB8AC3E}">
-        <p14:creationId xmlns:p14="http://schemas.microsoft.com/office/powerpoint/2010/main" val="72156904"/>
+        <p14:creationId xmlns:p14="http://schemas.microsoft.com/office/powerpoint/2010/main" val="1487206118"/>
       </p:ext>
     </p:extLst>
   </p:cSld>
@@ -2304,47 +2007,35 @@
           <a:bodyPr/>
           <a:lstStyle/>
           <a:p>
+            <a:pPr marL="0" marR="0" indent="0" algn="l" defTabSz="914400" rtl="0" eaLnBrk="1" fontAlgn="auto" latinLnBrk="0" hangingPunct="1">
+              <a:lnSpc>
+                <a:spcPct val="100000"/>
+              </a:lnSpc>
+              <a:spcBef>
+                <a:spcPts val="0"/>
+              </a:spcBef>
+              <a:spcAft>
+                <a:spcPts val="0"/>
+              </a:spcAft>
+              <a:buClrTx/>
+              <a:buSzTx/>
+              <a:buFontTx/>
+              <a:buNone/>
+              <a:tabLst/>
+              <a:defRPr/>
+            </a:pPr>
             <a:r>
               <a:rPr lang="en-US" dirty="0" smtClean="0"/>
-              <a:t>So far we have only used Select and From from our framework.</a:t>
-            </a:r>
-          </a:p>
-          <a:p>
+              <a:t>I've</a:t>
+            </a:r>
+            <a:r>
+              <a:rPr lang="en-US" baseline="0" dirty="0" smtClean="0"/>
+              <a:t> listed the different types of joins here for reference after this class. The only join we will be using/focusing on in this class will be INNER JOINS.</a:t>
+            </a:r>
             <a:endParaRPr lang="en-US" dirty="0" smtClean="0"/>
           </a:p>
           <a:p>
-            <a:r>
-              <a:rPr lang="en-US" dirty="0" smtClean="0"/>
-              <a:t>But what happens when we only want the names of</a:t>
-            </a:r>
-            <a:r>
-              <a:rPr lang="en-US" baseline="0" dirty="0" smtClean="0"/>
-              <a:t> Customers from a specific country? Perhaps we only want to send advertisements to people in this country. </a:t>
-            </a:r>
-          </a:p>
-          <a:p>
-            <a:endParaRPr lang="en-US" baseline="0" dirty="0" smtClean="0"/>
-          </a:p>
-          <a:p>
-            <a:r>
-              <a:rPr lang="en-US" baseline="0" dirty="0" smtClean="0"/>
-              <a:t>Lets make this a little more fun. Lets look for customers who live in our favorite country.</a:t>
-            </a:r>
-          </a:p>
-          <a:p>
-            <a:endParaRPr lang="en-US" baseline="0" dirty="0" smtClean="0"/>
-          </a:p>
-          <a:p>
-            <a:r>
-              <a:rPr lang="en-US" baseline="0" dirty="0" smtClean="0"/>
-              <a:t>Make sure that when you type a text or string term in the where clause that you put quotations around it. Otherwise the database won’t know be able to recognize that you are looking for a string/text term.</a:t>
-            </a:r>
-          </a:p>
-          <a:p>
-            <a:endParaRPr lang="en-US" dirty="0" smtClean="0"/>
-          </a:p>
-          <a:p>
-            <a:endParaRPr lang="en-US" dirty="0" smtClean="0"/>
+            <a:endParaRPr lang="en-US" dirty="0"/>
           </a:p>
         </p:txBody>
       </p:sp>
@@ -2374,7 +2065,7 @@
     </p:spTree>
     <p:extLst>
       <p:ext uri="{BB962C8B-B14F-4D97-AF65-F5344CB8AC3E}">
-        <p14:creationId xmlns:p14="http://schemas.microsoft.com/office/powerpoint/2010/main" val="1487206118"/>
+        <p14:creationId xmlns:p14="http://schemas.microsoft.com/office/powerpoint/2010/main" val="1084807731"/>
       </p:ext>
     </p:extLst>
   </p:cSld>
@@ -2428,34 +2119,190 @@
           <a:bodyPr/>
           <a:lstStyle/>
           <a:p>
-            <a:pPr marL="0" marR="0" indent="0" algn="l" defTabSz="914400" rtl="0" eaLnBrk="1" fontAlgn="auto" latinLnBrk="0" hangingPunct="1">
-              <a:lnSpc>
-                <a:spcPct val="100000"/>
-              </a:lnSpc>
-              <a:spcBef>
-                <a:spcPts val="0"/>
-              </a:spcBef>
-              <a:spcAft>
-                <a:spcPts val="0"/>
-              </a:spcAft>
-              <a:buClrTx/>
-              <a:buSzTx/>
-              <a:buFontTx/>
-              <a:buNone/>
-              <a:tabLst/>
-              <a:defRPr/>
-            </a:pPr>
             <a:r>
               <a:rPr lang="en-US" dirty="0" smtClean="0"/>
-              <a:t>I've</a:t>
-            </a:r>
-            <a:r>
-              <a:rPr lang="en-US" baseline="0" dirty="0" smtClean="0"/>
-              <a:t> listed the different types of joins here for reference after this class. The only join we will be using/focusing on in this class will be INNER JOINS.</a:t>
-            </a:r>
-            <a:endParaRPr lang="en-US" dirty="0" smtClean="0"/>
-          </a:p>
-          <a:p>
+              <a:t>Lets take a look at the orders table</a:t>
+            </a:r>
+            <a:r>
+              <a:rPr lang="is-IS" dirty="0" smtClean="0"/>
+              <a:t>… </a:t>
+            </a:r>
+          </a:p>
+          <a:p>
+            <a:endParaRPr lang="is-IS" dirty="0" smtClean="0"/>
+          </a:p>
+          <a:p>
+            <a:r>
+              <a:rPr lang="en-US" dirty="0" smtClean="0"/>
+              <a:t>I</a:t>
+            </a:r>
+            <a:r>
+              <a:rPr lang="is-IS" dirty="0" smtClean="0"/>
+              <a:t>t</a:t>
+            </a:r>
+            <a:r>
+              <a:rPr lang="is-IS" baseline="0" dirty="0" smtClean="0"/>
+              <a:t> looks like it has OrderID, CustomerID, EmployeeID, OrderDate, ShipperID.</a:t>
+            </a:r>
+          </a:p>
+          <a:p>
+            <a:endParaRPr lang="is-IS" baseline="0" dirty="0" smtClean="0"/>
+          </a:p>
+          <a:p>
+            <a:r>
+              <a:rPr lang="is-IS" baseline="0" dirty="0" smtClean="0"/>
+              <a:t>Then we have a look at the OrderDetails</a:t>
+            </a:r>
+          </a:p>
+          <a:p>
+            <a:endParaRPr lang="is-IS" baseline="0" dirty="0" smtClean="0"/>
+          </a:p>
+          <a:p>
+            <a:r>
+              <a:rPr lang="en-US" sz="1200" b="0" i="0" kern="1200" dirty="0" smtClean="0">
+                <a:solidFill>
+                  <a:schemeClr val="tx1"/>
+                </a:solidFill>
+                <a:effectLst/>
+                <a:latin typeface="+mn-lt"/>
+                <a:ea typeface="+mn-ea"/>
+                <a:cs typeface="+mn-cs"/>
+              </a:rPr>
+              <a:t>Notice that the ”</a:t>
+            </a:r>
+            <a:r>
+              <a:rPr lang="en-US" sz="1200" b="0" i="0" kern="1200" dirty="0" err="1" smtClean="0">
+                <a:solidFill>
+                  <a:schemeClr val="tx1"/>
+                </a:solidFill>
+                <a:effectLst/>
+                <a:latin typeface="+mn-lt"/>
+                <a:ea typeface="+mn-ea"/>
+                <a:cs typeface="+mn-cs"/>
+              </a:rPr>
+              <a:t>OrderID</a:t>
+            </a:r>
+            <a:r>
+              <a:rPr lang="en-US" sz="1200" b="0" i="0" kern="1200" dirty="0" smtClean="0">
+                <a:solidFill>
+                  <a:schemeClr val="tx1"/>
+                </a:solidFill>
+                <a:effectLst/>
+                <a:latin typeface="+mn-lt"/>
+                <a:ea typeface="+mn-ea"/>
+                <a:cs typeface="+mn-cs"/>
+              </a:rPr>
+              <a:t>" column in the "</a:t>
+            </a:r>
+            <a:r>
+              <a:rPr lang="en-US" sz="1200" b="0" i="0" kern="1200" dirty="0" err="1" smtClean="0">
+                <a:solidFill>
+                  <a:schemeClr val="tx1"/>
+                </a:solidFill>
+                <a:effectLst/>
+                <a:latin typeface="+mn-lt"/>
+                <a:ea typeface="+mn-ea"/>
+                <a:cs typeface="+mn-cs"/>
+              </a:rPr>
+              <a:t>OrdersDetails</a:t>
+            </a:r>
+            <a:r>
+              <a:rPr lang="en-US" sz="1200" b="0" i="0" kern="1200" dirty="0" smtClean="0">
+                <a:solidFill>
+                  <a:schemeClr val="tx1"/>
+                </a:solidFill>
+                <a:effectLst/>
+                <a:latin typeface="+mn-lt"/>
+                <a:ea typeface="+mn-ea"/>
+                <a:cs typeface="+mn-cs"/>
+              </a:rPr>
+              <a:t>" table refers to the ”</a:t>
+            </a:r>
+            <a:r>
+              <a:rPr lang="en-US" sz="1200" b="0" i="0" kern="1200" dirty="0" err="1" smtClean="0">
+                <a:solidFill>
+                  <a:schemeClr val="tx1"/>
+                </a:solidFill>
+                <a:effectLst/>
+                <a:latin typeface="+mn-lt"/>
+                <a:ea typeface="+mn-ea"/>
+                <a:cs typeface="+mn-cs"/>
+              </a:rPr>
+              <a:t>OrderID</a:t>
+            </a:r>
+            <a:r>
+              <a:rPr lang="en-US" sz="1200" b="0" i="0" kern="1200" dirty="0" smtClean="0">
+                <a:solidFill>
+                  <a:schemeClr val="tx1"/>
+                </a:solidFill>
+                <a:effectLst/>
+                <a:latin typeface="+mn-lt"/>
+                <a:ea typeface="+mn-ea"/>
+                <a:cs typeface="+mn-cs"/>
+              </a:rPr>
+              <a:t>" in the ”Orders" table. The relationship between the two tables above is the ”</a:t>
+            </a:r>
+            <a:r>
+              <a:rPr lang="en-US" sz="1200" b="0" i="0" kern="1200" dirty="0" err="1" smtClean="0">
+                <a:solidFill>
+                  <a:schemeClr val="tx1"/>
+                </a:solidFill>
+                <a:effectLst/>
+                <a:latin typeface="+mn-lt"/>
+                <a:ea typeface="+mn-ea"/>
+                <a:cs typeface="+mn-cs"/>
+              </a:rPr>
+              <a:t>OrderID</a:t>
+            </a:r>
+            <a:r>
+              <a:rPr lang="en-US" sz="1200" b="0" i="0" kern="1200" dirty="0" smtClean="0">
+                <a:solidFill>
+                  <a:schemeClr val="tx1"/>
+                </a:solidFill>
+                <a:effectLst/>
+                <a:latin typeface="+mn-lt"/>
+                <a:ea typeface="+mn-ea"/>
+                <a:cs typeface="+mn-cs"/>
+              </a:rPr>
+              <a:t>" column.</a:t>
+            </a:r>
+          </a:p>
+          <a:p>
+            <a:endParaRPr lang="en-US" sz="1200" b="0" i="0" kern="1200" dirty="0" smtClean="0">
+              <a:solidFill>
+                <a:schemeClr val="tx1"/>
+              </a:solidFill>
+              <a:effectLst/>
+              <a:latin typeface="+mn-lt"/>
+              <a:ea typeface="+mn-ea"/>
+              <a:cs typeface="+mn-cs"/>
+            </a:endParaRPr>
+          </a:p>
+          <a:p>
+            <a:r>
+              <a:rPr lang="en-US" sz="1200" b="0" i="0" kern="1200" dirty="0" smtClean="0">
+                <a:solidFill>
+                  <a:schemeClr val="tx1"/>
+                </a:solidFill>
+                <a:effectLst/>
+                <a:latin typeface="+mn-lt"/>
+                <a:ea typeface="+mn-ea"/>
+                <a:cs typeface="+mn-cs"/>
+              </a:rPr>
+              <a:t>We connect</a:t>
+            </a:r>
+            <a:r>
+              <a:rPr lang="en-US" sz="1200" b="0" i="0" kern="1200" baseline="0" dirty="0" smtClean="0">
+                <a:solidFill>
+                  <a:schemeClr val="tx1"/>
+                </a:solidFill>
+                <a:effectLst/>
+                <a:latin typeface="+mn-lt"/>
+                <a:ea typeface="+mn-ea"/>
+                <a:cs typeface="+mn-cs"/>
+              </a:rPr>
+              <a:t> these tables adding this join into the format</a:t>
+            </a:r>
             <a:endParaRPr lang="en-US" dirty="0"/>
           </a:p>
         </p:txBody>
@@ -2486,7 +2333,7 @@
     </p:spTree>
     <p:extLst>
       <p:ext uri="{BB962C8B-B14F-4D97-AF65-F5344CB8AC3E}">
-        <p14:creationId xmlns:p14="http://schemas.microsoft.com/office/powerpoint/2010/main" val="1084807731"/>
+        <p14:creationId xmlns:p14="http://schemas.microsoft.com/office/powerpoint/2010/main" val="2014280777"/>
       </p:ext>
     </p:extLst>
   </p:cSld>
@@ -2540,23 +2387,278 @@
           <a:bodyPr/>
           <a:lstStyle/>
           <a:p>
+            <a:pPr marL="0" marR="0" indent="0" algn="l" defTabSz="914400" rtl="0" eaLnBrk="1" fontAlgn="auto" latinLnBrk="0" hangingPunct="1">
+              <a:lnSpc>
+                <a:spcPct val="100000"/>
+              </a:lnSpc>
+              <a:spcBef>
+                <a:spcPts val="0"/>
+              </a:spcBef>
+              <a:spcAft>
+                <a:spcPts val="0"/>
+              </a:spcAft>
+              <a:buClrTx/>
+              <a:buSzTx/>
+              <a:buFontTx/>
+              <a:buNone/>
+              <a:tabLst/>
+              <a:defRPr/>
+            </a:pPr>
             <a:r>
               <a:rPr lang="en-US" dirty="0" smtClean="0"/>
-              <a:t>Reading</a:t>
-            </a:r>
-            <a:r>
-              <a:rPr lang="en-US" baseline="0" dirty="0" smtClean="0"/>
-              <a:t> from PowerPoints can be slightly boring, so I prepared this presentation mostly for the purposes of reference for everyone after the class today. I won’t be reading everything from this presentation to you, but will in fact be hitting the basics to give you a good foundation before we get to play in the data. </a:t>
-            </a:r>
-          </a:p>
-          <a:p>
-            <a:endParaRPr lang="en-US" baseline="0" dirty="0" smtClean="0"/>
-          </a:p>
-          <a:p>
-            <a:r>
-              <a:rPr lang="en-US" baseline="0" dirty="0" smtClean="0"/>
-              <a:t>Please stop me or raise your hand if I am going to fast for you or you have questions.</a:t>
-            </a:r>
+              <a:t>So – now to the reason we are all here today</a:t>
+            </a:r>
+            <a:r>
+              <a:rPr lang="is-IS" dirty="0" smtClean="0"/>
+              <a:t>… SQL!</a:t>
+            </a:r>
+            <a:r>
+              <a:rPr lang="is-IS" baseline="0" dirty="0" smtClean="0"/>
+              <a:t> </a:t>
+            </a:r>
+            <a:endParaRPr lang="is-IS" dirty="0" smtClean="0"/>
+          </a:p>
+          <a:p>
+            <a:pPr marL="0" marR="0" indent="0" algn="l" defTabSz="914400" rtl="0" eaLnBrk="1" fontAlgn="auto" latinLnBrk="0" hangingPunct="1">
+              <a:lnSpc>
+                <a:spcPct val="100000"/>
+              </a:lnSpc>
+              <a:spcBef>
+                <a:spcPts val="0"/>
+              </a:spcBef>
+              <a:spcAft>
+                <a:spcPts val="0"/>
+              </a:spcAft>
+              <a:buClrTx/>
+              <a:buSzTx/>
+              <a:buFontTx/>
+              <a:buNone/>
+              <a:tabLst/>
+              <a:defRPr/>
+            </a:pPr>
+            <a:r>
+              <a:rPr lang="en-US" b="1" dirty="0" smtClean="0"/>
+              <a:t>SQL</a:t>
+            </a:r>
+            <a:r>
+              <a:rPr lang="en-US" dirty="0" smtClean="0"/>
+              <a:t> (pronounced "</a:t>
+            </a:r>
+            <a:r>
+              <a:rPr lang="en-US" dirty="0" err="1" smtClean="0"/>
+              <a:t>ess</a:t>
+            </a:r>
+            <a:r>
+              <a:rPr lang="en-US" dirty="0" smtClean="0"/>
+              <a:t>-que-el” or “see-quill”) stands for </a:t>
+            </a:r>
+            <a:r>
+              <a:rPr lang="en-US" b="1" dirty="0" smtClean="0"/>
+              <a:t>Structured Query Language</a:t>
+            </a:r>
+            <a:r>
+              <a:rPr lang="en-US" dirty="0" smtClean="0"/>
+              <a:t>. </a:t>
+            </a:r>
+          </a:p>
+          <a:p>
+            <a:pPr marL="0" marR="0" indent="0" algn="l" defTabSz="914400" rtl="0" eaLnBrk="1" fontAlgn="auto" latinLnBrk="0" hangingPunct="1">
+              <a:lnSpc>
+                <a:spcPct val="100000"/>
+              </a:lnSpc>
+              <a:spcBef>
+                <a:spcPts val="0"/>
+              </a:spcBef>
+              <a:spcAft>
+                <a:spcPts val="0"/>
+              </a:spcAft>
+              <a:buClrTx/>
+              <a:buSzTx/>
+              <a:buFontTx/>
+              <a:buNone/>
+              <a:tabLst/>
+              <a:defRPr/>
+            </a:pPr>
+            <a:endParaRPr lang="en-US" dirty="0" smtClean="0"/>
+          </a:p>
+          <a:p>
+            <a:pPr marL="0" marR="0" indent="0" algn="l" defTabSz="914400" rtl="0" eaLnBrk="1" fontAlgn="auto" latinLnBrk="0" hangingPunct="1">
+              <a:lnSpc>
+                <a:spcPct val="100000"/>
+              </a:lnSpc>
+              <a:spcBef>
+                <a:spcPts val="0"/>
+              </a:spcBef>
+              <a:spcAft>
+                <a:spcPts val="0"/>
+              </a:spcAft>
+              <a:buClrTx/>
+              <a:buSzTx/>
+              <a:buFontTx/>
+              <a:buNone/>
+              <a:tabLst/>
+              <a:defRPr/>
+            </a:pPr>
+            <a:r>
+              <a:rPr lang="en-US" dirty="0" smtClean="0"/>
+              <a:t>How is SQL used: For the creation, modification and </a:t>
+            </a:r>
+            <a:r>
+              <a:rPr lang="is-IS" dirty="0" smtClean="0"/>
+              <a:t>… </a:t>
+            </a:r>
+            <a:r>
+              <a:rPr lang="is-IS" b="1" dirty="0" smtClean="0"/>
+              <a:t>querying</a:t>
+            </a:r>
+            <a:r>
+              <a:rPr lang="is-IS" dirty="0" smtClean="0"/>
+              <a:t> of relational</a:t>
+            </a:r>
+            <a:r>
+              <a:rPr lang="is-IS" baseline="0" dirty="0" smtClean="0"/>
+              <a:t> databases and schema.</a:t>
+            </a:r>
+            <a:endParaRPr lang="en-US" dirty="0" smtClean="0"/>
+          </a:p>
+          <a:p>
+            <a:pPr marL="0" marR="0" indent="0" algn="l" defTabSz="914400" rtl="0" eaLnBrk="1" fontAlgn="auto" latinLnBrk="0" hangingPunct="1">
+              <a:lnSpc>
+                <a:spcPct val="100000"/>
+              </a:lnSpc>
+              <a:spcBef>
+                <a:spcPts val="0"/>
+              </a:spcBef>
+              <a:spcAft>
+                <a:spcPts val="0"/>
+              </a:spcAft>
+              <a:buClrTx/>
+              <a:buSzTx/>
+              <a:buFontTx/>
+              <a:buNone/>
+              <a:tabLst/>
+              <a:defRPr/>
+            </a:pPr>
+            <a:endParaRPr lang="en-US" dirty="0" smtClean="0"/>
+          </a:p>
+          <a:p>
+            <a:pPr marL="0" marR="0" indent="0" algn="l" defTabSz="914400" rtl="0" eaLnBrk="1" fontAlgn="auto" latinLnBrk="0" hangingPunct="1">
+              <a:lnSpc>
+                <a:spcPct val="100000"/>
+              </a:lnSpc>
+              <a:spcBef>
+                <a:spcPts val="0"/>
+              </a:spcBef>
+              <a:spcAft>
+                <a:spcPts val="0"/>
+              </a:spcAft>
+              <a:buClrTx/>
+              <a:buSzTx/>
+              <a:buFontTx/>
+              <a:buNone/>
+              <a:tabLst/>
+              <a:defRPr/>
+            </a:pPr>
+            <a:r>
+              <a:rPr lang="en-US" dirty="0" smtClean="0"/>
+              <a:t>How I think of it - SQL is the translation of a business question into a </a:t>
+            </a:r>
+            <a:r>
+              <a:rPr lang="en-US" b="1" dirty="0" smtClean="0"/>
+              <a:t>query</a:t>
+            </a:r>
+            <a:r>
+              <a:rPr lang="en-US" dirty="0" smtClean="0"/>
+              <a:t> that is framed in a precise language that a database can read</a:t>
+            </a:r>
+            <a:r>
+              <a:rPr lang="is-IS" dirty="0" smtClean="0"/>
+              <a:t>…</a:t>
+            </a:r>
+            <a:r>
+              <a:rPr lang="en-US" dirty="0" smtClean="0"/>
+              <a:t> and respond back with an answer. </a:t>
+            </a:r>
+          </a:p>
+          <a:p>
+            <a:endParaRPr lang="en-US" dirty="0" smtClean="0"/>
+          </a:p>
+          <a:p>
+            <a:endParaRPr lang="en-US" dirty="0" smtClean="0"/>
+          </a:p>
+          <a:p>
+            <a:endParaRPr lang="en-US" dirty="0" smtClean="0"/>
+          </a:p>
+          <a:p>
+            <a:r>
+              <a:rPr lang="en-US" dirty="0" smtClean="0"/>
+              <a:t>For Reference</a:t>
+            </a:r>
+          </a:p>
+          <a:p>
+            <a:pPr marL="0" marR="0" indent="0" algn="l" defTabSz="914400" rtl="0" eaLnBrk="1" fontAlgn="auto" latinLnBrk="0" hangingPunct="1">
+              <a:lnSpc>
+                <a:spcPct val="100000"/>
+              </a:lnSpc>
+              <a:spcBef>
+                <a:spcPts val="0"/>
+              </a:spcBef>
+              <a:spcAft>
+                <a:spcPts val="0"/>
+              </a:spcAft>
+              <a:buClrTx/>
+              <a:buSzTx/>
+              <a:buFontTx/>
+              <a:buNone/>
+              <a:tabLst/>
+              <a:defRPr/>
+            </a:pPr>
+            <a:r>
+              <a:rPr lang="en-US" dirty="0" smtClean="0"/>
+              <a:t>RDMS: Some common relational database management systems that use SQL are: Oracle, Sybase, Microsoft SQL Server, Access, Ingres, etc. Although most database systems use SQL, most of them also have their own additional proprietary extensions that are usually only used on their system. However, the standard SQL commands such as "Select", "Insert", "Update", "Delete", "Create", and "Drop" can be used to accomplish almost everything that one needs to do with a database. </a:t>
+            </a:r>
+          </a:p>
+          <a:p>
+            <a:pPr marL="0" marR="0" indent="0" algn="l" defTabSz="914400" rtl="0" eaLnBrk="1" fontAlgn="auto" latinLnBrk="0" hangingPunct="1">
+              <a:lnSpc>
+                <a:spcPct val="100000"/>
+              </a:lnSpc>
+              <a:spcBef>
+                <a:spcPts val="0"/>
+              </a:spcBef>
+              <a:spcAft>
+                <a:spcPts val="0"/>
+              </a:spcAft>
+              <a:buClrTx/>
+              <a:buSzTx/>
+              <a:buFontTx/>
+              <a:buNone/>
+              <a:tabLst/>
+              <a:defRPr/>
+            </a:pPr>
+            <a:endParaRPr lang="en-US" dirty="0" smtClean="0"/>
+          </a:p>
+          <a:p>
+            <a:pPr marL="0" marR="0" indent="0" algn="l" defTabSz="914400" rtl="0" eaLnBrk="1" fontAlgn="auto" latinLnBrk="0" hangingPunct="1">
+              <a:lnSpc>
+                <a:spcPct val="100000"/>
+              </a:lnSpc>
+              <a:spcBef>
+                <a:spcPts val="0"/>
+              </a:spcBef>
+              <a:spcAft>
+                <a:spcPts val="0"/>
+              </a:spcAft>
+              <a:buClrTx/>
+              <a:buSzTx/>
+              <a:buFontTx/>
+              <a:buNone/>
+              <a:tabLst/>
+              <a:defRPr/>
+            </a:pPr>
+            <a:endParaRPr lang="en-US" dirty="0" smtClean="0"/>
+          </a:p>
+          <a:p>
             <a:endParaRPr lang="en-US" dirty="0"/>
           </a:p>
         </p:txBody>
@@ -2587,7 +2689,7 @@
     </p:spTree>
     <p:extLst>
       <p:ext uri="{BB962C8B-B14F-4D97-AF65-F5344CB8AC3E}">
-        <p14:creationId xmlns:p14="http://schemas.microsoft.com/office/powerpoint/2010/main" val="737214830"/>
+        <p14:creationId xmlns:p14="http://schemas.microsoft.com/office/powerpoint/2010/main" val="1745282674"/>
       </p:ext>
     </p:extLst>
   </p:cSld>
@@ -2641,190 +2743,6 @@
           <a:bodyPr/>
           <a:lstStyle/>
           <a:p>
-            <a:r>
-              <a:rPr lang="en-US" dirty="0" smtClean="0"/>
-              <a:t>Lets take a look at the orders table</a:t>
-            </a:r>
-            <a:r>
-              <a:rPr lang="is-IS" dirty="0" smtClean="0"/>
-              <a:t>… </a:t>
-            </a:r>
-          </a:p>
-          <a:p>
-            <a:endParaRPr lang="is-IS" dirty="0" smtClean="0"/>
-          </a:p>
-          <a:p>
-            <a:r>
-              <a:rPr lang="en-US" dirty="0" smtClean="0"/>
-              <a:t>I</a:t>
-            </a:r>
-            <a:r>
-              <a:rPr lang="is-IS" dirty="0" smtClean="0"/>
-              <a:t>t</a:t>
-            </a:r>
-            <a:r>
-              <a:rPr lang="is-IS" baseline="0" dirty="0" smtClean="0"/>
-              <a:t> looks like it has OrderID, CustomerID, EmployeeID, OrderDate, ShipperID.</a:t>
-            </a:r>
-          </a:p>
-          <a:p>
-            <a:endParaRPr lang="is-IS" baseline="0" dirty="0" smtClean="0"/>
-          </a:p>
-          <a:p>
-            <a:r>
-              <a:rPr lang="is-IS" baseline="0" dirty="0" smtClean="0"/>
-              <a:t>Then we have a look at the OrderDetails</a:t>
-            </a:r>
-          </a:p>
-          <a:p>
-            <a:endParaRPr lang="is-IS" baseline="0" dirty="0" smtClean="0"/>
-          </a:p>
-          <a:p>
-            <a:r>
-              <a:rPr lang="en-US" sz="1200" b="0" i="0" kern="1200" dirty="0" smtClean="0">
-                <a:solidFill>
-                  <a:schemeClr val="tx1"/>
-                </a:solidFill>
-                <a:effectLst/>
-                <a:latin typeface="+mn-lt"/>
-                <a:ea typeface="+mn-ea"/>
-                <a:cs typeface="+mn-cs"/>
-              </a:rPr>
-              <a:t>Notice that the ”</a:t>
-            </a:r>
-            <a:r>
-              <a:rPr lang="en-US" sz="1200" b="0" i="0" kern="1200" dirty="0" err="1" smtClean="0">
-                <a:solidFill>
-                  <a:schemeClr val="tx1"/>
-                </a:solidFill>
-                <a:effectLst/>
-                <a:latin typeface="+mn-lt"/>
-                <a:ea typeface="+mn-ea"/>
-                <a:cs typeface="+mn-cs"/>
-              </a:rPr>
-              <a:t>OrderID</a:t>
-            </a:r>
-            <a:r>
-              <a:rPr lang="en-US" sz="1200" b="0" i="0" kern="1200" dirty="0" smtClean="0">
-                <a:solidFill>
-                  <a:schemeClr val="tx1"/>
-                </a:solidFill>
-                <a:effectLst/>
-                <a:latin typeface="+mn-lt"/>
-                <a:ea typeface="+mn-ea"/>
-                <a:cs typeface="+mn-cs"/>
-              </a:rPr>
-              <a:t>" column in the "</a:t>
-            </a:r>
-            <a:r>
-              <a:rPr lang="en-US" sz="1200" b="0" i="0" kern="1200" dirty="0" err="1" smtClean="0">
-                <a:solidFill>
-                  <a:schemeClr val="tx1"/>
-                </a:solidFill>
-                <a:effectLst/>
-                <a:latin typeface="+mn-lt"/>
-                <a:ea typeface="+mn-ea"/>
-                <a:cs typeface="+mn-cs"/>
-              </a:rPr>
-              <a:t>OrdersDetails</a:t>
-            </a:r>
-            <a:r>
-              <a:rPr lang="en-US" sz="1200" b="0" i="0" kern="1200" dirty="0" smtClean="0">
-                <a:solidFill>
-                  <a:schemeClr val="tx1"/>
-                </a:solidFill>
-                <a:effectLst/>
-                <a:latin typeface="+mn-lt"/>
-                <a:ea typeface="+mn-ea"/>
-                <a:cs typeface="+mn-cs"/>
-              </a:rPr>
-              <a:t>" table refers to the ”</a:t>
-            </a:r>
-            <a:r>
-              <a:rPr lang="en-US" sz="1200" b="0" i="0" kern="1200" dirty="0" err="1" smtClean="0">
-                <a:solidFill>
-                  <a:schemeClr val="tx1"/>
-                </a:solidFill>
-                <a:effectLst/>
-                <a:latin typeface="+mn-lt"/>
-                <a:ea typeface="+mn-ea"/>
-                <a:cs typeface="+mn-cs"/>
-              </a:rPr>
-              <a:t>OrderID</a:t>
-            </a:r>
-            <a:r>
-              <a:rPr lang="en-US" sz="1200" b="0" i="0" kern="1200" dirty="0" smtClean="0">
-                <a:solidFill>
-                  <a:schemeClr val="tx1"/>
-                </a:solidFill>
-                <a:effectLst/>
-                <a:latin typeface="+mn-lt"/>
-                <a:ea typeface="+mn-ea"/>
-                <a:cs typeface="+mn-cs"/>
-              </a:rPr>
-              <a:t>" in the ”Orders" table. The relationship between the two tables above is the ”</a:t>
-            </a:r>
-            <a:r>
-              <a:rPr lang="en-US" sz="1200" b="0" i="0" kern="1200" dirty="0" err="1" smtClean="0">
-                <a:solidFill>
-                  <a:schemeClr val="tx1"/>
-                </a:solidFill>
-                <a:effectLst/>
-                <a:latin typeface="+mn-lt"/>
-                <a:ea typeface="+mn-ea"/>
-                <a:cs typeface="+mn-cs"/>
-              </a:rPr>
-              <a:t>OrderID</a:t>
-            </a:r>
-            <a:r>
-              <a:rPr lang="en-US" sz="1200" b="0" i="0" kern="1200" dirty="0" smtClean="0">
-                <a:solidFill>
-                  <a:schemeClr val="tx1"/>
-                </a:solidFill>
-                <a:effectLst/>
-                <a:latin typeface="+mn-lt"/>
-                <a:ea typeface="+mn-ea"/>
-                <a:cs typeface="+mn-cs"/>
-              </a:rPr>
-              <a:t>" column.</a:t>
-            </a:r>
-          </a:p>
-          <a:p>
-            <a:endParaRPr lang="en-US" sz="1200" b="0" i="0" kern="1200" dirty="0" smtClean="0">
-              <a:solidFill>
-                <a:schemeClr val="tx1"/>
-              </a:solidFill>
-              <a:effectLst/>
-              <a:latin typeface="+mn-lt"/>
-              <a:ea typeface="+mn-ea"/>
-              <a:cs typeface="+mn-cs"/>
-            </a:endParaRPr>
-          </a:p>
-          <a:p>
-            <a:r>
-              <a:rPr lang="en-US" sz="1200" b="0" i="0" kern="1200" dirty="0" smtClean="0">
-                <a:solidFill>
-                  <a:schemeClr val="tx1"/>
-                </a:solidFill>
-                <a:effectLst/>
-                <a:latin typeface="+mn-lt"/>
-                <a:ea typeface="+mn-ea"/>
-                <a:cs typeface="+mn-cs"/>
-              </a:rPr>
-              <a:t>We connect</a:t>
-            </a:r>
-            <a:r>
-              <a:rPr lang="en-US" sz="1200" b="0" i="0" kern="1200" baseline="0" dirty="0" smtClean="0">
-                <a:solidFill>
-                  <a:schemeClr val="tx1"/>
-                </a:solidFill>
-                <a:effectLst/>
-                <a:latin typeface="+mn-lt"/>
-                <a:ea typeface="+mn-ea"/>
-                <a:cs typeface="+mn-cs"/>
-              </a:rPr>
-              <a:t> these tables adding this join into the format</a:t>
-            </a:r>
             <a:endParaRPr lang="en-US" dirty="0"/>
           </a:p>
         </p:txBody>
@@ -2855,7 +2773,7 @@
     </p:spTree>
     <p:extLst>
       <p:ext uri="{BB962C8B-B14F-4D97-AF65-F5344CB8AC3E}">
-        <p14:creationId xmlns:p14="http://schemas.microsoft.com/office/powerpoint/2010/main" val="2014280777"/>
+        <p14:creationId xmlns:p14="http://schemas.microsoft.com/office/powerpoint/2010/main" val="629955307"/>
       </p:ext>
     </p:extLst>
   </p:cSld>
@@ -3378,6 +3296,90 @@
 </p:notes>
 </file>
 
+<file path=ppt/notesSlides/notesSlide25.xml><?xml version="1.0" encoding="utf-8"?>
+<p:notes xmlns:a="http://schemas.openxmlformats.org/drawingml/2006/main" xmlns:r="http://schemas.openxmlformats.org/officeDocument/2006/relationships" xmlns:p="http://schemas.openxmlformats.org/presentationml/2006/main">
+  <p:cSld>
+    <p:spTree>
+      <p:nvGrpSpPr>
+        <p:cNvPr id="1" name=""/>
+        <p:cNvGrpSpPr/>
+        <p:nvPr/>
+      </p:nvGrpSpPr>
+      <p:grpSpPr>
+        <a:xfrm>
+          <a:off x="0" y="0"/>
+          <a:ext cx="0" cy="0"/>
+          <a:chOff x="0" y="0"/>
+          <a:chExt cx="0" cy="0"/>
+        </a:xfrm>
+      </p:grpSpPr>
+      <p:sp>
+        <p:nvSpPr>
+          <p:cNvPr id="2" name="Slide Image Placeholder 1"/>
+          <p:cNvSpPr>
+            <a:spLocks noGrp="1" noRot="1" noChangeAspect="1"/>
+          </p:cNvSpPr>
+          <p:nvPr>
+            <p:ph type="sldImg"/>
+          </p:nvPr>
+        </p:nvSpPr>
+        <p:spPr/>
+      </p:sp>
+      <p:sp>
+        <p:nvSpPr>
+          <p:cNvPr id="3" name="Notes Placeholder 2"/>
+          <p:cNvSpPr>
+            <a:spLocks noGrp="1"/>
+          </p:cNvSpPr>
+          <p:nvPr>
+            <p:ph type="body" idx="1"/>
+          </p:nvPr>
+        </p:nvSpPr>
+        <p:spPr/>
+        <p:txBody>
+          <a:bodyPr/>
+          <a:lstStyle/>
+          <a:p>
+            <a:endParaRPr lang="en-US"/>
+          </a:p>
+        </p:txBody>
+      </p:sp>
+      <p:sp>
+        <p:nvSpPr>
+          <p:cNvPr id="4" name="Slide Number Placeholder 3"/>
+          <p:cNvSpPr>
+            <a:spLocks noGrp="1"/>
+          </p:cNvSpPr>
+          <p:nvPr>
+            <p:ph type="sldNum" sz="quarter" idx="10"/>
+          </p:nvPr>
+        </p:nvSpPr>
+        <p:spPr/>
+        <p:txBody>
+          <a:bodyPr/>
+          <a:lstStyle/>
+          <a:p>
+            <a:fld id="{DA2246A1-C6D7-1F48-8EDA-8ADCE349AEC0}" type="slidenum">
+              <a:rPr lang="en-US" smtClean="0"/>
+              <a:t>29</a:t>
+            </a:fld>
+            <a:endParaRPr lang="en-US"/>
+          </a:p>
+        </p:txBody>
+      </p:sp>
+    </p:spTree>
+    <p:extLst>
+      <p:ext uri="{BB962C8B-B14F-4D97-AF65-F5344CB8AC3E}">
+        <p14:creationId xmlns:p14="http://schemas.microsoft.com/office/powerpoint/2010/main" val="2048792640"/>
+      </p:ext>
+    </p:extLst>
+  </p:cSld>
+  <p:clrMapOvr>
+    <a:masterClrMapping/>
+  </p:clrMapOvr>
+</p:notes>
+</file>
+
 <file path=ppt/notesSlides/notesSlide3.xml><?xml version="1.0" encoding="utf-8"?>
 <p:notes xmlns:a="http://schemas.openxmlformats.org/drawingml/2006/main" xmlns:r="http://schemas.openxmlformats.org/officeDocument/2006/relationships" xmlns:p="http://schemas.openxmlformats.org/presentationml/2006/main">
   <p:cSld>
@@ -3422,276 +3424,81 @@
           <a:bodyPr/>
           <a:lstStyle/>
           <a:p>
-            <a:pPr marL="0" marR="0" indent="0" algn="l" defTabSz="914400" rtl="0" eaLnBrk="1" fontAlgn="auto" latinLnBrk="0" hangingPunct="1">
-              <a:lnSpc>
-                <a:spcPct val="100000"/>
-              </a:lnSpc>
-              <a:spcBef>
-                <a:spcPts val="0"/>
-              </a:spcBef>
-              <a:spcAft>
-                <a:spcPts val="0"/>
-              </a:spcAft>
-              <a:buClrTx/>
-              <a:buSzTx/>
-              <a:buFontTx/>
-              <a:buNone/>
-              <a:tabLst/>
-              <a:defRPr/>
-            </a:pPr>
+            <a:r>
+              <a:rPr lang="en-US" sz="1200" dirty="0" smtClean="0"/>
+              <a:t>If</a:t>
+            </a:r>
+            <a:r>
+              <a:rPr lang="en-US" sz="1200" b="1" dirty="0" smtClean="0"/>
+              <a:t> SQL</a:t>
+            </a:r>
+            <a:r>
+              <a:rPr lang="en-US" sz="1200" dirty="0" smtClean="0"/>
+              <a:t> is used to communicate with databases</a:t>
+            </a:r>
+            <a:r>
+              <a:rPr lang="is-IS" sz="1200" dirty="0" smtClean="0"/>
+              <a:t>… so what is a database?</a:t>
+            </a:r>
+          </a:p>
+          <a:p>
+            <a:endParaRPr lang="en-US" dirty="0" smtClean="0"/>
+          </a:p>
+          <a:p>
             <a:r>
               <a:rPr lang="en-US" dirty="0" smtClean="0"/>
-              <a:t>So – now to the reason we are all here today</a:t>
-            </a:r>
-            <a:r>
-              <a:rPr lang="is-IS" dirty="0" smtClean="0"/>
-              <a:t>… SQL!</a:t>
-            </a:r>
-            <a:r>
-              <a:rPr lang="is-IS" baseline="0" dirty="0" smtClean="0"/>
-              <a:t> </a:t>
-            </a:r>
-            <a:endParaRPr lang="is-IS" dirty="0" smtClean="0"/>
-          </a:p>
-          <a:p>
-            <a:pPr marL="0" marR="0" indent="0" algn="l" defTabSz="914400" rtl="0" eaLnBrk="1" fontAlgn="auto" latinLnBrk="0" hangingPunct="1">
-              <a:lnSpc>
-                <a:spcPct val="100000"/>
-              </a:lnSpc>
-              <a:spcBef>
-                <a:spcPts val="0"/>
-              </a:spcBef>
-              <a:spcAft>
-                <a:spcPts val="0"/>
-              </a:spcAft>
-              <a:buClrTx/>
-              <a:buSzTx/>
-              <a:buFontTx/>
-              <a:buNone/>
-              <a:tabLst/>
-              <a:defRPr/>
-            </a:pPr>
-            <a:r>
-              <a:rPr lang="en-US" b="1" dirty="0" smtClean="0"/>
-              <a:t>SQL</a:t>
-            </a:r>
-            <a:r>
-              <a:rPr lang="en-US" dirty="0" smtClean="0"/>
-              <a:t> (pronounced "</a:t>
-            </a:r>
-            <a:r>
-              <a:rPr lang="en-US" dirty="0" err="1" smtClean="0"/>
-              <a:t>ess</a:t>
-            </a:r>
-            <a:r>
-              <a:rPr lang="en-US" dirty="0" smtClean="0"/>
-              <a:t>-que-el” or “see-quill”) stands for </a:t>
-            </a:r>
-            <a:r>
-              <a:rPr lang="en-US" b="1" dirty="0" smtClean="0"/>
-              <a:t>Structured Query Language</a:t>
-            </a:r>
-            <a:r>
-              <a:rPr lang="en-US" dirty="0" smtClean="0"/>
-              <a:t>. </a:t>
-            </a:r>
-          </a:p>
-          <a:p>
-            <a:pPr marL="0" marR="0" indent="0" algn="l" defTabSz="914400" rtl="0" eaLnBrk="1" fontAlgn="auto" latinLnBrk="0" hangingPunct="1">
-              <a:lnSpc>
-                <a:spcPct val="100000"/>
-              </a:lnSpc>
-              <a:spcBef>
-                <a:spcPts val="0"/>
-              </a:spcBef>
-              <a:spcAft>
-                <a:spcPts val="0"/>
-              </a:spcAft>
-              <a:buClrTx/>
-              <a:buSzTx/>
-              <a:buFontTx/>
-              <a:buNone/>
-              <a:tabLst/>
-              <a:defRPr/>
-            </a:pPr>
-            <a:endParaRPr lang="en-US" dirty="0" smtClean="0"/>
-          </a:p>
-          <a:p>
-            <a:pPr marL="0" marR="0" indent="0" algn="l" defTabSz="914400" rtl="0" eaLnBrk="1" fontAlgn="auto" latinLnBrk="0" hangingPunct="1">
-              <a:lnSpc>
-                <a:spcPct val="100000"/>
-              </a:lnSpc>
-              <a:spcBef>
-                <a:spcPts val="0"/>
-              </a:spcBef>
-              <a:spcAft>
-                <a:spcPts val="0"/>
-              </a:spcAft>
-              <a:buClrTx/>
-              <a:buSzTx/>
-              <a:buFontTx/>
-              <a:buNone/>
-              <a:tabLst/>
-              <a:defRPr/>
-            </a:pPr>
-            <a:r>
-              <a:rPr lang="en-US" dirty="0" smtClean="0"/>
-              <a:t>How is SQL used: For the creation, modification and </a:t>
-            </a:r>
-            <a:r>
-              <a:rPr lang="is-IS" dirty="0" smtClean="0"/>
-              <a:t>… </a:t>
-            </a:r>
-            <a:r>
-              <a:rPr lang="is-IS" b="1" dirty="0" smtClean="0"/>
-              <a:t>querying</a:t>
-            </a:r>
-            <a:r>
-              <a:rPr lang="is-IS" dirty="0" smtClean="0"/>
-              <a:t> of relational</a:t>
-            </a:r>
-            <a:r>
-              <a:rPr lang="is-IS" baseline="0" dirty="0" smtClean="0"/>
-              <a:t> databases and schema.</a:t>
-            </a:r>
-            <a:endParaRPr lang="en-US" dirty="0" smtClean="0"/>
-          </a:p>
-          <a:p>
-            <a:pPr marL="0" marR="0" indent="0" algn="l" defTabSz="914400" rtl="0" eaLnBrk="1" fontAlgn="auto" latinLnBrk="0" hangingPunct="1">
-              <a:lnSpc>
-                <a:spcPct val="100000"/>
-              </a:lnSpc>
-              <a:spcBef>
-                <a:spcPts val="0"/>
-              </a:spcBef>
-              <a:spcAft>
-                <a:spcPts val="0"/>
-              </a:spcAft>
-              <a:buClrTx/>
-              <a:buSzTx/>
-              <a:buFontTx/>
-              <a:buNone/>
-              <a:tabLst/>
-              <a:defRPr/>
-            </a:pPr>
-            <a:endParaRPr lang="en-US" dirty="0" smtClean="0"/>
-          </a:p>
-          <a:p>
-            <a:pPr marL="0" marR="0" indent="0" algn="l" defTabSz="914400" rtl="0" eaLnBrk="1" fontAlgn="auto" latinLnBrk="0" hangingPunct="1">
-              <a:lnSpc>
-                <a:spcPct val="100000"/>
-              </a:lnSpc>
-              <a:spcBef>
-                <a:spcPts val="0"/>
-              </a:spcBef>
-              <a:spcAft>
-                <a:spcPts val="0"/>
-              </a:spcAft>
-              <a:buClrTx/>
-              <a:buSzTx/>
-              <a:buFontTx/>
-              <a:buNone/>
-              <a:tabLst/>
-              <a:defRPr/>
-            </a:pPr>
-            <a:r>
-              <a:rPr lang="en-US" dirty="0" smtClean="0"/>
-              <a:t>How I think of it - SQL is the translation of a business question into a </a:t>
-            </a:r>
-            <a:r>
-              <a:rPr lang="en-US" b="1" dirty="0" smtClean="0"/>
-              <a:t>query</a:t>
-            </a:r>
-            <a:r>
-              <a:rPr lang="en-US" dirty="0" smtClean="0"/>
-              <a:t> that is framed in a precise language that a database can read</a:t>
-            </a:r>
-            <a:r>
-              <a:rPr lang="is-IS" dirty="0" smtClean="0"/>
-              <a:t>…</a:t>
-            </a:r>
-            <a:r>
-              <a:rPr lang="en-US" dirty="0" smtClean="0"/>
-              <a:t> and respond back with an answer. </a:t>
-            </a:r>
-          </a:p>
-          <a:p>
-            <a:endParaRPr lang="en-US" dirty="0" smtClean="0"/>
-          </a:p>
-          <a:p>
-            <a:endParaRPr lang="en-US" dirty="0" smtClean="0"/>
-          </a:p>
-          <a:p>
-            <a:endParaRPr lang="en-US" dirty="0" smtClean="0"/>
-          </a:p>
-          <a:p>
-            <a:r>
-              <a:rPr lang="en-US" dirty="0" smtClean="0"/>
-              <a:t>For Reference</a:t>
-            </a:r>
-          </a:p>
-          <a:p>
-            <a:pPr marL="0" marR="0" indent="0" algn="l" defTabSz="914400" rtl="0" eaLnBrk="1" fontAlgn="auto" latinLnBrk="0" hangingPunct="1">
-              <a:lnSpc>
-                <a:spcPct val="100000"/>
-              </a:lnSpc>
-              <a:spcBef>
-                <a:spcPts val="0"/>
-              </a:spcBef>
-              <a:spcAft>
-                <a:spcPts val="0"/>
-              </a:spcAft>
-              <a:buClrTx/>
-              <a:buSzTx/>
-              <a:buFontTx/>
-              <a:buNone/>
-              <a:tabLst/>
-              <a:defRPr/>
-            </a:pPr>
-            <a:r>
-              <a:rPr lang="en-US" dirty="0" smtClean="0"/>
-              <a:t>RDMS: Some common relational database management systems that use SQL are: Oracle, Sybase, Microsoft SQL Server, Access, Ingres, etc. Although most database systems use SQL, most of them also have their own additional proprietary extensions that are usually only used on their system. However, the standard SQL commands such as "Select", "Insert", "Update", "Delete", "Create", and "Drop" can be used to accomplish almost everything that one needs to do with a database. </a:t>
-            </a:r>
-          </a:p>
-          <a:p>
-            <a:pPr marL="0" marR="0" indent="0" algn="l" defTabSz="914400" rtl="0" eaLnBrk="1" fontAlgn="auto" latinLnBrk="0" hangingPunct="1">
-              <a:lnSpc>
-                <a:spcPct val="100000"/>
-              </a:lnSpc>
-              <a:spcBef>
-                <a:spcPts val="0"/>
-              </a:spcBef>
-              <a:spcAft>
-                <a:spcPts val="0"/>
-              </a:spcAft>
-              <a:buClrTx/>
-              <a:buSzTx/>
-              <a:buFontTx/>
-              <a:buNone/>
-              <a:tabLst/>
-              <a:defRPr/>
-            </a:pPr>
-            <a:endParaRPr lang="en-US" dirty="0" smtClean="0"/>
-          </a:p>
-          <a:p>
-            <a:pPr marL="0" marR="0" indent="0" algn="l" defTabSz="914400" rtl="0" eaLnBrk="1" fontAlgn="auto" latinLnBrk="0" hangingPunct="1">
-              <a:lnSpc>
-                <a:spcPct val="100000"/>
-              </a:lnSpc>
-              <a:spcBef>
-                <a:spcPts val="0"/>
-              </a:spcBef>
-              <a:spcAft>
-                <a:spcPts val="0"/>
-              </a:spcAft>
-              <a:buClrTx/>
-              <a:buSzTx/>
-              <a:buFontTx/>
-              <a:buNone/>
-              <a:tabLst/>
-              <a:defRPr/>
-            </a:pPr>
-            <a:endParaRPr lang="en-US" dirty="0" smtClean="0"/>
+              <a:t>A Database</a:t>
+            </a:r>
+            <a:r>
+              <a:rPr lang="en-US" baseline="0" dirty="0" smtClean="0"/>
+              <a:t> has tables. Tables have columns. </a:t>
+            </a:r>
+          </a:p>
+          <a:p>
+            <a:r>
+              <a:rPr lang="en-US" baseline="0" dirty="0" smtClean="0"/>
+              <a:t>Databases with tables and columns are known as relational databases.</a:t>
+            </a:r>
+          </a:p>
+          <a:p>
+            <a:endParaRPr lang="is-IS" baseline="0" dirty="0" smtClean="0"/>
+          </a:p>
+          <a:p>
+            <a:endParaRPr lang="is-IS" baseline="0" dirty="0" smtClean="0"/>
+          </a:p>
+          <a:p>
+            <a:r>
+              <a:rPr lang="en-US" sz="1200" b="0" i="0" kern="1200" dirty="0" smtClean="0">
+                <a:solidFill>
+                  <a:schemeClr val="tx1"/>
+                </a:solidFill>
+                <a:effectLst/>
+                <a:latin typeface="+mn-lt"/>
+                <a:ea typeface="+mn-ea"/>
+                <a:cs typeface="+mn-cs"/>
+              </a:rPr>
+              <a:t>Extra Reference: </a:t>
+            </a:r>
+          </a:p>
+          <a:p>
+            <a:r>
+              <a:rPr lang="en-US" sz="1200" b="0" i="0" kern="1200" dirty="0" smtClean="0">
+                <a:solidFill>
+                  <a:schemeClr val="tx1"/>
+                </a:solidFill>
+                <a:effectLst/>
+                <a:latin typeface="+mn-lt"/>
+                <a:ea typeface="+mn-ea"/>
+                <a:cs typeface="+mn-cs"/>
+              </a:rPr>
+              <a:t>A relational database system contains one or more objects called tables. The data or information for the database are stored in these tables. Tables are uniquely identified by their names and are comprised of columns and rows. Columns contain the column name, data type, and any other attributes for the column. Rows contain the records or data for the columns. </a:t>
+            </a:r>
+          </a:p>
+          <a:p>
+            <a:endParaRPr lang="is-IS" baseline="0" dirty="0" smtClean="0"/>
+          </a:p>
+          <a:p>
+            <a:endParaRPr lang="is-IS" baseline="0" dirty="0" smtClean="0"/>
           </a:p>
           <a:p>
             <a:endParaRPr lang="en-US" dirty="0"/>
@@ -3724,7 +3531,7 @@
     </p:spTree>
     <p:extLst>
       <p:ext uri="{BB962C8B-B14F-4D97-AF65-F5344CB8AC3E}">
-        <p14:creationId xmlns:p14="http://schemas.microsoft.com/office/powerpoint/2010/main" val="1745282674"/>
+        <p14:creationId xmlns:p14="http://schemas.microsoft.com/office/powerpoint/2010/main" val="2028732150"/>
       </p:ext>
     </p:extLst>
   </p:cSld>
@@ -3779,76 +3586,6 @@
           <a:lstStyle/>
           <a:p>
             <a:r>
-              <a:rPr lang="en-US" sz="1200" dirty="0" smtClean="0"/>
-              <a:t>If</a:t>
-            </a:r>
-            <a:r>
-              <a:rPr lang="en-US" sz="1200" b="1" dirty="0" smtClean="0"/>
-              <a:t> SQL</a:t>
-            </a:r>
-            <a:r>
-              <a:rPr lang="en-US" sz="1200" dirty="0" smtClean="0"/>
-              <a:t> is used to communicate with databases</a:t>
-            </a:r>
-            <a:r>
-              <a:rPr lang="is-IS" sz="1200" dirty="0" smtClean="0"/>
-              <a:t>… so what is a database?</a:t>
-            </a:r>
-          </a:p>
-          <a:p>
-            <a:endParaRPr lang="en-US" dirty="0" smtClean="0"/>
-          </a:p>
-          <a:p>
-            <a:r>
-              <a:rPr lang="en-US" dirty="0" smtClean="0"/>
-              <a:t>A Database</a:t>
-            </a:r>
-            <a:r>
-              <a:rPr lang="en-US" baseline="0" dirty="0" smtClean="0"/>
-              <a:t> has tables. Tables have columns. </a:t>
-            </a:r>
-          </a:p>
-          <a:p>
-            <a:r>
-              <a:rPr lang="en-US" baseline="0" dirty="0" smtClean="0"/>
-              <a:t>Databases with tables and columns are known as relational databases.</a:t>
-            </a:r>
-          </a:p>
-          <a:p>
-            <a:endParaRPr lang="en-US" baseline="0" dirty="0" smtClean="0"/>
-          </a:p>
-          <a:p>
-            <a:r>
-              <a:rPr lang="en-US" baseline="0" dirty="0" smtClean="0"/>
-              <a:t>As I mention here it</a:t>
-            </a:r>
-            <a:r>
-              <a:rPr lang="uk-UA" baseline="0" dirty="0" smtClean="0"/>
-              <a:t>’</a:t>
-            </a:r>
-            <a:r>
-              <a:rPr lang="en-US" baseline="0" dirty="0" smtClean="0"/>
-              <a:t>s a set of related information. Think of a restaurant menu</a:t>
-            </a:r>
-            <a:r>
-              <a:rPr lang="is-IS" baseline="0" dirty="0" smtClean="0"/>
-              <a:t>… How its organized – Broken down by specific sections like Appetizers, Drinks, Full course etc, then think of each of those sections – The appetizers lists the names of the items, the ingredients, the price etc.... </a:t>
-            </a:r>
-          </a:p>
-          <a:p>
-            <a:r>
-              <a:rPr lang="is-IS" baseline="0" dirty="0" smtClean="0"/>
-              <a:t>Also think of how for restaraunts have multiple menus – like a lunch, dinner and happy hour versions. </a:t>
-            </a:r>
-          </a:p>
-          <a:p>
-            <a:endParaRPr lang="is-IS" baseline="0" dirty="0" smtClean="0"/>
-          </a:p>
-          <a:p>
-            <a:endParaRPr lang="is-IS" baseline="0" dirty="0" smtClean="0"/>
-          </a:p>
-          <a:p>
-            <a:r>
               <a:rPr lang="en-US" sz="1200" b="0" i="0" kern="1200" dirty="0" smtClean="0">
                 <a:solidFill>
                   <a:schemeClr val="tx1"/>
@@ -3858,8 +3595,31 @@
                 <a:ea typeface="+mn-ea"/>
                 <a:cs typeface="+mn-cs"/>
               </a:rPr>
-              <a:t>Extra Reference: </a:t>
-            </a:r>
+              <a:t>As I said</a:t>
+            </a:r>
+            <a:r>
+              <a:rPr lang="en-US" sz="1200" b="0" i="0" kern="1200" baseline="0" dirty="0" smtClean="0">
+                <a:solidFill>
+                  <a:schemeClr val="tx1"/>
+                </a:solidFill>
+                <a:effectLst/>
+                <a:latin typeface="+mn-lt"/>
+                <a:ea typeface="+mn-ea"/>
+                <a:cs typeface="+mn-cs"/>
+              </a:rPr>
+              <a:t> before – a database is made up of tables – so what is a table?</a:t>
+            </a:r>
+          </a:p>
+          <a:p>
+            <a:endParaRPr lang="en-US" sz="1200" b="0" i="0" kern="1200" baseline="0" dirty="0" smtClean="0">
+              <a:solidFill>
+                <a:schemeClr val="tx1"/>
+              </a:solidFill>
+              <a:effectLst/>
+              <a:latin typeface="+mn-lt"/>
+              <a:ea typeface="+mn-ea"/>
+              <a:cs typeface="+mn-cs"/>
+            </a:endParaRPr>
           </a:p>
           <a:p>
             <a:r>
@@ -3872,17 +3632,82 @@
                 <a:ea typeface="+mn-ea"/>
                 <a:cs typeface="+mn-cs"/>
               </a:rPr>
-              <a:t>A relational database system contains one or more objects called tables. The data or information for the database are stored in these tables. Tables are uniquely identified by their names and are comprised of columns and rows. Columns contain the column name, data type, and any other attributes for the column. Rows contain the records or data for the columns. </a:t>
-            </a:r>
-          </a:p>
-          <a:p>
-            <a:endParaRPr lang="is-IS" baseline="0" dirty="0" smtClean="0"/>
-          </a:p>
-          <a:p>
-            <a:endParaRPr lang="is-IS" baseline="0" dirty="0" smtClean="0"/>
-          </a:p>
-          <a:p>
-            <a:endParaRPr lang="en-US" dirty="0"/>
+              <a:t>Tables are like spreadsheets organized around a single topic.</a:t>
+            </a:r>
+            <a:r>
+              <a:rPr lang="en-US" sz="1200" b="0" i="0" kern="1200" baseline="0" dirty="0" smtClean="0">
+                <a:solidFill>
+                  <a:schemeClr val="tx1"/>
+                </a:solidFill>
+                <a:effectLst/>
+                <a:latin typeface="+mn-lt"/>
+                <a:ea typeface="+mn-ea"/>
+                <a:cs typeface="+mn-cs"/>
+              </a:rPr>
+              <a:t> </a:t>
+            </a:r>
+          </a:p>
+          <a:p>
+            <a:r>
+              <a:rPr lang="en-US" sz="1200" b="0" i="0" kern="1200" baseline="0" dirty="0" smtClean="0">
+                <a:solidFill>
+                  <a:schemeClr val="tx1"/>
+                </a:solidFill>
+                <a:effectLst/>
+                <a:latin typeface="+mn-lt"/>
+                <a:ea typeface="+mn-ea"/>
+                <a:cs typeface="+mn-cs"/>
+              </a:rPr>
+              <a:t>Every row record or row refers to a single piece of data. </a:t>
+            </a:r>
+          </a:p>
+          <a:p>
+            <a:endParaRPr lang="en-US" sz="1200" b="0" i="0" kern="1200" baseline="0" dirty="0" smtClean="0">
+              <a:solidFill>
+                <a:schemeClr val="tx1"/>
+              </a:solidFill>
+              <a:effectLst/>
+              <a:latin typeface="+mn-lt"/>
+              <a:ea typeface="+mn-ea"/>
+              <a:cs typeface="+mn-cs"/>
+            </a:endParaRPr>
+          </a:p>
+          <a:p>
+            <a:r>
+              <a:rPr lang="en-US" sz="1200" b="0" i="0" kern="1200" baseline="0" dirty="0" smtClean="0">
+                <a:solidFill>
+                  <a:schemeClr val="tx1"/>
+                </a:solidFill>
+                <a:effectLst/>
+                <a:latin typeface="+mn-lt"/>
+                <a:ea typeface="+mn-ea"/>
+                <a:cs typeface="+mn-cs"/>
+              </a:rPr>
+              <a:t>Lets take a real world example – everyday we check out our weather, see the highs and lows and where our predicted weather aligns with it. The image here is a great example of a table. It is data related to weather – the city and state and the highs and lows for those cities. </a:t>
+            </a:r>
+            <a:endParaRPr lang="en-US" dirty="0" smtClean="0"/>
+          </a:p>
+          <a:p>
+            <a:endParaRPr lang="en-US" sz="1200" b="0" i="0" kern="1200" baseline="0" dirty="0" smtClean="0">
+              <a:solidFill>
+                <a:schemeClr val="tx1"/>
+              </a:solidFill>
+              <a:effectLst/>
+              <a:latin typeface="+mn-lt"/>
+              <a:ea typeface="+mn-ea"/>
+              <a:cs typeface="+mn-cs"/>
+            </a:endParaRPr>
+          </a:p>
+          <a:p>
+            <a:endParaRPr lang="en-US" sz="1200" b="0" i="0" kern="1200" dirty="0" smtClean="0">
+              <a:solidFill>
+                <a:schemeClr val="tx1"/>
+              </a:solidFill>
+              <a:effectLst/>
+              <a:latin typeface="+mn-lt"/>
+              <a:ea typeface="+mn-ea"/>
+              <a:cs typeface="+mn-cs"/>
+            </a:endParaRPr>
           </a:p>
         </p:txBody>
       </p:sp>
@@ -3912,7 +3737,7 @@
     </p:spTree>
     <p:extLst>
       <p:ext uri="{BB962C8B-B14F-4D97-AF65-F5344CB8AC3E}">
-        <p14:creationId xmlns:p14="http://schemas.microsoft.com/office/powerpoint/2010/main" val="2028732150"/>
+        <p14:creationId xmlns:p14="http://schemas.microsoft.com/office/powerpoint/2010/main" val="1636047903"/>
       </p:ext>
     </p:extLst>
   </p:cSld>
@@ -3967,128 +3792,41 @@
           <a:lstStyle/>
           <a:p>
             <a:r>
-              <a:rPr lang="en-US" sz="1200" b="0" i="0" kern="1200" dirty="0" smtClean="0">
-                <a:solidFill>
-                  <a:schemeClr val="tx1"/>
-                </a:solidFill>
-                <a:effectLst/>
-                <a:latin typeface="+mn-lt"/>
-                <a:ea typeface="+mn-ea"/>
-                <a:cs typeface="+mn-cs"/>
-              </a:rPr>
-              <a:t>As I said</a:t>
-            </a:r>
-            <a:r>
-              <a:rPr lang="en-US" sz="1200" b="0" i="0" kern="1200" baseline="0" dirty="0" smtClean="0">
-                <a:solidFill>
-                  <a:schemeClr val="tx1"/>
-                </a:solidFill>
-                <a:effectLst/>
-                <a:latin typeface="+mn-lt"/>
-                <a:ea typeface="+mn-ea"/>
-                <a:cs typeface="+mn-cs"/>
-              </a:rPr>
-              <a:t> before – a database is made up of tables – so what is a table?</a:t>
-            </a:r>
-          </a:p>
-          <a:p>
-            <a:endParaRPr lang="en-US" sz="1200" b="0" i="0" kern="1200" baseline="0" dirty="0" smtClean="0">
-              <a:solidFill>
-                <a:schemeClr val="tx1"/>
-              </a:solidFill>
-              <a:effectLst/>
-              <a:latin typeface="+mn-lt"/>
-              <a:ea typeface="+mn-ea"/>
-              <a:cs typeface="+mn-cs"/>
-            </a:endParaRPr>
-          </a:p>
-          <a:p>
-            <a:r>
-              <a:rPr lang="en-US" sz="1200" b="0" i="0" kern="1200" dirty="0" smtClean="0">
-                <a:solidFill>
-                  <a:schemeClr val="tx1"/>
-                </a:solidFill>
-                <a:effectLst/>
-                <a:latin typeface="+mn-lt"/>
-                <a:ea typeface="+mn-ea"/>
-                <a:cs typeface="+mn-cs"/>
-              </a:rPr>
-              <a:t>Tables are like spreadsheets organized around a single topic.</a:t>
-            </a:r>
-            <a:r>
-              <a:rPr lang="en-US" sz="1200" b="0" i="0" kern="1200" baseline="0" dirty="0" smtClean="0">
-                <a:solidFill>
-                  <a:schemeClr val="tx1"/>
-                </a:solidFill>
-                <a:effectLst/>
-                <a:latin typeface="+mn-lt"/>
-                <a:ea typeface="+mn-ea"/>
-                <a:cs typeface="+mn-cs"/>
-              </a:rPr>
-              <a:t> </a:t>
-            </a:r>
-          </a:p>
-          <a:p>
-            <a:r>
-              <a:rPr lang="en-US" sz="1200" b="0" i="0" kern="1200" baseline="0" dirty="0" smtClean="0">
-                <a:solidFill>
-                  <a:schemeClr val="tx1"/>
-                </a:solidFill>
-                <a:effectLst/>
-                <a:latin typeface="+mn-lt"/>
-                <a:ea typeface="+mn-ea"/>
-                <a:cs typeface="+mn-cs"/>
-              </a:rPr>
-              <a:t>Every row record or row refers to a single piece of data. </a:t>
-            </a:r>
-          </a:p>
-          <a:p>
-            <a:endParaRPr lang="en-US" sz="1200" b="0" i="0" kern="1200" baseline="0" dirty="0" smtClean="0">
-              <a:solidFill>
-                <a:schemeClr val="tx1"/>
-              </a:solidFill>
-              <a:effectLst/>
-              <a:latin typeface="+mn-lt"/>
-              <a:ea typeface="+mn-ea"/>
-              <a:cs typeface="+mn-cs"/>
-            </a:endParaRPr>
-          </a:p>
-          <a:p>
-            <a:r>
-              <a:rPr lang="en-US" sz="1200" b="0" i="0" kern="1200" baseline="0" dirty="0" smtClean="0">
-                <a:solidFill>
-                  <a:schemeClr val="tx1"/>
-                </a:solidFill>
-                <a:effectLst/>
-                <a:latin typeface="+mn-lt"/>
-                <a:ea typeface="+mn-ea"/>
-                <a:cs typeface="+mn-cs"/>
-              </a:rPr>
-              <a:t>Lets take a real world example – everyday we check out our weather, see the highs and lows and where our predicted weather aligns with it. The image here is a great example of a table. It is data related to weather – the city and state and the highs and lows for those cities. </a:t>
-            </a:r>
-            <a:endParaRPr lang="en-US" dirty="0" smtClean="0"/>
-          </a:p>
-          <a:p>
-            <a:endParaRPr lang="en-US" sz="1200" b="0" i="0" kern="1200" baseline="0" dirty="0" smtClean="0">
-              <a:solidFill>
-                <a:schemeClr val="tx1"/>
-              </a:solidFill>
-              <a:effectLst/>
-              <a:latin typeface="+mn-lt"/>
-              <a:ea typeface="+mn-ea"/>
-              <a:cs typeface="+mn-cs"/>
-            </a:endParaRPr>
-          </a:p>
-          <a:p>
-            <a:endParaRPr lang="en-US" sz="1200" b="0" i="0" kern="1200" dirty="0" smtClean="0">
-              <a:solidFill>
-                <a:schemeClr val="tx1"/>
-              </a:solidFill>
-              <a:effectLst/>
-              <a:latin typeface="+mn-lt"/>
-              <a:ea typeface="+mn-ea"/>
-              <a:cs typeface="+mn-cs"/>
-            </a:endParaRPr>
+              <a:rPr lang="en-US" dirty="0" smtClean="0"/>
+              <a:t>Columns</a:t>
+            </a:r>
+            <a:r>
+              <a:rPr lang="en-US" baseline="0" dirty="0" smtClean="0"/>
+              <a:t> store specific dimensions (properties or attributes) for each row of data. </a:t>
+            </a:r>
+          </a:p>
+          <a:p>
+            <a:endParaRPr lang="en-US" baseline="0" dirty="0" smtClean="0"/>
+          </a:p>
+          <a:p>
+            <a:r>
+              <a:rPr lang="en-US" baseline="0" dirty="0" smtClean="0"/>
+              <a:t>Columns have predefined types such as dates, or integers, or text, or varchar. </a:t>
+            </a:r>
+          </a:p>
+          <a:p>
+            <a:endParaRPr lang="en-US" baseline="0" dirty="0" smtClean="0"/>
+          </a:p>
+          <a:p>
+            <a:r>
+              <a:rPr lang="en-US" baseline="0" dirty="0" smtClean="0"/>
+              <a:t>Each row has the same columns.</a:t>
+            </a:r>
+          </a:p>
+          <a:p>
+            <a:endParaRPr lang="en-US" baseline="0" dirty="0" smtClean="0"/>
+          </a:p>
+          <a:p>
+            <a:r>
+              <a:rPr lang="en-US" baseline="0" dirty="0" smtClean="0"/>
+              <a:t>It is the data in the columns that we can extract, manipulate or calculate on. </a:t>
+            </a:r>
+            <a:endParaRPr lang="en-US" dirty="0"/>
           </a:p>
         </p:txBody>
       </p:sp>
@@ -4118,7 +3856,7 @@
     </p:spTree>
     <p:extLst>
       <p:ext uri="{BB962C8B-B14F-4D97-AF65-F5344CB8AC3E}">
-        <p14:creationId xmlns:p14="http://schemas.microsoft.com/office/powerpoint/2010/main" val="1636047903"/>
+        <p14:creationId xmlns:p14="http://schemas.microsoft.com/office/powerpoint/2010/main" val="31878137"/>
       </p:ext>
     </p:extLst>
   </p:cSld>
@@ -4174,11 +3912,11 @@
           <a:p>
             <a:r>
               <a:rPr lang="en-US" dirty="0" smtClean="0"/>
-              <a:t>Columns</a:t>
+              <a:t>A row is</a:t>
             </a:r>
             <a:r>
               <a:rPr lang="en-US" baseline="0" dirty="0" smtClean="0"/>
-              <a:t> store specific dimensions (properties or attributes) for each row of data. </a:t>
+              <a:t> a single entry within the table. </a:t>
             </a:r>
           </a:p>
           <a:p>
@@ -4187,25 +3925,15 @@
           <a:p>
             <a:r>
               <a:rPr lang="en-US" baseline="0" dirty="0" smtClean="0"/>
-              <a:t>Columns have predefined types such as dates, or integers, or text, or varchar. </a:t>
-            </a:r>
-          </a:p>
-          <a:p>
-            <a:endParaRPr lang="en-US" baseline="0" dirty="0" smtClean="0"/>
-          </a:p>
-          <a:p>
+              <a:t>So in terms of our weather table- Phoenix </a:t>
+            </a:r>
+            <a:r>
+              <a:rPr lang="en-US" baseline="0" dirty="0" err="1" smtClean="0"/>
+              <a:t>arizona</a:t>
+            </a:r>
             <a:r>
               <a:rPr lang="en-US" baseline="0" dirty="0" smtClean="0"/>
-              <a:t>Each row has the same columns.</a:t>
-            </a:r>
-          </a:p>
-          <a:p>
-            <a:endParaRPr lang="en-US" baseline="0" dirty="0" smtClean="0"/>
-          </a:p>
-          <a:p>
-            <a:r>
-              <a:rPr lang="en-US" baseline="0" dirty="0" smtClean="0"/>
-              <a:t>It is the data in the columns that we can extract, manipulate or calculate on. </a:t>
+              <a:t> with a high of 105 and a low of 90. </a:t>
             </a:r>
             <a:endParaRPr lang="en-US" dirty="0"/>
           </a:p>
@@ -4237,7 +3965,7 @@
     </p:spTree>
     <p:extLst>
       <p:ext uri="{BB962C8B-B14F-4D97-AF65-F5344CB8AC3E}">
-        <p14:creationId xmlns:p14="http://schemas.microsoft.com/office/powerpoint/2010/main" val="31878137"/>
+        <p14:creationId xmlns:p14="http://schemas.microsoft.com/office/powerpoint/2010/main" val="1032597485"/>
       </p:ext>
     </p:extLst>
   </p:cSld>
@@ -4291,31 +4019,34 @@
           <a:bodyPr/>
           <a:lstStyle/>
           <a:p>
-            <a:r>
-              <a:rPr lang="en-US" dirty="0" smtClean="0"/>
-              <a:t>A row is</a:t>
-            </a:r>
-            <a:r>
-              <a:rPr lang="en-US" baseline="0" dirty="0" smtClean="0"/>
-              <a:t> a single entry within the table. </a:t>
-            </a:r>
-          </a:p>
-          <a:p>
-            <a:endParaRPr lang="en-US" baseline="0" dirty="0" smtClean="0"/>
-          </a:p>
-          <a:p>
-            <a:r>
-              <a:rPr lang="en-US" baseline="0" dirty="0" smtClean="0"/>
-              <a:t>So in terms of our weather table- Phoenix </a:t>
-            </a:r>
-            <a:r>
-              <a:rPr lang="en-US" baseline="0" dirty="0" err="1" smtClean="0"/>
-              <a:t>arizona</a:t>
-            </a:r>
-            <a:r>
-              <a:rPr lang="en-US" baseline="0" dirty="0" smtClean="0"/>
-              <a:t> with a high of 105 and a low of 90. </a:t>
-            </a:r>
+            <a:pPr marL="0" marR="0" lvl="0" indent="0" algn="l" defTabSz="914400" rtl="0" eaLnBrk="1" fontAlgn="auto" latinLnBrk="0" hangingPunct="1">
+              <a:lnSpc>
+                <a:spcPct val="100000"/>
+              </a:lnSpc>
+              <a:spcBef>
+                <a:spcPts val="0"/>
+              </a:spcBef>
+              <a:spcAft>
+                <a:spcPts val="0"/>
+              </a:spcAft>
+              <a:buClrTx/>
+              <a:buSzTx/>
+              <a:buFontTx/>
+              <a:buNone/>
+              <a:tabLst/>
+              <a:defRPr/>
+            </a:pPr>
+            <a:r>
+              <a:rPr lang="is-IS" dirty="0" smtClean="0"/>
+              <a:t>We</a:t>
+            </a:r>
+            <a:r>
+              <a:rPr lang="is-IS" baseline="0" dirty="0" smtClean="0"/>
+              <a:t> all ask questions everyday... </a:t>
+            </a:r>
+            <a:endParaRPr lang="is-IS" dirty="0" smtClean="0"/>
+          </a:p>
+          <a:p>
             <a:endParaRPr lang="en-US" dirty="0"/>
           </a:p>
         </p:txBody>
@@ -4346,7 +4077,7 @@
     </p:spTree>
     <p:extLst>
       <p:ext uri="{BB962C8B-B14F-4D97-AF65-F5344CB8AC3E}">
-        <p14:creationId xmlns:p14="http://schemas.microsoft.com/office/powerpoint/2010/main" val="1032597485"/>
+        <p14:creationId xmlns:p14="http://schemas.microsoft.com/office/powerpoint/2010/main" val="421754111"/>
       </p:ext>
     </p:extLst>
   </p:cSld>
@@ -4400,35 +4131,33 @@
           <a:bodyPr/>
           <a:lstStyle/>
           <a:p>
-            <a:pPr marL="0" marR="0" lvl="0" indent="0" algn="l" defTabSz="914400" rtl="0" eaLnBrk="1" fontAlgn="auto" latinLnBrk="0" hangingPunct="1">
-              <a:lnSpc>
-                <a:spcPct val="100000"/>
-              </a:lnSpc>
-              <a:spcBef>
-                <a:spcPts val="0"/>
-              </a:spcBef>
-              <a:spcAft>
-                <a:spcPts val="0"/>
-              </a:spcAft>
-              <a:buClrTx/>
-              <a:buSzTx/>
-              <a:buFontTx/>
-              <a:buNone/>
-              <a:tabLst/>
-              <a:defRPr/>
-            </a:pPr>
-            <a:r>
-              <a:rPr lang="is-IS" dirty="0" smtClean="0"/>
-              <a:t>We</a:t>
+            <a:r>
+              <a:rPr lang="en-US" dirty="0" smtClean="0"/>
+              <a:t>Now</a:t>
+            </a:r>
+            <a:r>
+              <a:rPr lang="en-US" baseline="0" dirty="0" smtClean="0"/>
+              <a:t> don’t get intimidated by the framework listed here</a:t>
             </a:r>
             <a:r>
               <a:rPr lang="is-IS" baseline="0" dirty="0" smtClean="0"/>
-              <a:t> all ask questions everyday... </a:t>
-            </a:r>
-            <a:endParaRPr lang="is-IS" dirty="0" smtClean="0"/>
-          </a:p>
-          <a:p>
-            <a:endParaRPr lang="en-US" dirty="0"/>
+              <a:t>… We wont be hitting everything listed here, but I wanted you all to get familiarity with all of the framework</a:t>
+            </a:r>
+          </a:p>
+          <a:p>
+            <a:endParaRPr lang="en-US" baseline="0" dirty="0" smtClean="0"/>
+          </a:p>
+          <a:p>
+            <a:r>
+              <a:rPr lang="en-US" baseline="0" dirty="0" smtClean="0"/>
+              <a:t>**ONCLICK**</a:t>
+            </a:r>
+          </a:p>
+          <a:p>
+            <a:r>
+              <a:rPr lang="en-US" baseline="0" dirty="0" smtClean="0"/>
+              <a:t>What we we be discussing to day is the SELECT, FROM, WHERE and LIMIT clauses.</a:t>
+            </a:r>
           </a:p>
         </p:txBody>
       </p:sp>
@@ -4458,7 +4187,7 @@
     </p:spTree>
     <p:extLst>
       <p:ext uri="{BB962C8B-B14F-4D97-AF65-F5344CB8AC3E}">
-        <p14:creationId xmlns:p14="http://schemas.microsoft.com/office/powerpoint/2010/main" val="421754111"/>
+        <p14:creationId xmlns:p14="http://schemas.microsoft.com/office/powerpoint/2010/main" val="1549754622"/>
       </p:ext>
     </p:extLst>
   </p:cSld>
@@ -4514,15 +4243,19 @@
           <a:p>
             <a:r>
               <a:rPr lang="en-US" dirty="0" smtClean="0"/>
-              <a:t>Now</a:t>
+              <a:t>Remember how</a:t>
             </a:r>
             <a:r>
               <a:rPr lang="en-US" baseline="0" dirty="0" smtClean="0"/>
-              <a:t> don’t get intimidated by the framework listed here</a:t>
+              <a:t> I said SQL is just asking a question</a:t>
             </a:r>
             <a:r>
               <a:rPr lang="is-IS" baseline="0" dirty="0" smtClean="0"/>
-              <a:t>… We wont be hitting everything listed here, but I wanted you all to get familiarity with all of the framework</a:t>
+              <a:t>… and putting it</a:t>
+            </a:r>
+            <a:r>
+              <a:rPr lang="en-US" baseline="0" dirty="0" smtClean="0"/>
+              <a:t> in the right way to be read by the database?</a:t>
             </a:r>
           </a:p>
           <a:p>
@@ -4531,14 +4264,284 @@
           <a:p>
             <a:r>
               <a:rPr lang="en-US" baseline="0" dirty="0" smtClean="0"/>
-              <a:t>**ONCLICK**</a:t>
+              <a:t>Think of it in this way – Everyone here has used google correct?</a:t>
             </a:r>
           </a:p>
           <a:p>
             <a:r>
               <a:rPr lang="en-US" baseline="0" dirty="0" smtClean="0"/>
-              <a:t>What we we be discussing to day is the SELECT, FROM, WHERE and LIMIT clauses.</a:t>
-            </a:r>
+              <a:t>We are simply ‘googling’ our database</a:t>
+            </a:r>
+            <a:r>
+              <a:rPr lang="is-IS" baseline="0" dirty="0" smtClean="0"/>
+              <a:t>… phrasing our ask into a way that will return the answer or answers we need. </a:t>
+            </a:r>
+            <a:endParaRPr lang="en-US" baseline="0" dirty="0" smtClean="0"/>
+          </a:p>
+          <a:p>
+            <a:endParaRPr lang="en-US" dirty="0" smtClean="0"/>
+          </a:p>
+          <a:p>
+            <a:r>
+              <a:rPr lang="en-US" baseline="0" dirty="0" smtClean="0"/>
+              <a:t>I find breaking it down into three steps makes tackling this language so much easier. </a:t>
+            </a:r>
+          </a:p>
+          <a:p>
+            <a:r>
+              <a:rPr lang="en-US" baseline="0" dirty="0" smtClean="0"/>
+              <a:t>Step ONE – The business question – Identify what you are being asked.</a:t>
+            </a:r>
+          </a:p>
+          <a:p>
+            <a:r>
+              <a:rPr lang="en-US" baseline="0" dirty="0" smtClean="0"/>
+              <a:t>Step TWO – Rephrase the question using the correct syntax – identify the what/where from/ filters </a:t>
+            </a:r>
+            <a:r>
+              <a:rPr lang="en-US" baseline="0" dirty="0" err="1" smtClean="0"/>
+              <a:t>etc</a:t>
+            </a:r>
+            <a:endParaRPr lang="en-US" baseline="0" dirty="0" smtClean="0"/>
+          </a:p>
+          <a:p>
+            <a:r>
+              <a:rPr lang="en-US" baseline="0" dirty="0" smtClean="0"/>
+              <a:t>Step THREE – Trim the question into ONLY the SQL Syntax is left. </a:t>
+            </a:r>
+          </a:p>
+          <a:p>
+            <a:endParaRPr lang="en-US" baseline="0" dirty="0" smtClean="0"/>
+          </a:p>
+          <a:p>
+            <a:r>
+              <a:rPr lang="en-US" baseline="0" dirty="0" smtClean="0"/>
+              <a:t>****CLICK*****</a:t>
+            </a:r>
+          </a:p>
+          <a:p>
+            <a:r>
+              <a:rPr lang="en-US" baseline="0" dirty="0" smtClean="0"/>
+              <a:t>So  lets work through one. We want to know who won the academy award for best actor in 1997</a:t>
+            </a:r>
+          </a:p>
+          <a:p>
+            <a:pPr marL="0" marR="0" indent="0" algn="l" defTabSz="914400" rtl="0" eaLnBrk="1" fontAlgn="auto" latinLnBrk="0" hangingPunct="1">
+              <a:lnSpc>
+                <a:spcPct val="100000"/>
+              </a:lnSpc>
+              <a:spcBef>
+                <a:spcPts val="0"/>
+              </a:spcBef>
+              <a:spcAft>
+                <a:spcPts val="0"/>
+              </a:spcAft>
+              <a:buClrTx/>
+              <a:buSzTx/>
+              <a:buFontTx/>
+              <a:buNone/>
+              <a:tabLst/>
+              <a:defRPr/>
+            </a:pPr>
+            <a:r>
+              <a:rPr lang="en-US" baseline="0" dirty="0" smtClean="0"/>
+              <a:t>To rephrase this question using SQL syntax</a:t>
+            </a:r>
+            <a:r>
+              <a:rPr lang="is-IS" baseline="0" dirty="0" smtClean="0"/>
+              <a:t>… we need to understand that framework better</a:t>
+            </a:r>
+            <a:endParaRPr lang="en-US" baseline="0" dirty="0" smtClean="0"/>
+          </a:p>
+          <a:p>
+            <a:r>
+              <a:rPr lang="en-US" baseline="0" dirty="0" smtClean="0"/>
+              <a:t>****CLICK*****</a:t>
+            </a:r>
+          </a:p>
+          <a:p>
+            <a:pPr marL="0" marR="0" indent="0" algn="l" defTabSz="914400" rtl="0" eaLnBrk="1" fontAlgn="auto" latinLnBrk="0" hangingPunct="1">
+              <a:lnSpc>
+                <a:spcPct val="100000"/>
+              </a:lnSpc>
+              <a:spcBef>
+                <a:spcPts val="0"/>
+              </a:spcBef>
+              <a:spcAft>
+                <a:spcPts val="0"/>
+              </a:spcAft>
+              <a:buClrTx/>
+              <a:buSzTx/>
+              <a:buFontTx/>
+              <a:buNone/>
+              <a:tabLst/>
+              <a:defRPr/>
+            </a:pPr>
+            <a:r>
+              <a:rPr lang="en-US" baseline="0" dirty="0" smtClean="0"/>
+              <a:t>****CLICK*****</a:t>
+            </a:r>
+          </a:p>
+          <a:p>
+            <a:r>
+              <a:rPr lang="en-US" baseline="0" dirty="0" smtClean="0"/>
+              <a:t>****CLICK*****</a:t>
+            </a:r>
+          </a:p>
+          <a:p>
+            <a:pPr marL="0" marR="0" indent="0" algn="l" defTabSz="914400" rtl="0" eaLnBrk="1" fontAlgn="auto" latinLnBrk="0" hangingPunct="1">
+              <a:lnSpc>
+                <a:spcPct val="100000"/>
+              </a:lnSpc>
+              <a:spcBef>
+                <a:spcPts val="0"/>
+              </a:spcBef>
+              <a:spcAft>
+                <a:spcPts val="0"/>
+              </a:spcAft>
+              <a:buClrTx/>
+              <a:buSzTx/>
+              <a:buFontTx/>
+              <a:buNone/>
+              <a:tabLst/>
+              <a:defRPr/>
+            </a:pPr>
+            <a:r>
+              <a:rPr lang="en-US" baseline="0" dirty="0" smtClean="0"/>
+              <a:t>So from our question – what do we know - what do we want returned?</a:t>
+            </a:r>
+          </a:p>
+          <a:p>
+            <a:endParaRPr lang="en-US" baseline="0" dirty="0" smtClean="0"/>
+          </a:p>
+          <a:p>
+            <a:pPr marL="0" marR="0" indent="0" algn="l" defTabSz="914400" rtl="0" eaLnBrk="1" fontAlgn="auto" latinLnBrk="0" hangingPunct="1">
+              <a:lnSpc>
+                <a:spcPct val="100000"/>
+              </a:lnSpc>
+              <a:spcBef>
+                <a:spcPts val="0"/>
+              </a:spcBef>
+              <a:spcAft>
+                <a:spcPts val="0"/>
+              </a:spcAft>
+              <a:buClrTx/>
+              <a:buSzTx/>
+              <a:buFontTx/>
+              <a:buNone/>
+              <a:tabLst/>
+              <a:defRPr/>
+            </a:pPr>
+            <a:r>
+              <a:rPr lang="en-US" baseline="0" dirty="0" smtClean="0"/>
+              <a:t>****CLICK*****</a:t>
+            </a:r>
+          </a:p>
+          <a:p>
+            <a:r>
+              <a:rPr lang="en-US" baseline="0" dirty="0" smtClean="0"/>
+              <a:t>And for this for this particular instance we are going to assume that we have a table named </a:t>
+            </a:r>
+            <a:r>
+              <a:rPr lang="en-US" baseline="0" dirty="0" err="1" smtClean="0"/>
+              <a:t>Best_Actor_Award</a:t>
+            </a:r>
+            <a:r>
+              <a:rPr lang="en-US" baseline="0" dirty="0" smtClean="0"/>
+              <a:t> that has all winners of Best Actor awards</a:t>
+            </a:r>
+          </a:p>
+          <a:p>
+            <a:r>
+              <a:rPr lang="en-US" baseline="0" dirty="0" smtClean="0"/>
+              <a:t>And our filter – it</a:t>
+            </a:r>
+            <a:r>
+              <a:rPr lang="uk-UA" baseline="0" dirty="0" smtClean="0"/>
+              <a:t>’</a:t>
+            </a:r>
+            <a:r>
+              <a:rPr lang="en-US" baseline="0" dirty="0" smtClean="0"/>
+              <a:t>s the year from our question – 1997</a:t>
+            </a:r>
+          </a:p>
+          <a:p>
+            <a:pPr marL="0" marR="0" indent="0" algn="l" defTabSz="914400" rtl="0" eaLnBrk="1" fontAlgn="auto" latinLnBrk="0" hangingPunct="1">
+              <a:lnSpc>
+                <a:spcPct val="100000"/>
+              </a:lnSpc>
+              <a:spcBef>
+                <a:spcPts val="0"/>
+              </a:spcBef>
+              <a:spcAft>
+                <a:spcPts val="0"/>
+              </a:spcAft>
+              <a:buClrTx/>
+              <a:buSzTx/>
+              <a:buFontTx/>
+              <a:buNone/>
+              <a:tabLst/>
+              <a:defRPr/>
+            </a:pPr>
+            <a:r>
+              <a:rPr lang="en-US" baseline="0" dirty="0" smtClean="0"/>
+              <a:t>****CLICK*****</a:t>
+            </a:r>
+          </a:p>
+          <a:p>
+            <a:pPr marL="0" marR="0" indent="0" algn="l" defTabSz="914400" rtl="0" eaLnBrk="1" fontAlgn="auto" latinLnBrk="0" hangingPunct="1">
+              <a:lnSpc>
+                <a:spcPct val="100000"/>
+              </a:lnSpc>
+              <a:spcBef>
+                <a:spcPts val="0"/>
+              </a:spcBef>
+              <a:spcAft>
+                <a:spcPts val="0"/>
+              </a:spcAft>
+              <a:buClrTx/>
+              <a:buSzTx/>
+              <a:buFontTx/>
+              <a:buNone/>
+              <a:tabLst/>
+              <a:defRPr/>
+            </a:pPr>
+            <a:endParaRPr lang="en-US" baseline="0" dirty="0" smtClean="0"/>
+          </a:p>
+          <a:p>
+            <a:pPr marL="0" marR="0" indent="0" algn="l" defTabSz="914400" rtl="0" eaLnBrk="1" fontAlgn="auto" latinLnBrk="0" hangingPunct="1">
+              <a:lnSpc>
+                <a:spcPct val="100000"/>
+              </a:lnSpc>
+              <a:spcBef>
+                <a:spcPts val="0"/>
+              </a:spcBef>
+              <a:spcAft>
+                <a:spcPts val="0"/>
+              </a:spcAft>
+              <a:buClrTx/>
+              <a:buSzTx/>
+              <a:buFontTx/>
+              <a:buNone/>
+              <a:tabLst/>
+              <a:defRPr/>
+            </a:pPr>
+            <a:r>
+              <a:rPr lang="en-US" baseline="0" dirty="0" smtClean="0"/>
+              <a:t>Don’t worry if that was a little fast – we will go through more in depth examples next. </a:t>
+            </a:r>
+          </a:p>
+          <a:p>
+            <a:endParaRPr lang="en-US" baseline="0" dirty="0" smtClean="0"/>
+          </a:p>
+          <a:p>
+            <a:endParaRPr lang="en-US" baseline="0" dirty="0" smtClean="0"/>
+          </a:p>
+          <a:p>
+            <a:endParaRPr lang="en-US" baseline="0" dirty="0" smtClean="0"/>
+          </a:p>
+          <a:p>
+            <a:endParaRPr lang="en-US" baseline="0" dirty="0" smtClean="0"/>
           </a:p>
         </p:txBody>
       </p:sp>
@@ -4568,7 +4571,7 @@
     </p:spTree>
     <p:extLst>
       <p:ext uri="{BB962C8B-B14F-4D97-AF65-F5344CB8AC3E}">
-        <p14:creationId xmlns:p14="http://schemas.microsoft.com/office/powerpoint/2010/main" val="1549754622"/>
+        <p14:creationId xmlns:p14="http://schemas.microsoft.com/office/powerpoint/2010/main" val="380979415"/>
       </p:ext>
     </p:extLst>
   </p:cSld>
@@ -6763,302 +6766,6 @@
       </p:grpSpPr>
       <p:sp>
         <p:nvSpPr>
-          <p:cNvPr id="2" name="Title 1"/>
-          <p:cNvSpPr>
-            <a:spLocks noGrp="1"/>
-          </p:cNvSpPr>
-          <p:nvPr>
-            <p:ph type="title"/>
-          </p:nvPr>
-        </p:nvSpPr>
-        <p:spPr/>
-        <p:txBody>
-          <a:bodyPr/>
-          <a:lstStyle/>
-          <a:p>
-            <a:r>
-              <a:rPr lang="en-US" dirty="0" smtClean="0"/>
-              <a:t>What is a Row</a:t>
-            </a:r>
-            <a:endParaRPr lang="en-US" dirty="0"/>
-          </a:p>
-        </p:txBody>
-      </p:sp>
-      <p:sp>
-        <p:nvSpPr>
-          <p:cNvPr id="3" name="Content Placeholder 2"/>
-          <p:cNvSpPr>
-            <a:spLocks noGrp="1"/>
-          </p:cNvSpPr>
-          <p:nvPr>
-            <p:ph idx="1"/>
-          </p:nvPr>
-        </p:nvSpPr>
-        <p:spPr/>
-        <p:txBody>
-          <a:bodyPr/>
-          <a:lstStyle/>
-          <a:p>
-            <a:r>
-              <a:rPr lang="en-US" b="1" dirty="0" smtClean="0"/>
-              <a:t>Technical Definition</a:t>
-            </a:r>
-            <a:r>
-              <a:rPr lang="en-US" dirty="0" smtClean="0"/>
-              <a:t>: </a:t>
-            </a:r>
-            <a:r>
-              <a:rPr lang="en-US" dirty="0"/>
-              <a:t>In the context of a relational database, a </a:t>
-            </a:r>
-            <a:r>
-              <a:rPr lang="en-US" b="1" dirty="0"/>
-              <a:t>row</a:t>
-            </a:r>
-            <a:r>
-              <a:rPr lang="en-US" dirty="0"/>
-              <a:t>—also called a record or tuple—represents a single, implicitly structured data item in a </a:t>
-            </a:r>
-            <a:r>
-              <a:rPr lang="en-US" b="1" dirty="0"/>
-              <a:t>table</a:t>
-            </a:r>
-            <a:r>
-              <a:rPr lang="en-US" dirty="0"/>
-              <a:t>. In simple terms, a database </a:t>
-            </a:r>
-            <a:r>
-              <a:rPr lang="en-US" b="1" dirty="0"/>
-              <a:t>table</a:t>
-            </a:r>
-            <a:r>
-              <a:rPr lang="en-US" dirty="0"/>
-              <a:t> can be thought of as consisting of </a:t>
-            </a:r>
-            <a:r>
-              <a:rPr lang="en-US" b="1" dirty="0"/>
-              <a:t>rows</a:t>
-            </a:r>
-            <a:r>
-              <a:rPr lang="en-US" dirty="0"/>
-              <a:t> and columns or </a:t>
-            </a:r>
-            <a:r>
-              <a:rPr lang="en-US" dirty="0" smtClean="0"/>
-              <a:t>fields</a:t>
-            </a:r>
-          </a:p>
-          <a:p>
-            <a:endParaRPr lang="en-US" dirty="0" smtClean="0"/>
-          </a:p>
-          <a:p>
-            <a:r>
-              <a:rPr lang="en-US" b="1" dirty="0" smtClean="0"/>
-              <a:t>User Friendly</a:t>
-            </a:r>
-            <a:r>
-              <a:rPr lang="en-US" dirty="0" smtClean="0"/>
-              <a:t>: A data set representing a single item.</a:t>
-            </a:r>
-          </a:p>
-          <a:p>
-            <a:endParaRPr lang="en-US" dirty="0" smtClean="0"/>
-          </a:p>
-          <a:p>
-            <a:pPr>
-              <a:spcBef>
-                <a:spcPts val="0"/>
-              </a:spcBef>
-            </a:pPr>
-            <a:r>
-              <a:rPr lang="en-US" b="1" dirty="0"/>
-              <a:t>Real World Example</a:t>
-            </a:r>
-            <a:r>
-              <a:rPr lang="en-US" dirty="0"/>
-              <a:t>: In our Weather table:</a:t>
-            </a:r>
-          </a:p>
-          <a:p>
-            <a:pPr>
-              <a:spcBef>
-                <a:spcPts val="0"/>
-              </a:spcBef>
-            </a:pPr>
-            <a:r>
-              <a:rPr lang="en-US" dirty="0" smtClean="0"/>
-              <a:t>Phoenix Arizona 105 90 is a single record. </a:t>
-            </a:r>
-          </a:p>
-          <a:p>
-            <a:pPr>
-              <a:spcBef>
-                <a:spcPts val="0"/>
-              </a:spcBef>
-            </a:pPr>
-            <a:r>
-              <a:rPr lang="en-US" dirty="0" smtClean="0"/>
-              <a:t>Each row has the same columns.</a:t>
-            </a:r>
-            <a:endParaRPr lang="en-US" dirty="0"/>
-          </a:p>
-          <a:p>
-            <a:endParaRPr lang="en-US" dirty="0"/>
-          </a:p>
-        </p:txBody>
-      </p:sp>
-      <p:pic>
-        <p:nvPicPr>
-          <p:cNvPr id="5" name="Picture 4"/>
-          <p:cNvPicPr>
-            <a:picLocks noChangeAspect="1"/>
-          </p:cNvPicPr>
-          <p:nvPr/>
-        </p:nvPicPr>
-        <p:blipFill>
-          <a:blip r:embed="rId3">
-            <a:extLst>
-              <a:ext uri="{28A0092B-C50C-407E-A947-70E740481C1C}">
-                <a14:useLocalDpi xmlns:a14="http://schemas.microsoft.com/office/drawing/2010/main" val="0"/>
-              </a:ext>
-            </a:extLst>
-          </a:blip>
-          <a:stretch>
-            <a:fillRect/>
-          </a:stretch>
-        </p:blipFill>
-        <p:spPr>
-          <a:xfrm>
-            <a:off x="6833042" y="3316394"/>
-            <a:ext cx="3187700" cy="2552700"/>
-          </a:xfrm>
-          <a:prstGeom prst="rect">
-            <a:avLst/>
-          </a:prstGeom>
-        </p:spPr>
-      </p:pic>
-      <p:sp>
-        <p:nvSpPr>
-          <p:cNvPr id="6" name="Rectangle 5"/>
-          <p:cNvSpPr/>
-          <p:nvPr/>
-        </p:nvSpPr>
-        <p:spPr>
-          <a:xfrm>
-            <a:off x="6833042" y="4010686"/>
-            <a:ext cx="3187700" cy="344032"/>
-          </a:xfrm>
-          <a:prstGeom prst="rect">
-            <a:avLst/>
-          </a:prstGeom>
-          <a:noFill/>
-          <a:ln w="38100">
-            <a:solidFill>
-              <a:schemeClr val="tx2">
-                <a:lumMod val="60000"/>
-                <a:lumOff val="40000"/>
-              </a:schemeClr>
-            </a:solidFill>
-          </a:ln>
-        </p:spPr>
-        <p:style>
-          <a:lnRef idx="2">
-            <a:schemeClr val="dk1"/>
-          </a:lnRef>
-          <a:fillRef idx="1">
-            <a:schemeClr val="lt1"/>
-          </a:fillRef>
-          <a:effectRef idx="0">
-            <a:schemeClr val="dk1"/>
-          </a:effectRef>
-          <a:fontRef idx="minor">
-            <a:schemeClr val="dk1"/>
-          </a:fontRef>
-        </p:style>
-        <p:txBody>
-          <a:bodyPr rtlCol="0" anchor="ctr"/>
-          <a:lstStyle/>
-          <a:p>
-            <a:pPr algn="ctr"/>
-            <a:endParaRPr lang="en-US"/>
-          </a:p>
-        </p:txBody>
-      </p:sp>
-      <p:cxnSp>
-        <p:nvCxnSpPr>
-          <p:cNvPr id="10" name="Straight Arrow Connector 9"/>
-          <p:cNvCxnSpPr/>
-          <p:nvPr/>
-        </p:nvCxnSpPr>
-        <p:spPr>
-          <a:xfrm>
-            <a:off x="6156357" y="4227969"/>
-            <a:ext cx="579422" cy="0"/>
-          </a:xfrm>
-          <a:prstGeom prst="straightConnector1">
-            <a:avLst/>
-          </a:prstGeom>
-          <a:ln w="57150">
-            <a:solidFill>
-              <a:schemeClr val="tx1"/>
-            </a:solidFill>
-            <a:tailEnd type="triangle"/>
-          </a:ln>
-        </p:spPr>
-        <p:style>
-          <a:lnRef idx="2">
-            <a:schemeClr val="dk1"/>
-          </a:lnRef>
-          <a:fillRef idx="0">
-            <a:schemeClr val="dk1"/>
-          </a:fillRef>
-          <a:effectRef idx="1">
-            <a:schemeClr val="dk1"/>
-          </a:effectRef>
-          <a:fontRef idx="minor">
-            <a:schemeClr val="tx1"/>
-          </a:fontRef>
-        </p:style>
-      </p:cxnSp>
-    </p:spTree>
-    <p:extLst>
-      <p:ext uri="{BB962C8B-B14F-4D97-AF65-F5344CB8AC3E}">
-        <p14:creationId xmlns:p14="http://schemas.microsoft.com/office/powerpoint/2010/main" val="243457107"/>
-      </p:ext>
-    </p:extLst>
-  </p:cSld>
-  <p:clrMapOvr>
-    <a:masterClrMapping/>
-  </p:clrMapOvr>
-  <p:timing>
-    <p:tnLst>
-      <p:par>
-        <p:cTn id="1" dur="indefinite" restart="never" nodeType="tmRoot"/>
-      </p:par>
-    </p:tnLst>
-  </p:timing>
-</p:sld>
-</file>
-
-<file path=ppt/slides/slide11.xml><?xml version="1.0" encoding="utf-8"?>
-<p:sld xmlns:a="http://schemas.openxmlformats.org/drawingml/2006/main" xmlns:r="http://schemas.openxmlformats.org/officeDocument/2006/relationships" xmlns:p="http://schemas.openxmlformats.org/presentationml/2006/main">
-  <p:cSld>
-    <p:spTree>
-      <p:nvGrpSpPr>
-        <p:cNvPr id="1" name=""/>
-        <p:cNvGrpSpPr/>
-        <p:nvPr/>
-      </p:nvGrpSpPr>
-      <p:grpSpPr>
-        <a:xfrm>
-          <a:off x="0" y="0"/>
-          <a:ext cx="0" cy="0"/>
-          <a:chOff x="0" y="0"/>
-          <a:chExt cx="0" cy="0"/>
-        </a:xfrm>
-      </p:grpSpPr>
-      <p:sp>
-        <p:nvSpPr>
           <p:cNvPr id="3" name="Content Placeholder 2"/>
           <p:cNvSpPr>
             <a:spLocks noGrp="1"/>
@@ -7272,7 +6979,7 @@
 </p:sld>
 </file>
 
-<file path=ppt/slides/slide12.xml><?xml version="1.0" encoding="utf-8"?>
+<file path=ppt/slides/slide11.xml><?xml version="1.0" encoding="utf-8"?>
 <p:sld xmlns:a="http://schemas.openxmlformats.org/drawingml/2006/main" xmlns:r="http://schemas.openxmlformats.org/officeDocument/2006/relationships" xmlns:p="http://schemas.openxmlformats.org/presentationml/2006/main">
   <p:cSld>
     <p:spTree>
@@ -7871,7 +7578,7 @@
 </p:sld>
 </file>
 
-<file path=ppt/slides/slide13.xml><?xml version="1.0" encoding="utf-8"?>
+<file path=ppt/slides/slide12.xml><?xml version="1.0" encoding="utf-8"?>
 <p:sld xmlns:a="http://schemas.openxmlformats.org/drawingml/2006/main" xmlns:r="http://schemas.openxmlformats.org/officeDocument/2006/relationships" xmlns:p="http://schemas.openxmlformats.org/presentationml/2006/main">
   <p:cSld>
     <p:spTree>
@@ -8896,7 +8603,7 @@
 </p:sld>
 </file>
 
-<file path=ppt/slides/slide14.xml><?xml version="1.0" encoding="utf-8"?>
+<file path=ppt/slides/slide13.xml><?xml version="1.0" encoding="utf-8"?>
 <p:sld xmlns:a="http://schemas.openxmlformats.org/drawingml/2006/main" xmlns:r="http://schemas.openxmlformats.org/officeDocument/2006/relationships" xmlns:p="http://schemas.openxmlformats.org/presentationml/2006/main">
   <p:cSld>
     <p:spTree>
@@ -8965,6 +8672,141 @@
     <p:extLst>
       <p:ext uri="{BB962C8B-B14F-4D97-AF65-F5344CB8AC3E}">
         <p14:creationId xmlns:p14="http://schemas.microsoft.com/office/powerpoint/2010/main" val="771316403"/>
+      </p:ext>
+    </p:extLst>
+  </p:cSld>
+  <p:clrMapOvr>
+    <a:masterClrMapping/>
+  </p:clrMapOvr>
+  <p:timing>
+    <p:tnLst>
+      <p:par>
+        <p:cTn id="1" dur="indefinite" restart="never" nodeType="tmRoot"/>
+      </p:par>
+    </p:tnLst>
+  </p:timing>
+</p:sld>
+</file>
+
+<file path=ppt/slides/slide14.xml><?xml version="1.0" encoding="utf-8"?>
+<p:sld xmlns:a="http://schemas.openxmlformats.org/drawingml/2006/main" xmlns:r="http://schemas.openxmlformats.org/officeDocument/2006/relationships" xmlns:p="http://schemas.openxmlformats.org/presentationml/2006/main">
+  <p:cSld>
+    <p:spTree>
+      <p:nvGrpSpPr>
+        <p:cNvPr id="1" name=""/>
+        <p:cNvGrpSpPr/>
+        <p:nvPr/>
+      </p:nvGrpSpPr>
+      <p:grpSpPr>
+        <a:xfrm>
+          <a:off x="0" y="0"/>
+          <a:ext cx="0" cy="0"/>
+          <a:chOff x="0" y="0"/>
+          <a:chExt cx="0" cy="0"/>
+        </a:xfrm>
+      </p:grpSpPr>
+      <p:sp>
+        <p:nvSpPr>
+          <p:cNvPr id="2" name="Title 1"/>
+          <p:cNvSpPr>
+            <a:spLocks noGrp="1"/>
+          </p:cNvSpPr>
+          <p:nvPr>
+            <p:ph type="title"/>
+          </p:nvPr>
+        </p:nvSpPr>
+        <p:spPr/>
+        <p:txBody>
+          <a:bodyPr/>
+          <a:lstStyle/>
+          <a:p>
+            <a:r>
+              <a:rPr lang="en-US" dirty="0" smtClean="0"/>
+              <a:t>Our Sandbox</a:t>
+            </a:r>
+            <a:endParaRPr lang="en-US" dirty="0"/>
+          </a:p>
+        </p:txBody>
+      </p:sp>
+      <p:sp>
+        <p:nvSpPr>
+          <p:cNvPr id="3" name="Content Placeholder 2"/>
+          <p:cNvSpPr>
+            <a:spLocks noGrp="1"/>
+          </p:cNvSpPr>
+          <p:nvPr>
+            <p:ph idx="1"/>
+          </p:nvPr>
+        </p:nvSpPr>
+        <p:spPr/>
+        <p:txBody>
+          <a:bodyPr/>
+          <a:lstStyle/>
+          <a:p>
+            <a:r>
+              <a:rPr lang="en-US" dirty="0" smtClean="0"/>
+              <a:t>Environments where users can play without breaking anything are often referred to as sandboxes. They are usually personal spaces where an analyst or developer can experiment with code without affecting a production environment.</a:t>
+            </a:r>
+          </a:p>
+          <a:p>
+            <a:r>
+              <a:rPr lang="en-US" dirty="0" smtClean="0"/>
+              <a:t>The sandbox </a:t>
+            </a:r>
+            <a:r>
+              <a:rPr lang="en-US" dirty="0"/>
+              <a:t>environment </a:t>
+            </a:r>
+            <a:r>
+              <a:rPr lang="en-US" dirty="0" smtClean="0"/>
+              <a:t>we will be using is the </a:t>
+            </a:r>
+            <a:r>
+              <a:rPr lang="en-US" dirty="0"/>
+              <a:t>w3 schools SQL editor</a:t>
+            </a:r>
+            <a:r>
+              <a:rPr lang="en-US" dirty="0" smtClean="0"/>
+              <a:t>:</a:t>
+            </a:r>
+            <a:endParaRPr lang="en-US" dirty="0" smtClean="0">
+              <a:hlinkClick r:id="rId3"/>
+            </a:endParaRPr>
+          </a:p>
+          <a:p>
+            <a:r>
+              <a:rPr lang="en-US" dirty="0" smtClean="0">
+                <a:hlinkClick r:id="rId4"/>
+              </a:rPr>
+              <a:t>http</a:t>
+            </a:r>
+            <a:r>
+              <a:rPr lang="en-US" dirty="0">
+                <a:hlinkClick r:id="rId4"/>
+              </a:rPr>
+              <a:t>://</a:t>
+            </a:r>
+            <a:r>
+              <a:rPr lang="en-US" dirty="0" smtClean="0">
+                <a:hlinkClick r:id="rId4"/>
+              </a:rPr>
+              <a:t>bit.ly/1foSkgu</a:t>
+            </a:r>
+            <a:r>
+              <a:rPr lang="en-US" dirty="0" smtClean="0"/>
+              <a:t> </a:t>
+            </a:r>
+            <a:endParaRPr lang="en-US" dirty="0"/>
+          </a:p>
+          <a:p>
+            <a:endParaRPr lang="en-US" dirty="0"/>
+          </a:p>
+        </p:txBody>
+      </p:sp>
+    </p:spTree>
+    <p:extLst>
+      <p:ext uri="{BB962C8B-B14F-4D97-AF65-F5344CB8AC3E}">
+        <p14:creationId xmlns:p14="http://schemas.microsoft.com/office/powerpoint/2010/main" val="23968854"/>
       </p:ext>
     </p:extLst>
   </p:cSld>
@@ -9015,7 +8857,7 @@
           <a:p>
             <a:r>
               <a:rPr lang="en-US" dirty="0" smtClean="0"/>
-              <a:t>Our Sandbox</a:t>
+              <a:t>Time to play in the Sandbox!</a:t>
             </a:r>
             <a:endParaRPr lang="en-US" dirty="0"/>
           </a:p>
@@ -9037,59 +8879,114 @@
           <a:lstStyle/>
           <a:p>
             <a:r>
-              <a:rPr lang="en-US" dirty="0" smtClean="0"/>
-              <a:t>Environments where users can play without breaking anything are often referred to as sandboxes. They are usually personal spaces where an analyst or developer can experiment with code without affecting a production environment.</a:t>
-            </a:r>
-          </a:p>
-          <a:p>
-            <a:r>
-              <a:rPr lang="en-US" dirty="0" smtClean="0"/>
-              <a:t>The sandbox </a:t>
-            </a:r>
-            <a:r>
-              <a:rPr lang="en-US" dirty="0"/>
-              <a:t>environment </a:t>
-            </a:r>
-            <a:r>
-              <a:rPr lang="en-US" dirty="0" smtClean="0"/>
-              <a:t>we will be using is the </a:t>
-            </a:r>
-            <a:r>
-              <a:rPr lang="en-US" dirty="0"/>
-              <a:t>w3 schools SQL editor</a:t>
-            </a:r>
-            <a:r>
-              <a:rPr lang="en-US" dirty="0" smtClean="0"/>
-              <a:t>:</a:t>
-            </a:r>
-            <a:endParaRPr lang="en-US" dirty="0" smtClean="0">
-              <a:hlinkClick r:id="rId3"/>
-            </a:endParaRPr>
-          </a:p>
-          <a:p>
-            <a:r>
-              <a:rPr lang="en-US" dirty="0" smtClean="0">
-                <a:hlinkClick r:id="rId4"/>
-              </a:rPr>
-              <a:t>http</a:t>
-            </a:r>
-            <a:r>
-              <a:rPr lang="en-US" dirty="0">
-                <a:hlinkClick r:id="rId4"/>
-              </a:rPr>
-              <a:t>://</a:t>
-            </a:r>
-            <a:r>
-              <a:rPr lang="en-US" dirty="0" smtClean="0">
-                <a:hlinkClick r:id="rId4"/>
-              </a:rPr>
-              <a:t>bit.ly/1foSkgu</a:t>
-            </a:r>
-            <a:r>
-              <a:rPr lang="en-US" dirty="0" smtClean="0"/>
+              <a:rPr lang="en-US" sz="2400" dirty="0" smtClean="0"/>
+              <a:t>We are all going into business together!</a:t>
+            </a:r>
+          </a:p>
+          <a:p>
+            <a:r>
+              <a:rPr lang="en-US" sz="2400" dirty="0" smtClean="0"/>
+              <a:t>We are all now part owners of the </a:t>
+            </a:r>
+            <a:r>
+              <a:rPr lang="en-US" sz="2400" dirty="0" err="1" smtClean="0"/>
+              <a:t>SheCodesNow</a:t>
+            </a:r>
+            <a:r>
+              <a:rPr lang="en-US" sz="2400" dirty="0" smtClean="0"/>
+              <a:t> Online Store. </a:t>
+            </a:r>
+          </a:p>
+          <a:p>
+            <a:r>
+              <a:rPr lang="en-US" sz="2400" dirty="0" smtClean="0"/>
+              <a:t>This is an online store where our people can browse </a:t>
+            </a:r>
+            <a:r>
+              <a:rPr lang="en-US" sz="2400" dirty="0"/>
+              <a:t>through our </a:t>
+            </a:r>
+            <a:r>
+              <a:rPr lang="en-US" sz="2400" dirty="0" smtClean="0"/>
+              <a:t>selection of </a:t>
+            </a:r>
+            <a:r>
+              <a:rPr lang="en-US" sz="2400" b="1" u="sng" dirty="0" smtClean="0"/>
+              <a:t>Products</a:t>
+            </a:r>
+            <a:r>
+              <a:rPr lang="en-US" sz="2400" dirty="0" smtClean="0"/>
+              <a:t> offered from various </a:t>
+            </a:r>
+            <a:r>
+              <a:rPr lang="en-US" sz="2400" b="1" u="sng" dirty="0" smtClean="0"/>
+              <a:t>Suppliers</a:t>
+            </a:r>
+            <a:r>
+              <a:rPr lang="en-US" sz="2400" dirty="0" smtClean="0"/>
+              <a:t> all organized neatly by </a:t>
+            </a:r>
+            <a:r>
+              <a:rPr lang="en-US" sz="2400" b="1" u="sng" dirty="0" smtClean="0"/>
+              <a:t>Category</a:t>
+            </a:r>
+            <a:r>
+              <a:rPr lang="en-US" sz="2400" dirty="0" smtClean="0"/>
+              <a:t>. </a:t>
+            </a:r>
+          </a:p>
+          <a:p>
+            <a:r>
+              <a:rPr lang="en-US" sz="2400" dirty="0" smtClean="0"/>
+              <a:t>Once our </a:t>
+            </a:r>
+            <a:r>
+              <a:rPr lang="en-US" sz="2400" b="1" u="sng" dirty="0" smtClean="0"/>
+              <a:t>Customers</a:t>
+            </a:r>
+            <a:r>
+              <a:rPr lang="en-US" sz="2400" dirty="0" smtClean="0"/>
+              <a:t> check out, our </a:t>
+            </a:r>
+            <a:r>
+              <a:rPr lang="en-US" sz="2400" b="1" u="sng" dirty="0" smtClean="0"/>
+              <a:t>Employees</a:t>
+            </a:r>
+            <a:r>
+              <a:rPr lang="en-US" sz="2400" dirty="0" smtClean="0"/>
+              <a:t> go over the </a:t>
+            </a:r>
+            <a:r>
+              <a:rPr lang="en-US" sz="2400" b="1" u="sng" dirty="0" err="1" smtClean="0"/>
+              <a:t>OrderDetails</a:t>
+            </a:r>
+            <a:r>
+              <a:rPr lang="en-US" sz="2400" u="sng" dirty="0" smtClean="0"/>
               <a:t> </a:t>
             </a:r>
-            <a:endParaRPr lang="en-US" dirty="0"/>
+            <a:r>
+              <a:rPr lang="en-US" sz="2400" dirty="0" smtClean="0"/>
+              <a:t>to prep and ship the </a:t>
+            </a:r>
+            <a:r>
+              <a:rPr lang="en-US" sz="2400" b="1" u="sng" dirty="0" smtClean="0"/>
+              <a:t>Orders</a:t>
+            </a:r>
+            <a:r>
+              <a:rPr lang="en-US" sz="2400" dirty="0" smtClean="0"/>
+              <a:t> using one of preapproved list of </a:t>
+            </a:r>
+            <a:r>
+              <a:rPr lang="en-US" sz="2400" b="1" u="sng" dirty="0" smtClean="0"/>
+              <a:t>Shippers</a:t>
+            </a:r>
+            <a:r>
+              <a:rPr lang="en-US" sz="2400" u="sng" dirty="0" smtClean="0"/>
+              <a:t>.</a:t>
+            </a:r>
+          </a:p>
+          <a:p>
+            <a:endParaRPr lang="en-US" dirty="0" smtClean="0"/>
           </a:p>
           <a:p>
             <a:endParaRPr lang="en-US" dirty="0"/>
@@ -9099,7 +8996,7 @@
     </p:spTree>
     <p:extLst>
       <p:ext uri="{BB962C8B-B14F-4D97-AF65-F5344CB8AC3E}">
-        <p14:creationId xmlns:p14="http://schemas.microsoft.com/office/powerpoint/2010/main" val="23968854"/>
+        <p14:creationId xmlns:p14="http://schemas.microsoft.com/office/powerpoint/2010/main" val="778493220"/>
       </p:ext>
     </p:extLst>
   </p:cSld>
@@ -9150,196 +9047,6 @@
           <a:p>
             <a:r>
               <a:rPr lang="en-US" dirty="0" smtClean="0"/>
-              <a:t>Time to play in the Sandbox!</a:t>
-            </a:r>
-            <a:endParaRPr lang="en-US" dirty="0"/>
-          </a:p>
-        </p:txBody>
-      </p:sp>
-      <p:sp>
-        <p:nvSpPr>
-          <p:cNvPr id="3" name="Content Placeholder 2"/>
-          <p:cNvSpPr>
-            <a:spLocks noGrp="1"/>
-          </p:cNvSpPr>
-          <p:nvPr>
-            <p:ph idx="1"/>
-          </p:nvPr>
-        </p:nvSpPr>
-        <p:spPr/>
-        <p:txBody>
-          <a:bodyPr/>
-          <a:lstStyle/>
-          <a:p>
-            <a:r>
-              <a:rPr lang="en-US" sz="2400" dirty="0" smtClean="0"/>
-              <a:t>We are all going into business together!</a:t>
-            </a:r>
-          </a:p>
-          <a:p>
-            <a:r>
-              <a:rPr lang="en-US" sz="2400" dirty="0" smtClean="0"/>
-              <a:t>We are all now part owners of the </a:t>
-            </a:r>
-            <a:r>
-              <a:rPr lang="en-US" sz="2400" dirty="0" err="1" smtClean="0"/>
-              <a:t>SheCodesNow</a:t>
-            </a:r>
-            <a:r>
-              <a:rPr lang="en-US" sz="2400" dirty="0" smtClean="0"/>
-              <a:t> Online Store. </a:t>
-            </a:r>
-          </a:p>
-          <a:p>
-            <a:r>
-              <a:rPr lang="en-US" sz="2400" dirty="0" smtClean="0"/>
-              <a:t>This is an online store where our people can browse </a:t>
-            </a:r>
-            <a:r>
-              <a:rPr lang="en-US" sz="2400" dirty="0"/>
-              <a:t>through our </a:t>
-            </a:r>
-            <a:r>
-              <a:rPr lang="en-US" sz="2400" dirty="0" smtClean="0"/>
-              <a:t>selection of </a:t>
-            </a:r>
-            <a:r>
-              <a:rPr lang="en-US" sz="2400" b="1" u="sng" dirty="0" smtClean="0"/>
-              <a:t>Products</a:t>
-            </a:r>
-            <a:r>
-              <a:rPr lang="en-US" sz="2400" dirty="0" smtClean="0"/>
-              <a:t> offered from various </a:t>
-            </a:r>
-            <a:r>
-              <a:rPr lang="en-US" sz="2400" b="1" u="sng" dirty="0" smtClean="0"/>
-              <a:t>Suppliers</a:t>
-            </a:r>
-            <a:r>
-              <a:rPr lang="en-US" sz="2400" dirty="0" smtClean="0"/>
-              <a:t> all organized neatly by </a:t>
-            </a:r>
-            <a:r>
-              <a:rPr lang="en-US" sz="2400" b="1" u="sng" dirty="0" smtClean="0"/>
-              <a:t>Category</a:t>
-            </a:r>
-            <a:r>
-              <a:rPr lang="en-US" sz="2400" dirty="0" smtClean="0"/>
-              <a:t>. </a:t>
-            </a:r>
-          </a:p>
-          <a:p>
-            <a:r>
-              <a:rPr lang="en-US" sz="2400" dirty="0" smtClean="0"/>
-              <a:t>Once our </a:t>
-            </a:r>
-            <a:r>
-              <a:rPr lang="en-US" sz="2400" b="1" u="sng" dirty="0" smtClean="0"/>
-              <a:t>Customers</a:t>
-            </a:r>
-            <a:r>
-              <a:rPr lang="en-US" sz="2400" dirty="0" smtClean="0"/>
-              <a:t> check out, our </a:t>
-            </a:r>
-            <a:r>
-              <a:rPr lang="en-US" sz="2400" b="1" u="sng" dirty="0" smtClean="0"/>
-              <a:t>Employees</a:t>
-            </a:r>
-            <a:r>
-              <a:rPr lang="en-US" sz="2400" dirty="0" smtClean="0"/>
-              <a:t> go over the </a:t>
-            </a:r>
-            <a:r>
-              <a:rPr lang="en-US" sz="2400" b="1" u="sng" dirty="0" err="1" smtClean="0"/>
-              <a:t>OrderDetails</a:t>
-            </a:r>
-            <a:r>
-              <a:rPr lang="en-US" sz="2400" u="sng" dirty="0" smtClean="0"/>
-              <a:t> </a:t>
-            </a:r>
-            <a:r>
-              <a:rPr lang="en-US" sz="2400" dirty="0" smtClean="0"/>
-              <a:t>to prep and ship the </a:t>
-            </a:r>
-            <a:r>
-              <a:rPr lang="en-US" sz="2400" b="1" u="sng" dirty="0" smtClean="0"/>
-              <a:t>Orders</a:t>
-            </a:r>
-            <a:r>
-              <a:rPr lang="en-US" sz="2400" dirty="0" smtClean="0"/>
-              <a:t> using one of preapproved list of </a:t>
-            </a:r>
-            <a:r>
-              <a:rPr lang="en-US" sz="2400" b="1" u="sng" dirty="0" smtClean="0"/>
-              <a:t>Shippers</a:t>
-            </a:r>
-            <a:r>
-              <a:rPr lang="en-US" sz="2400" u="sng" dirty="0" smtClean="0"/>
-              <a:t>.</a:t>
-            </a:r>
-          </a:p>
-          <a:p>
-            <a:endParaRPr lang="en-US" dirty="0" smtClean="0"/>
-          </a:p>
-          <a:p>
-            <a:endParaRPr lang="en-US" dirty="0"/>
-          </a:p>
-        </p:txBody>
-      </p:sp>
-    </p:spTree>
-    <p:extLst>
-      <p:ext uri="{BB962C8B-B14F-4D97-AF65-F5344CB8AC3E}">
-        <p14:creationId xmlns:p14="http://schemas.microsoft.com/office/powerpoint/2010/main" val="778493220"/>
-      </p:ext>
-    </p:extLst>
-  </p:cSld>
-  <p:clrMapOvr>
-    <a:masterClrMapping/>
-  </p:clrMapOvr>
-  <p:timing>
-    <p:tnLst>
-      <p:par>
-        <p:cTn id="1" dur="indefinite" restart="never" nodeType="tmRoot"/>
-      </p:par>
-    </p:tnLst>
-  </p:timing>
-</p:sld>
-</file>
-
-<file path=ppt/slides/slide17.xml><?xml version="1.0" encoding="utf-8"?>
-<p:sld xmlns:a="http://schemas.openxmlformats.org/drawingml/2006/main" xmlns:r="http://schemas.openxmlformats.org/officeDocument/2006/relationships" xmlns:p="http://schemas.openxmlformats.org/presentationml/2006/main">
-  <p:cSld>
-    <p:spTree>
-      <p:nvGrpSpPr>
-        <p:cNvPr id="1" name=""/>
-        <p:cNvGrpSpPr/>
-        <p:nvPr/>
-      </p:nvGrpSpPr>
-      <p:grpSpPr>
-        <a:xfrm>
-          <a:off x="0" y="0"/>
-          <a:ext cx="0" cy="0"/>
-          <a:chOff x="0" y="0"/>
-          <a:chExt cx="0" cy="0"/>
-        </a:xfrm>
-      </p:grpSpPr>
-      <p:sp>
-        <p:nvSpPr>
-          <p:cNvPr id="2" name="Title 1"/>
-          <p:cNvSpPr>
-            <a:spLocks noGrp="1"/>
-          </p:cNvSpPr>
-          <p:nvPr>
-            <p:ph type="title"/>
-          </p:nvPr>
-        </p:nvSpPr>
-        <p:spPr/>
-        <p:txBody>
-          <a:bodyPr/>
-          <a:lstStyle/>
-          <a:p>
-            <a:r>
-              <a:rPr lang="en-US" dirty="0" smtClean="0"/>
               <a:t>Our first query</a:t>
             </a:r>
             <a:endParaRPr lang="en-US" dirty="0"/>
@@ -9585,17 +9292,8 @@
             </a:pPr>
             <a:r>
               <a:rPr lang="en-US" sz="2400" dirty="0" smtClean="0"/>
-              <a:t>Extra step </a:t>
-            </a:r>
-            <a:r>
-              <a:rPr lang="en-US" sz="2400" dirty="0" smtClean="0"/>
-              <a:t>– </a:t>
-            </a:r>
-            <a:r>
-              <a:rPr lang="en-US" sz="2400" dirty="0" smtClean="0"/>
-              <a:t>change ‘all’ to ‘*’</a:t>
-            </a:r>
-            <a:endParaRPr lang="en-US" sz="2400" dirty="0" smtClean="0"/>
+              <a:t>Extra step – change ‘all’ to ‘*’</a:t>
+            </a:r>
           </a:p>
           <a:p>
             <a:pPr marL="0" marR="0" lvl="0" indent="0" defTabSz="914400" eaLnBrk="1" fontAlgn="auto" latinLnBrk="0" hangingPunct="1">
@@ -10211,7 +9909,7 @@
 </p:sld>
 </file>
 
-<file path=ppt/slides/slide18.xml><?xml version="1.0" encoding="utf-8"?>
+<file path=ppt/slides/slide17.xml><?xml version="1.0" encoding="utf-8"?>
 <p:sld xmlns:a="http://schemas.openxmlformats.org/drawingml/2006/main" xmlns:r="http://schemas.openxmlformats.org/officeDocument/2006/relationships" xmlns:p="http://schemas.openxmlformats.org/presentationml/2006/main">
   <p:cSld>
     <p:spTree>
@@ -10691,6 +10389,709 @@
 </p:sld>
 </file>
 
+<file path=ppt/slides/slide18.xml><?xml version="1.0" encoding="utf-8"?>
+<p:sld xmlns:a="http://schemas.openxmlformats.org/drawingml/2006/main" xmlns:r="http://schemas.openxmlformats.org/officeDocument/2006/relationships" xmlns:p="http://schemas.openxmlformats.org/presentationml/2006/main">
+  <p:cSld>
+    <p:spTree>
+      <p:nvGrpSpPr>
+        <p:cNvPr id="1" name=""/>
+        <p:cNvGrpSpPr/>
+        <p:nvPr/>
+      </p:nvGrpSpPr>
+      <p:grpSpPr>
+        <a:xfrm>
+          <a:off x="0" y="0"/>
+          <a:ext cx="0" cy="0"/>
+          <a:chOff x="0" y="0"/>
+          <a:chExt cx="0" cy="0"/>
+        </a:xfrm>
+      </p:grpSpPr>
+      <p:sp>
+        <p:nvSpPr>
+          <p:cNvPr id="2" name="Title 1"/>
+          <p:cNvSpPr>
+            <a:spLocks noGrp="1"/>
+          </p:cNvSpPr>
+          <p:nvPr>
+            <p:ph type="title"/>
+          </p:nvPr>
+        </p:nvSpPr>
+        <p:spPr/>
+        <p:txBody>
+          <a:bodyPr/>
+          <a:lstStyle/>
+          <a:p>
+            <a:r>
+              <a:rPr lang="en-US" dirty="0" smtClean="0"/>
+              <a:t>Selecting Specifics</a:t>
+            </a:r>
+            <a:endParaRPr lang="en-US" dirty="0"/>
+          </a:p>
+        </p:txBody>
+      </p:sp>
+      <p:sp>
+        <p:nvSpPr>
+          <p:cNvPr id="3" name="Content Placeholder 2"/>
+          <p:cNvSpPr>
+            <a:spLocks noGrp="1"/>
+          </p:cNvSpPr>
+          <p:nvPr>
+            <p:ph idx="1"/>
+          </p:nvPr>
+        </p:nvSpPr>
+        <p:spPr/>
+        <p:txBody>
+          <a:bodyPr>
+            <a:normAutofit/>
+          </a:bodyPr>
+          <a:lstStyle/>
+          <a:p>
+            <a:pPr marL="0" lvl="0" indent="0">
+              <a:lnSpc>
+                <a:spcPct val="100000"/>
+              </a:lnSpc>
+              <a:spcBef>
+                <a:spcPts val="0"/>
+              </a:spcBef>
+              <a:spcAft>
+                <a:spcPts val="0"/>
+              </a:spcAft>
+              <a:buClrTx/>
+              <a:buSzTx/>
+              <a:buNone/>
+              <a:defRPr/>
+            </a:pPr>
+            <a:r>
+              <a:rPr lang="en-US" dirty="0"/>
+              <a:t>Business Question/Ask:</a:t>
+            </a:r>
+          </a:p>
+          <a:p>
+            <a:pPr marL="0" lvl="0" indent="0">
+              <a:lnSpc>
+                <a:spcPct val="100000"/>
+              </a:lnSpc>
+              <a:spcBef>
+                <a:spcPts val="0"/>
+              </a:spcBef>
+              <a:spcAft>
+                <a:spcPts val="0"/>
+              </a:spcAft>
+              <a:buClrTx/>
+              <a:buSzTx/>
+              <a:buNone/>
+              <a:defRPr/>
+            </a:pPr>
+            <a:r>
+              <a:rPr lang="en-US" dirty="0" smtClean="0"/>
+              <a:t>Instead of a list of all customer data, we only want a list of customer names and customer IDs</a:t>
+            </a:r>
+          </a:p>
+          <a:p>
+            <a:pPr marL="0" lvl="0" indent="0">
+              <a:lnSpc>
+                <a:spcPct val="100000"/>
+              </a:lnSpc>
+              <a:spcBef>
+                <a:spcPts val="0"/>
+              </a:spcBef>
+              <a:spcAft>
+                <a:spcPts val="0"/>
+              </a:spcAft>
+              <a:buClrTx/>
+              <a:buSzTx/>
+              <a:buNone/>
+              <a:defRPr/>
+            </a:pPr>
+            <a:endParaRPr lang="en-US" dirty="0"/>
+          </a:p>
+          <a:p>
+            <a:pPr marL="0" lvl="0" indent="0">
+              <a:lnSpc>
+                <a:spcPct val="100000"/>
+              </a:lnSpc>
+              <a:spcBef>
+                <a:spcPts val="0"/>
+              </a:spcBef>
+              <a:spcAft>
+                <a:spcPts val="0"/>
+              </a:spcAft>
+              <a:buClrTx/>
+              <a:buSzTx/>
+              <a:buNone/>
+              <a:defRPr/>
+            </a:pPr>
+            <a:r>
+              <a:rPr lang="en-US" dirty="0" smtClean="0"/>
+              <a:t>Rephrase</a:t>
+            </a:r>
+            <a:r>
+              <a:rPr lang="en-US" dirty="0"/>
+              <a:t>: </a:t>
+            </a:r>
+          </a:p>
+          <a:p>
+            <a:pPr marL="0" lvl="0" indent="0">
+              <a:lnSpc>
+                <a:spcPct val="100000"/>
+              </a:lnSpc>
+              <a:spcBef>
+                <a:spcPts val="0"/>
+              </a:spcBef>
+              <a:spcAft>
+                <a:spcPts val="0"/>
+              </a:spcAft>
+              <a:buClrTx/>
+              <a:buSzTx/>
+              <a:buNone/>
+              <a:defRPr/>
+            </a:pPr>
+            <a:r>
+              <a:rPr lang="en-US" dirty="0" smtClean="0"/>
+              <a:t>I want to SELECT Customer Name and Customer ID FROM </a:t>
+            </a:r>
+            <a:r>
+              <a:rPr lang="en-US" dirty="0"/>
+              <a:t>the </a:t>
+            </a:r>
+            <a:r>
+              <a:rPr lang="en-US" dirty="0" smtClean="0"/>
+              <a:t>Customers table</a:t>
+            </a:r>
+            <a:endParaRPr lang="en-US" dirty="0"/>
+          </a:p>
+          <a:p>
+            <a:pPr marL="0" lvl="0" indent="0">
+              <a:lnSpc>
+                <a:spcPct val="100000"/>
+              </a:lnSpc>
+              <a:spcBef>
+                <a:spcPts val="0"/>
+              </a:spcBef>
+              <a:spcAft>
+                <a:spcPts val="0"/>
+              </a:spcAft>
+              <a:buClrTx/>
+              <a:buSzTx/>
+              <a:buNone/>
+              <a:defRPr/>
+            </a:pPr>
+            <a:endParaRPr lang="en-US" dirty="0"/>
+          </a:p>
+          <a:p>
+            <a:pPr marL="0" lvl="0" indent="0">
+              <a:lnSpc>
+                <a:spcPct val="100000"/>
+              </a:lnSpc>
+              <a:spcBef>
+                <a:spcPts val="0"/>
+              </a:spcBef>
+              <a:spcAft>
+                <a:spcPts val="0"/>
+              </a:spcAft>
+              <a:buClrTx/>
+              <a:buSzTx/>
+              <a:buNone/>
+              <a:defRPr/>
+            </a:pPr>
+            <a:r>
+              <a:rPr lang="en-US" dirty="0"/>
+              <a:t>Trim: </a:t>
+            </a:r>
+            <a:endParaRPr lang="en-US" dirty="0" smtClean="0"/>
+          </a:p>
+          <a:p>
+            <a:pPr marL="0" lvl="0" indent="0">
+              <a:lnSpc>
+                <a:spcPct val="100000"/>
+              </a:lnSpc>
+              <a:spcBef>
+                <a:spcPts val="0"/>
+              </a:spcBef>
+              <a:spcAft>
+                <a:spcPts val="0"/>
+              </a:spcAft>
+              <a:buClrTx/>
+              <a:buSzTx/>
+              <a:buNone/>
+              <a:defRPr/>
+            </a:pPr>
+            <a:r>
+              <a:rPr lang="en-US" dirty="0" smtClean="0"/>
+              <a:t>SELECT </a:t>
+            </a:r>
+            <a:r>
+              <a:rPr lang="en-US" dirty="0" err="1"/>
+              <a:t>CustomerID</a:t>
+            </a:r>
+            <a:r>
+              <a:rPr lang="en-US" dirty="0"/>
+              <a:t>, </a:t>
+            </a:r>
+            <a:r>
+              <a:rPr lang="en-US" dirty="0" err="1"/>
+              <a:t>CustomerName</a:t>
+            </a:r>
+            <a:r>
+              <a:rPr lang="en-US" dirty="0"/>
+              <a:t> </a:t>
+            </a:r>
+            <a:r>
+              <a:rPr lang="en-US" dirty="0" smtClean="0"/>
+              <a:t>FROM </a:t>
+            </a:r>
+            <a:r>
+              <a:rPr lang="en-US" dirty="0"/>
+              <a:t>Customers</a:t>
+            </a:r>
+          </a:p>
+          <a:p>
+            <a:pPr marL="0" lvl="0" indent="0">
+              <a:lnSpc>
+                <a:spcPct val="100000"/>
+              </a:lnSpc>
+              <a:spcBef>
+                <a:spcPts val="0"/>
+              </a:spcBef>
+              <a:spcAft>
+                <a:spcPts val="0"/>
+              </a:spcAft>
+              <a:buClrTx/>
+              <a:buSzTx/>
+              <a:buNone/>
+              <a:defRPr/>
+            </a:pPr>
+            <a:endParaRPr lang="en-US" dirty="0"/>
+          </a:p>
+          <a:p>
+            <a:pPr marL="0" lvl="0" indent="0">
+              <a:lnSpc>
+                <a:spcPct val="100000"/>
+              </a:lnSpc>
+              <a:spcBef>
+                <a:spcPts val="0"/>
+              </a:spcBef>
+              <a:spcAft>
+                <a:spcPts val="0"/>
+              </a:spcAft>
+              <a:buClrTx/>
+              <a:buSzTx/>
+              <a:buNone/>
+              <a:defRPr/>
+            </a:pPr>
+            <a:r>
+              <a:rPr lang="en-US" sz="2400" dirty="0" smtClean="0"/>
+              <a:t>Type </a:t>
+            </a:r>
+            <a:r>
+              <a:rPr lang="en-US" sz="2400" dirty="0"/>
+              <a:t>into the ‘SQL Statement’ Box:</a:t>
+            </a:r>
+          </a:p>
+          <a:p>
+            <a:pPr marL="0" indent="0">
+              <a:lnSpc>
+                <a:spcPct val="100000"/>
+              </a:lnSpc>
+              <a:spcBef>
+                <a:spcPts val="0"/>
+              </a:spcBef>
+              <a:spcAft>
+                <a:spcPts val="0"/>
+              </a:spcAft>
+              <a:buClrTx/>
+              <a:buSzTx/>
+              <a:buNone/>
+            </a:pPr>
+            <a:r>
+              <a:rPr lang="en-US" sz="2400" b="1" dirty="0">
+                <a:solidFill>
+                  <a:srgbClr val="0070C0"/>
+                </a:solidFill>
+              </a:rPr>
+              <a:t>SELECT </a:t>
+            </a:r>
+            <a:r>
+              <a:rPr lang="en-US" sz="2400" b="1" dirty="0" err="1" smtClean="0">
+                <a:solidFill>
+                  <a:srgbClr val="0070C0"/>
+                </a:solidFill>
+              </a:rPr>
+              <a:t>CustomerID</a:t>
+            </a:r>
+            <a:r>
+              <a:rPr lang="en-US" sz="2400" b="1" dirty="0" smtClean="0">
+                <a:solidFill>
+                  <a:srgbClr val="0070C0"/>
+                </a:solidFill>
+              </a:rPr>
+              <a:t>, </a:t>
+            </a:r>
+            <a:r>
+              <a:rPr lang="en-US" sz="2400" b="1" dirty="0" err="1" smtClean="0">
+                <a:solidFill>
+                  <a:srgbClr val="0070C0"/>
+                </a:solidFill>
+              </a:rPr>
+              <a:t>CustomerName</a:t>
+            </a:r>
+            <a:endParaRPr lang="en-US" sz="2400" b="1" dirty="0" smtClean="0">
+              <a:solidFill>
+                <a:srgbClr val="0070C0"/>
+              </a:solidFill>
+            </a:endParaRPr>
+          </a:p>
+          <a:p>
+            <a:pPr marL="0" indent="0">
+              <a:lnSpc>
+                <a:spcPct val="100000"/>
+              </a:lnSpc>
+              <a:spcBef>
+                <a:spcPts val="0"/>
+              </a:spcBef>
+              <a:spcAft>
+                <a:spcPts val="0"/>
+              </a:spcAft>
+              <a:buClrTx/>
+              <a:buSzTx/>
+              <a:buNone/>
+            </a:pPr>
+            <a:r>
+              <a:rPr lang="en-US" sz="2400" b="1" dirty="0" smtClean="0">
+                <a:solidFill>
+                  <a:srgbClr val="0070C0"/>
+                </a:solidFill>
+              </a:rPr>
+              <a:t>FROM </a:t>
+            </a:r>
+            <a:r>
+              <a:rPr lang="en-US" sz="2400" b="1" dirty="0">
+                <a:solidFill>
+                  <a:srgbClr val="0070C0"/>
+                </a:solidFill>
+              </a:rPr>
+              <a:t>Customers</a:t>
+            </a:r>
+          </a:p>
+          <a:p>
+            <a:endParaRPr lang="en-US" dirty="0" smtClean="0"/>
+          </a:p>
+        </p:txBody>
+      </p:sp>
+    </p:spTree>
+    <p:extLst>
+      <p:ext uri="{BB962C8B-B14F-4D97-AF65-F5344CB8AC3E}">
+        <p14:creationId xmlns:p14="http://schemas.microsoft.com/office/powerpoint/2010/main" val="1404718034"/>
+      </p:ext>
+    </p:extLst>
+  </p:cSld>
+  <p:clrMapOvr>
+    <a:masterClrMapping/>
+  </p:clrMapOvr>
+  <p:timing>
+    <p:tnLst>
+      <p:par>
+        <p:cTn id="1" dur="indefinite" restart="never" nodeType="tmRoot">
+          <p:childTnLst>
+            <p:seq concurrent="1" nextAc="seek">
+              <p:cTn id="2" dur="indefinite" nodeType="mainSeq">
+                <p:childTnLst>
+                  <p:par>
+                    <p:cTn id="3" fill="hold">
+                      <p:stCondLst>
+                        <p:cond delay="indefinite"/>
+                      </p:stCondLst>
+                      <p:childTnLst>
+                        <p:par>
+                          <p:cTn id="4" fill="hold">
+                            <p:stCondLst>
+                              <p:cond delay="0"/>
+                            </p:stCondLst>
+                            <p:childTnLst>
+                              <p:par>
+                                <p:cTn id="5" presetID="1" presetClass="entr" presetSubtype="0" fill="hold" nodeType="clickEffect">
+                                  <p:stCondLst>
+                                    <p:cond delay="0"/>
+                                  </p:stCondLst>
+                                  <p:childTnLst>
+                                    <p:set>
+                                      <p:cBhvr>
+                                        <p:cTn id="6" dur="1" fill="hold">
+                                          <p:stCondLst>
+                                            <p:cond delay="0"/>
+                                          </p:stCondLst>
+                                        </p:cTn>
+                                        <p:tgtEl>
+                                          <p:spTgt spid="3">
+                                            <p:txEl>
+                                              <p:pRg st="3" end="3"/>
+                                            </p:txEl>
+                                          </p:spTgt>
+                                        </p:tgtEl>
+                                        <p:attrNameLst>
+                                          <p:attrName>style.visibility</p:attrName>
+                                        </p:attrNameLst>
+                                      </p:cBhvr>
+                                      <p:to>
+                                        <p:strVal val="visible"/>
+                                      </p:to>
+                                    </p:set>
+                                  </p:childTnLst>
+                                </p:cTn>
+                              </p:par>
+                              <p:par>
+                                <p:cTn id="7" presetID="1" presetClass="entr" presetSubtype="0" fill="hold" nodeType="withEffect">
+                                  <p:stCondLst>
+                                    <p:cond delay="0"/>
+                                  </p:stCondLst>
+                                  <p:childTnLst>
+                                    <p:set>
+                                      <p:cBhvr>
+                                        <p:cTn id="8" dur="1" fill="hold">
+                                          <p:stCondLst>
+                                            <p:cond delay="0"/>
+                                          </p:stCondLst>
+                                        </p:cTn>
+                                        <p:tgtEl>
+                                          <p:spTgt spid="3">
+                                            <p:txEl>
+                                              <p:pRg st="4" end="4"/>
+                                            </p:txEl>
+                                          </p:spTgt>
+                                        </p:tgtEl>
+                                        <p:attrNameLst>
+                                          <p:attrName>style.visibility</p:attrName>
+                                        </p:attrNameLst>
+                                      </p:cBhvr>
+                                      <p:to>
+                                        <p:strVal val="visible"/>
+                                      </p:to>
+                                    </p:set>
+                                  </p:childTnLst>
+                                </p:cTn>
+                              </p:par>
+                            </p:childTnLst>
+                          </p:cTn>
+                        </p:par>
+                      </p:childTnLst>
+                    </p:cTn>
+                  </p:par>
+                  <p:par>
+                    <p:cTn id="9" fill="hold">
+                      <p:stCondLst>
+                        <p:cond delay="indefinite"/>
+                      </p:stCondLst>
+                      <p:childTnLst>
+                        <p:par>
+                          <p:cTn id="10" fill="hold">
+                            <p:stCondLst>
+                              <p:cond delay="0"/>
+                            </p:stCondLst>
+                            <p:childTnLst>
+                              <p:par>
+                                <p:cTn id="11" presetID="1" presetClass="entr" presetSubtype="0" fill="hold" nodeType="clickEffect">
+                                  <p:stCondLst>
+                                    <p:cond delay="0"/>
+                                  </p:stCondLst>
+                                  <p:childTnLst>
+                                    <p:set>
+                                      <p:cBhvr>
+                                        <p:cTn id="12" dur="1" fill="hold">
+                                          <p:stCondLst>
+                                            <p:cond delay="0"/>
+                                          </p:stCondLst>
+                                        </p:cTn>
+                                        <p:tgtEl>
+                                          <p:spTgt spid="3">
+                                            <p:txEl>
+                                              <p:pRg st="6" end="6"/>
+                                            </p:txEl>
+                                          </p:spTgt>
+                                        </p:tgtEl>
+                                        <p:attrNameLst>
+                                          <p:attrName>style.visibility</p:attrName>
+                                        </p:attrNameLst>
+                                      </p:cBhvr>
+                                      <p:to>
+                                        <p:strVal val="visible"/>
+                                      </p:to>
+                                    </p:set>
+                                  </p:childTnLst>
+                                </p:cTn>
+                              </p:par>
+                              <p:par>
+                                <p:cTn id="13" presetID="1" presetClass="entr" presetSubtype="0" fill="hold" nodeType="withEffect">
+                                  <p:stCondLst>
+                                    <p:cond delay="0"/>
+                                  </p:stCondLst>
+                                  <p:childTnLst>
+                                    <p:set>
+                                      <p:cBhvr>
+                                        <p:cTn id="14" dur="1" fill="hold">
+                                          <p:stCondLst>
+                                            <p:cond delay="0"/>
+                                          </p:stCondLst>
+                                        </p:cTn>
+                                        <p:tgtEl>
+                                          <p:spTgt spid="3">
+                                            <p:txEl>
+                                              <p:pRg st="7" end="7"/>
+                                            </p:txEl>
+                                          </p:spTgt>
+                                        </p:tgtEl>
+                                        <p:attrNameLst>
+                                          <p:attrName>style.visibility</p:attrName>
+                                        </p:attrNameLst>
+                                      </p:cBhvr>
+                                      <p:to>
+                                        <p:strVal val="visible"/>
+                                      </p:to>
+                                    </p:set>
+                                  </p:childTnLst>
+                                </p:cTn>
+                              </p:par>
+                            </p:childTnLst>
+                          </p:cTn>
+                        </p:par>
+                      </p:childTnLst>
+                    </p:cTn>
+                  </p:par>
+                  <p:par>
+                    <p:cTn id="15" fill="hold">
+                      <p:stCondLst>
+                        <p:cond delay="indefinite"/>
+                      </p:stCondLst>
+                      <p:childTnLst>
+                        <p:par>
+                          <p:cTn id="16" fill="hold">
+                            <p:stCondLst>
+                              <p:cond delay="0"/>
+                            </p:stCondLst>
+                            <p:childTnLst>
+                              <p:par>
+                                <p:cTn id="17" presetID="1" presetClass="entr" presetSubtype="0" fill="hold" nodeType="clickEffect">
+                                  <p:stCondLst>
+                                    <p:cond delay="0"/>
+                                  </p:stCondLst>
+                                  <p:childTnLst>
+                                    <p:set>
+                                      <p:cBhvr>
+                                        <p:cTn id="18" dur="1" fill="hold">
+                                          <p:stCondLst>
+                                            <p:cond delay="0"/>
+                                          </p:stCondLst>
+                                        </p:cTn>
+                                        <p:tgtEl>
+                                          <p:spTgt spid="3">
+                                            <p:txEl>
+                                              <p:pRg st="9" end="9"/>
+                                            </p:txEl>
+                                          </p:spTgt>
+                                        </p:tgtEl>
+                                        <p:attrNameLst>
+                                          <p:attrName>style.visibility</p:attrName>
+                                        </p:attrNameLst>
+                                      </p:cBhvr>
+                                      <p:to>
+                                        <p:strVal val="visible"/>
+                                      </p:to>
+                                    </p:set>
+                                  </p:childTnLst>
+                                </p:cTn>
+                              </p:par>
+                              <p:par>
+                                <p:cTn id="19" presetID="1" presetClass="entr" presetSubtype="0" fill="hold" nodeType="withEffect">
+                                  <p:stCondLst>
+                                    <p:cond delay="0"/>
+                                  </p:stCondLst>
+                                  <p:childTnLst>
+                                    <p:set>
+                                      <p:cBhvr>
+                                        <p:cTn id="20" dur="1" fill="hold">
+                                          <p:stCondLst>
+                                            <p:cond delay="0"/>
+                                          </p:stCondLst>
+                                        </p:cTn>
+                                        <p:tgtEl>
+                                          <p:spTgt spid="3">
+                                            <p:txEl>
+                                              <p:pRg st="10" end="10"/>
+                                            </p:txEl>
+                                          </p:spTgt>
+                                        </p:tgtEl>
+                                        <p:attrNameLst>
+                                          <p:attrName>style.visibility</p:attrName>
+                                        </p:attrNameLst>
+                                      </p:cBhvr>
+                                      <p:to>
+                                        <p:strVal val="visible"/>
+                                      </p:to>
+                                    </p:set>
+                                  </p:childTnLst>
+                                </p:cTn>
+                              </p:par>
+                              <p:par>
+                                <p:cTn id="21" presetID="1" presetClass="entr" presetSubtype="0" fill="hold" nodeType="withEffect">
+                                  <p:stCondLst>
+                                    <p:cond delay="0"/>
+                                  </p:stCondLst>
+                                  <p:childTnLst>
+                                    <p:set>
+                                      <p:cBhvr>
+                                        <p:cTn id="22" dur="1" fill="hold">
+                                          <p:stCondLst>
+                                            <p:cond delay="0"/>
+                                          </p:stCondLst>
+                                        </p:cTn>
+                                        <p:tgtEl>
+                                          <p:spTgt spid="3">
+                                            <p:txEl>
+                                              <p:pRg st="11" end="11"/>
+                                            </p:txEl>
+                                          </p:spTgt>
+                                        </p:tgtEl>
+                                        <p:attrNameLst>
+                                          <p:attrName>style.visibility</p:attrName>
+                                        </p:attrNameLst>
+                                      </p:cBhvr>
+                                      <p:to>
+                                        <p:strVal val="visible"/>
+                                      </p:to>
+                                    </p:set>
+                                  </p:childTnLst>
+                                </p:cTn>
+                              </p:par>
+                            </p:childTnLst>
+                          </p:cTn>
+                        </p:par>
+                      </p:childTnLst>
+                    </p:cTn>
+                  </p:par>
+                </p:childTnLst>
+              </p:cTn>
+              <p:prevCondLst>
+                <p:cond evt="onPrev" delay="0">
+                  <p:tgtEl>
+                    <p:sldTgt/>
+                  </p:tgtEl>
+                </p:cond>
+              </p:prevCondLst>
+              <p:nextCondLst>
+                <p:cond evt="onNext" delay="0">
+                  <p:tgtEl>
+                    <p:sldTgt/>
+                  </p:tgtEl>
+                </p:cond>
+              </p:nextCondLst>
+            </p:seq>
+          </p:childTnLst>
+        </p:cTn>
+      </p:par>
+    </p:tnLst>
+  </p:timing>
+</p:sld>
+</file>
+
 <file path=ppt/slides/slide19.xml><?xml version="1.0" encoding="utf-8"?>
 <p:sld xmlns:a="http://schemas.openxmlformats.org/drawingml/2006/main" xmlns:r="http://schemas.openxmlformats.org/officeDocument/2006/relationships" xmlns:p="http://schemas.openxmlformats.org/presentationml/2006/main">
   <p:cSld>
@@ -10724,10 +11125,9 @@
           <a:lstStyle/>
           <a:p>
             <a:r>
-              <a:rPr lang="en-US" dirty="0" smtClean="0"/>
+              <a:rPr lang="en-US" dirty="0"/>
               <a:t>Selecting Specifics</a:t>
             </a:r>
-            <a:endParaRPr lang="en-US" dirty="0"/>
           </a:p>
         </p:txBody>
       </p:sp>
@@ -10786,8 +11186,9 @@
             </a:pPr>
             <a:r>
               <a:rPr lang="en-US" dirty="0" smtClean="0"/>
-              <a:t>Instead of a list of all customer data, we only want a list of customer names and customer IDs</a:t>
-            </a:r>
+              <a:t>What are the name of the categories we have on our site?</a:t>
+            </a:r>
+            <a:endParaRPr lang="en-US" dirty="0"/>
           </a:p>
           <a:p>
             <a:pPr marL="0" lvl="0" indent="0">
@@ -10824,12 +11225,8 @@
               <a:defRPr/>
             </a:pPr>
             <a:r>
-              <a:rPr lang="en-US" dirty="0" smtClean="0"/>
-              <a:t>Rephrase</a:t>
-            </a:r>
-            <a:r>
               <a:rPr lang="en-US" dirty="0"/>
-              <a:t>: </a:t>
+              <a:t>Rephrase: </a:t>
             </a:r>
           </a:p>
           <a:p>
@@ -10850,15 +11247,15 @@
             </a:pPr>
             <a:r>
               <a:rPr lang="en-US" dirty="0" smtClean="0"/>
-              <a:t>I want to SELECT Customer Name and Customer ID FROM </a:t>
-            </a:r>
-            <a:r>
-              <a:rPr lang="en-US" dirty="0"/>
-              <a:t>the </a:t>
+              <a:t>SELECT the name of the categories (</a:t>
+            </a:r>
+            <a:r>
+              <a:rPr lang="en-US" dirty="0" err="1" smtClean="0"/>
+              <a:t>categoryname</a:t>
             </a:r>
             <a:r>
               <a:rPr lang="en-US" dirty="0" smtClean="0"/>
-              <a:t>Customers table</a:t>
+              <a:t>) FROM the Categories table</a:t>
             </a:r>
             <a:endParaRPr lang="en-US" dirty="0"/>
           </a:p>
@@ -10900,7 +11297,6 @@
               <a:rPr lang="en-US" dirty="0"/>
               <a:t>Trim: </a:t>
             </a:r>
-            <a:endParaRPr lang="en-US" dirty="0" smtClean="0"/>
           </a:p>
           <a:p>
             <a:pPr marL="0" lvl="0" indent="0">
@@ -10919,20 +11315,12 @@
               <a:defRPr/>
             </a:pPr>
             <a:r>
-              <a:rPr lang="en-US" dirty="0" smtClean="0"/>
+              <a:rPr lang="en-US" dirty="0"/>
               <a:t>SELECT </a:t>
             </a:r>
             <a:r>
               <a:rPr lang="en-US" dirty="0" err="1"/>
-              <a:t>CustomerID</a:t>
-            </a:r>
-            <a:r>
-              <a:rPr lang="en-US" dirty="0"/>
-              <a:t>, </a:t>
-            </a:r>
-            <a:r>
-              <a:rPr lang="en-US" dirty="0" err="1"/>
-              <a:t>CustomerName</a:t>
+              <a:t>CategoryName</a:t>
             </a:r>
             <a:r>
               <a:rPr lang="en-US" dirty="0"/>
@@ -10940,12 +11328,9 @@
             </a:r>
             <a:r>
               <a:rPr lang="en-US" dirty="0" smtClean="0"/>
-              <a:t>FROM </a:t>
-            </a:r>
-            <a:r>
-              <a:rPr lang="en-US" dirty="0"/>
-              <a:t>Customers</a:t>
-            </a:r>
+              <a:t>FROM Categories</a:t>
+            </a:r>
+            <a:endParaRPr lang="en-US" dirty="0"/>
           </a:p>
           <a:p>
             <a:pPr marL="0" lvl="0" indent="0">
@@ -10982,12 +11367,8 @@
               <a:defRPr/>
             </a:pPr>
             <a:r>
-              <a:rPr lang="en-US" sz="2400" dirty="0" smtClean="0"/>
-              <a:t>Type </a:t>
-            </a:r>
-            <a:r>
               <a:rPr lang="en-US" sz="2400" dirty="0"/>
-              <a:t>into the ‘SQL Statement’ Box:</a:t>
+              <a:t>Type into the ‘SQL Statement’ Box:</a:t>
             </a:r>
           </a:p>
           <a:p>
@@ -11019,7 +11400,36 @@
                   <a:srgbClr val="0070C0"/>
                 </a:solidFill>
               </a:rPr>
-              <a:t>CustomerID</a:t>
+              <a:t>CategoryName</a:t>
+            </a:r>
+            <a:endParaRPr lang="en-US" sz="2400" b="1" dirty="0">
+              <a:solidFill>
+                <a:srgbClr val="0070C0"/>
+              </a:solidFill>
+            </a:endParaRPr>
+          </a:p>
+          <a:p>
+            <a:pPr marL="0" indent="0">
+              <a:lnSpc>
+                <a:spcPct val="100000"/>
+              </a:lnSpc>
+              <a:spcBef>
+                <a:spcPts val="0"/>
+              </a:spcBef>
+              <a:spcAft>
+                <a:spcPts val="0"/>
+              </a:spcAft>
+              <a:buClrTx/>
+              <a:buSzTx/>
+              <a:buNone/>
+            </a:pPr>
+            <a:r>
+              <a:rPr lang="en-US" sz="2400" b="1" dirty="0">
+                <a:solidFill>
+                  <a:srgbClr val="0070C0"/>
+                </a:solidFill>
+              </a:rPr>
+              <a:t>FROM </a:t>
             </a:r>
             <a:r>
               <a:rPr lang="en-US" sz="2400" b="1" dirty="0" smtClean="0">
@@ -11027,63 +11437,23 @@
                   <a:srgbClr val="0070C0"/>
                 </a:solidFill>
               </a:rPr>
-              <a:t>, </a:t>
-            </a:r>
-            <a:r>
-              <a:rPr lang="en-US" sz="2400" b="1" dirty="0" err="1" smtClean="0">
-                <a:solidFill>
-                  <a:srgbClr val="0070C0"/>
-                </a:solidFill>
-              </a:rPr>
-              <a:t>CustomerName</a:t>
-            </a:r>
-            <a:endParaRPr lang="en-US" sz="2400" b="1" dirty="0" smtClean="0">
+              <a:t>Categories</a:t>
+            </a:r>
+            <a:endParaRPr lang="en-US" sz="2400" b="1" dirty="0">
               <a:solidFill>
                 <a:srgbClr val="0070C0"/>
               </a:solidFill>
             </a:endParaRPr>
           </a:p>
           <a:p>
-            <a:pPr marL="0" indent="0">
-              <a:lnSpc>
-                <a:spcPct val="100000"/>
-              </a:lnSpc>
-              <a:spcBef>
-                <a:spcPts val="0"/>
-              </a:spcBef>
-              <a:spcAft>
-                <a:spcPts val="0"/>
-              </a:spcAft>
-              <a:buClrTx/>
-              <a:buSzTx/>
-              <a:buNone/>
-            </a:pPr>
-            <a:r>
-              <a:rPr lang="en-US" sz="2400" b="1" dirty="0" smtClean="0">
-                <a:solidFill>
-                  <a:srgbClr val="0070C0"/>
-                </a:solidFill>
-              </a:rPr>
-              <a:t>FROM </a:t>
-            </a:r>
-            <a:r>
-              <a:rPr lang="en-US" sz="2400" b="1" dirty="0">
-                <a:solidFill>
-                  <a:srgbClr val="0070C0"/>
-                </a:solidFill>
-              </a:rPr>
-              <a:t>Customers</a:t>
-            </a:r>
-          </a:p>
-          <a:p>
-            <a:endParaRPr lang="en-US" dirty="0" smtClean="0"/>
+            <a:endParaRPr lang="en-US" dirty="0"/>
           </a:p>
         </p:txBody>
       </p:sp>
     </p:spTree>
     <p:extLst>
       <p:ext uri="{BB962C8B-B14F-4D97-AF65-F5344CB8AC3E}">
-        <p14:creationId xmlns:p14="http://schemas.microsoft.com/office/powerpoint/2010/main" val="1404718034"/>
+        <p14:creationId xmlns:p14="http://schemas.microsoft.com/office/powerpoint/2010/main" val="2028403347"/>
       </p:ext>
     </p:extLst>
   </p:cSld>
@@ -11479,8 +11849,17 @@
             <a:pPr algn="ctr"/>
             <a:r>
               <a:rPr lang="en-US" sz="4000" dirty="0"/>
-              <a:t>Wi-Fi Username:</a:t>
-            </a:r>
+              <a:t>Wi-Fi Username</a:t>
+            </a:r>
+            <a:r>
+              <a:rPr lang="en-US" sz="4000" dirty="0" smtClean="0"/>
+              <a:t>: </a:t>
+            </a:r>
+            <a:r>
+              <a:rPr lang="en-US" sz="4000" dirty="0" err="1" smtClean="0"/>
+              <a:t>Alki</a:t>
+            </a:r>
+            <a:endParaRPr lang="en-US" sz="4000" dirty="0"/>
           </a:p>
           <a:p>
             <a:pPr algn="ctr"/>
@@ -11488,6 +11867,11 @@
               <a:rPr lang="en-US" sz="4000" dirty="0"/>
               <a:t>Wi-Fi Password: </a:t>
             </a:r>
+            <a:r>
+              <a:rPr lang="en-US" sz="4000" dirty="0" smtClean="0"/>
+              <a:t>Beach</a:t>
+            </a:r>
+            <a:endParaRPr lang="en-US" sz="4000" dirty="0"/>
           </a:p>
           <a:p>
             <a:endParaRPr lang="en-US" dirty="0"/>
@@ -11547,678 +11931,6 @@
           <a:lstStyle/>
           <a:p>
             <a:r>
-              <a:rPr lang="en-US" dirty="0"/>
-              <a:t>Selecting Specifics</a:t>
-            </a:r>
-          </a:p>
-        </p:txBody>
-      </p:sp>
-      <p:sp>
-        <p:nvSpPr>
-          <p:cNvPr id="3" name="Content Placeholder 2"/>
-          <p:cNvSpPr>
-            <a:spLocks noGrp="1"/>
-          </p:cNvSpPr>
-          <p:nvPr>
-            <p:ph idx="1"/>
-          </p:nvPr>
-        </p:nvSpPr>
-        <p:spPr/>
-        <p:txBody>
-          <a:bodyPr>
-            <a:normAutofit/>
-          </a:bodyPr>
-          <a:lstStyle/>
-          <a:p>
-            <a:pPr marL="0" lvl="0" indent="0">
-              <a:lnSpc>
-                <a:spcPct val="100000"/>
-              </a:lnSpc>
-              <a:spcBef>
-                <a:spcPts val="0"/>
-              </a:spcBef>
-              <a:spcAft>
-                <a:spcPts val="0"/>
-              </a:spcAft>
-              <a:buClrTx/>
-              <a:buSzTx/>
-              <a:buNone/>
-              <a:defRPr/>
-            </a:pPr>
-            <a:r>
-              <a:rPr lang="en-US" dirty="0"/>
-              <a:t>Business Question/Ask:</a:t>
-            </a:r>
-          </a:p>
-          <a:p>
-            <a:pPr marL="0" lvl="0" indent="0">
-              <a:lnSpc>
-                <a:spcPct val="100000"/>
-              </a:lnSpc>
-              <a:spcBef>
-                <a:spcPts val="0"/>
-              </a:spcBef>
-              <a:spcAft>
-                <a:spcPts val="0"/>
-              </a:spcAft>
-              <a:buClrTx/>
-              <a:buSzTx/>
-              <a:buNone/>
-              <a:defRPr/>
-            </a:pPr>
-            <a:r>
-              <a:rPr lang="en-US" dirty="0" smtClean="0"/>
-              <a:t>What are the name of the categories we have on our site?</a:t>
-            </a:r>
-            <a:endParaRPr lang="en-US" dirty="0"/>
-          </a:p>
-          <a:p>
-            <a:pPr marL="0" lvl="0" indent="0">
-              <a:lnSpc>
-                <a:spcPct val="100000"/>
-              </a:lnSpc>
-              <a:spcBef>
-                <a:spcPts val="0"/>
-              </a:spcBef>
-              <a:spcAft>
-                <a:spcPts val="0"/>
-              </a:spcAft>
-              <a:buClrTx/>
-              <a:buSzTx/>
-              <a:buNone/>
-              <a:defRPr/>
-            </a:pPr>
-            <a:endParaRPr lang="en-US" dirty="0"/>
-          </a:p>
-          <a:p>
-            <a:pPr marL="0" lvl="0" indent="0">
-              <a:lnSpc>
-                <a:spcPct val="100000"/>
-              </a:lnSpc>
-              <a:spcBef>
-                <a:spcPts val="0"/>
-              </a:spcBef>
-              <a:spcAft>
-                <a:spcPts val="0"/>
-              </a:spcAft>
-              <a:buClrTx/>
-              <a:buSzTx/>
-              <a:buNone/>
-              <a:defRPr/>
-            </a:pPr>
-            <a:r>
-              <a:rPr lang="en-US" dirty="0"/>
-              <a:t>Rephrase: </a:t>
-            </a:r>
-          </a:p>
-          <a:p>
-            <a:pPr marL="0" lvl="0" indent="0">
-              <a:lnSpc>
-                <a:spcPct val="100000"/>
-              </a:lnSpc>
-              <a:spcBef>
-                <a:spcPts val="0"/>
-              </a:spcBef>
-              <a:spcAft>
-                <a:spcPts val="0"/>
-              </a:spcAft>
-              <a:buClrTx/>
-              <a:buSzTx/>
-              <a:buNone/>
-              <a:defRPr/>
-            </a:pPr>
-            <a:r>
-              <a:rPr lang="en-US" dirty="0" smtClean="0"/>
-              <a:t>SELECT the name of the categories (</a:t>
-            </a:r>
-            <a:r>
-              <a:rPr lang="en-US" dirty="0" err="1" smtClean="0"/>
-              <a:t>categoryname</a:t>
-            </a:r>
-            <a:r>
-              <a:rPr lang="en-US" dirty="0" smtClean="0"/>
-              <a:t>) FROM the Categories table</a:t>
-            </a:r>
-            <a:endParaRPr lang="en-US" dirty="0"/>
-          </a:p>
-          <a:p>
-            <a:pPr marL="0" lvl="0" indent="0">
-              <a:lnSpc>
-                <a:spcPct val="100000"/>
-              </a:lnSpc>
-              <a:spcBef>
-                <a:spcPts val="0"/>
-              </a:spcBef>
-              <a:spcAft>
-                <a:spcPts val="0"/>
-              </a:spcAft>
-              <a:buClrTx/>
-              <a:buSzTx/>
-              <a:buNone/>
-              <a:defRPr/>
-            </a:pPr>
-            <a:endParaRPr lang="en-US" dirty="0"/>
-          </a:p>
-          <a:p>
-            <a:pPr marL="0" lvl="0" indent="0">
-              <a:lnSpc>
-                <a:spcPct val="100000"/>
-              </a:lnSpc>
-              <a:spcBef>
-                <a:spcPts val="0"/>
-              </a:spcBef>
-              <a:spcAft>
-                <a:spcPts val="0"/>
-              </a:spcAft>
-              <a:buClrTx/>
-              <a:buSzTx/>
-              <a:buNone/>
-              <a:defRPr/>
-            </a:pPr>
-            <a:r>
-              <a:rPr lang="en-US" dirty="0"/>
-              <a:t>Trim: </a:t>
-            </a:r>
-          </a:p>
-          <a:p>
-            <a:pPr marL="0" lvl="0" indent="0">
-              <a:lnSpc>
-                <a:spcPct val="100000"/>
-              </a:lnSpc>
-              <a:spcBef>
-                <a:spcPts val="0"/>
-              </a:spcBef>
-              <a:spcAft>
-                <a:spcPts val="0"/>
-              </a:spcAft>
-              <a:buClrTx/>
-              <a:buSzTx/>
-              <a:buNone/>
-              <a:defRPr/>
-            </a:pPr>
-            <a:r>
-              <a:rPr lang="en-US" dirty="0"/>
-              <a:t>SELECT </a:t>
-            </a:r>
-            <a:r>
-              <a:rPr lang="en-US" dirty="0" err="1"/>
-              <a:t>CategoryName</a:t>
-            </a:r>
-            <a:r>
-              <a:rPr lang="en-US" dirty="0"/>
-              <a:t> </a:t>
-            </a:r>
-            <a:r>
-              <a:rPr lang="en-US" dirty="0" smtClean="0"/>
-              <a:t>FROM Categories</a:t>
-            </a:r>
-            <a:endParaRPr lang="en-US" dirty="0"/>
-          </a:p>
-          <a:p>
-            <a:pPr marL="0" lvl="0" indent="0">
-              <a:lnSpc>
-                <a:spcPct val="100000"/>
-              </a:lnSpc>
-              <a:spcBef>
-                <a:spcPts val="0"/>
-              </a:spcBef>
-              <a:spcAft>
-                <a:spcPts val="0"/>
-              </a:spcAft>
-              <a:buClrTx/>
-              <a:buSzTx/>
-              <a:buNone/>
-              <a:defRPr/>
-            </a:pPr>
-            <a:endParaRPr lang="en-US" dirty="0"/>
-          </a:p>
-          <a:p>
-            <a:pPr marL="0" lvl="0" indent="0">
-              <a:lnSpc>
-                <a:spcPct val="100000"/>
-              </a:lnSpc>
-              <a:spcBef>
-                <a:spcPts val="0"/>
-              </a:spcBef>
-              <a:spcAft>
-                <a:spcPts val="0"/>
-              </a:spcAft>
-              <a:buClrTx/>
-              <a:buSzTx/>
-              <a:buNone/>
-              <a:defRPr/>
-            </a:pPr>
-            <a:r>
-              <a:rPr lang="en-US" sz="2400" dirty="0"/>
-              <a:t>Type into the ‘SQL Statement’ Box:</a:t>
-            </a:r>
-          </a:p>
-          <a:p>
-            <a:pPr marL="0" indent="0">
-              <a:lnSpc>
-                <a:spcPct val="100000"/>
-              </a:lnSpc>
-              <a:spcBef>
-                <a:spcPts val="0"/>
-              </a:spcBef>
-              <a:spcAft>
-                <a:spcPts val="0"/>
-              </a:spcAft>
-              <a:buClrTx/>
-              <a:buSzTx/>
-              <a:buNone/>
-            </a:pPr>
-            <a:r>
-              <a:rPr lang="en-US" sz="2400" b="1" dirty="0">
-                <a:solidFill>
-                  <a:srgbClr val="0070C0"/>
-                </a:solidFill>
-              </a:rPr>
-              <a:t>SELECT </a:t>
-            </a:r>
-            <a:r>
-              <a:rPr lang="en-US" sz="2400" b="1" dirty="0" err="1" smtClean="0">
-                <a:solidFill>
-                  <a:srgbClr val="0070C0"/>
-                </a:solidFill>
-              </a:rPr>
-              <a:t>CategoryName</a:t>
-            </a:r>
-            <a:endParaRPr lang="en-US" sz="2400" b="1" dirty="0">
-              <a:solidFill>
-                <a:srgbClr val="0070C0"/>
-              </a:solidFill>
-            </a:endParaRPr>
-          </a:p>
-          <a:p>
-            <a:pPr marL="0" indent="0">
-              <a:lnSpc>
-                <a:spcPct val="100000"/>
-              </a:lnSpc>
-              <a:spcBef>
-                <a:spcPts val="0"/>
-              </a:spcBef>
-              <a:spcAft>
-                <a:spcPts val="0"/>
-              </a:spcAft>
-              <a:buClrTx/>
-              <a:buSzTx/>
-              <a:buNone/>
-            </a:pPr>
-            <a:r>
-              <a:rPr lang="en-US" sz="2400" b="1" dirty="0">
-                <a:solidFill>
-                  <a:srgbClr val="0070C0"/>
-                </a:solidFill>
-              </a:rPr>
-              <a:t>FROM </a:t>
-            </a:r>
-            <a:r>
-              <a:rPr lang="en-US" sz="2400" b="1" dirty="0" smtClean="0">
-                <a:solidFill>
-                  <a:srgbClr val="0070C0"/>
-                </a:solidFill>
-              </a:rPr>
-              <a:t>Categories</a:t>
-            </a:r>
-            <a:endParaRPr lang="en-US" sz="2400" b="1" dirty="0">
-              <a:solidFill>
-                <a:srgbClr val="0070C0"/>
-              </a:solidFill>
-            </a:endParaRPr>
-          </a:p>
-          <a:p>
-            <a:endParaRPr lang="en-US" dirty="0"/>
-          </a:p>
-        </p:txBody>
-      </p:sp>
-    </p:spTree>
-    <p:extLst>
-      <p:ext uri="{BB962C8B-B14F-4D97-AF65-F5344CB8AC3E}">
-        <p14:creationId xmlns:p14="http://schemas.microsoft.com/office/powerpoint/2010/main" val="2028403347"/>
-      </p:ext>
-    </p:extLst>
-  </p:cSld>
-  <p:clrMapOvr>
-    <a:masterClrMapping/>
-  </p:clrMapOvr>
-  <p:timing>
-    <p:tnLst>
-      <p:par>
-        <p:cTn id="1" dur="indefinite" restart="never" nodeType="tmRoot">
-          <p:childTnLst>
-            <p:seq concurrent="1" nextAc="seek">
-              <p:cTn id="2" dur="indefinite" nodeType="mainSeq">
-                <p:childTnLst>
-                  <p:par>
-                    <p:cTn id="3" fill="hold">
-                      <p:stCondLst>
-                        <p:cond delay="indefinite"/>
-                      </p:stCondLst>
-                      <p:childTnLst>
-                        <p:par>
-                          <p:cTn id="4" fill="hold">
-                            <p:stCondLst>
-                              <p:cond delay="0"/>
-                            </p:stCondLst>
-                            <p:childTnLst>
-                              <p:par>
-                                <p:cTn id="5" presetID="1" presetClass="entr" presetSubtype="0" fill="hold" nodeType="clickEffect">
-                                  <p:stCondLst>
-                                    <p:cond delay="0"/>
-                                  </p:stCondLst>
-                                  <p:childTnLst>
-                                    <p:set>
-                                      <p:cBhvr>
-                                        <p:cTn id="6" dur="1" fill="hold">
-                                          <p:stCondLst>
-                                            <p:cond delay="0"/>
-                                          </p:stCondLst>
-                                        </p:cTn>
-                                        <p:tgtEl>
-                                          <p:spTgt spid="3">
-                                            <p:txEl>
-                                              <p:pRg st="3" end="3"/>
-                                            </p:txEl>
-                                          </p:spTgt>
-                                        </p:tgtEl>
-                                        <p:attrNameLst>
-                                          <p:attrName>style.visibility</p:attrName>
-                                        </p:attrNameLst>
-                                      </p:cBhvr>
-                                      <p:to>
-                                        <p:strVal val="visible"/>
-                                      </p:to>
-                                    </p:set>
-                                  </p:childTnLst>
-                                </p:cTn>
-                              </p:par>
-                              <p:par>
-                                <p:cTn id="7" presetID="1" presetClass="entr" presetSubtype="0" fill="hold" nodeType="withEffect">
-                                  <p:stCondLst>
-                                    <p:cond delay="0"/>
-                                  </p:stCondLst>
-                                  <p:childTnLst>
-                                    <p:set>
-                                      <p:cBhvr>
-                                        <p:cTn id="8" dur="1" fill="hold">
-                                          <p:stCondLst>
-                                            <p:cond delay="0"/>
-                                          </p:stCondLst>
-                                        </p:cTn>
-                                        <p:tgtEl>
-                                          <p:spTgt spid="3">
-                                            <p:txEl>
-                                              <p:pRg st="4" end="4"/>
-                                            </p:txEl>
-                                          </p:spTgt>
-                                        </p:tgtEl>
-                                        <p:attrNameLst>
-                                          <p:attrName>style.visibility</p:attrName>
-                                        </p:attrNameLst>
-                                      </p:cBhvr>
-                                      <p:to>
-                                        <p:strVal val="visible"/>
-                                      </p:to>
-                                    </p:set>
-                                  </p:childTnLst>
-                                </p:cTn>
-                              </p:par>
-                            </p:childTnLst>
-                          </p:cTn>
-                        </p:par>
-                      </p:childTnLst>
-                    </p:cTn>
-                  </p:par>
-                  <p:par>
-                    <p:cTn id="9" fill="hold">
-                      <p:stCondLst>
-                        <p:cond delay="indefinite"/>
-                      </p:stCondLst>
-                      <p:childTnLst>
-                        <p:par>
-                          <p:cTn id="10" fill="hold">
-                            <p:stCondLst>
-                              <p:cond delay="0"/>
-                            </p:stCondLst>
-                            <p:childTnLst>
-                              <p:par>
-                                <p:cTn id="11" presetID="1" presetClass="entr" presetSubtype="0" fill="hold" nodeType="clickEffect">
-                                  <p:stCondLst>
-                                    <p:cond delay="0"/>
-                                  </p:stCondLst>
-                                  <p:childTnLst>
-                                    <p:set>
-                                      <p:cBhvr>
-                                        <p:cTn id="12" dur="1" fill="hold">
-                                          <p:stCondLst>
-                                            <p:cond delay="0"/>
-                                          </p:stCondLst>
-                                        </p:cTn>
-                                        <p:tgtEl>
-                                          <p:spTgt spid="3">
-                                            <p:txEl>
-                                              <p:pRg st="6" end="6"/>
-                                            </p:txEl>
-                                          </p:spTgt>
-                                        </p:tgtEl>
-                                        <p:attrNameLst>
-                                          <p:attrName>style.visibility</p:attrName>
-                                        </p:attrNameLst>
-                                      </p:cBhvr>
-                                      <p:to>
-                                        <p:strVal val="visible"/>
-                                      </p:to>
-                                    </p:set>
-                                  </p:childTnLst>
-                                </p:cTn>
-                              </p:par>
-                              <p:par>
-                                <p:cTn id="13" presetID="1" presetClass="entr" presetSubtype="0" fill="hold" nodeType="withEffect">
-                                  <p:stCondLst>
-                                    <p:cond delay="0"/>
-                                  </p:stCondLst>
-                                  <p:childTnLst>
-                                    <p:set>
-                                      <p:cBhvr>
-                                        <p:cTn id="14" dur="1" fill="hold">
-                                          <p:stCondLst>
-                                            <p:cond delay="0"/>
-                                          </p:stCondLst>
-                                        </p:cTn>
-                                        <p:tgtEl>
-                                          <p:spTgt spid="3">
-                                            <p:txEl>
-                                              <p:pRg st="7" end="7"/>
-                                            </p:txEl>
-                                          </p:spTgt>
-                                        </p:tgtEl>
-                                        <p:attrNameLst>
-                                          <p:attrName>style.visibility</p:attrName>
-                                        </p:attrNameLst>
-                                      </p:cBhvr>
-                                      <p:to>
-                                        <p:strVal val="visible"/>
-                                      </p:to>
-                                    </p:set>
-                                  </p:childTnLst>
-                                </p:cTn>
-                              </p:par>
-                            </p:childTnLst>
-                          </p:cTn>
-                        </p:par>
-                      </p:childTnLst>
-                    </p:cTn>
-                  </p:par>
-                  <p:par>
-                    <p:cTn id="15" fill="hold">
-                      <p:stCondLst>
-                        <p:cond delay="indefinite"/>
-                      </p:stCondLst>
-                      <p:childTnLst>
-                        <p:par>
-                          <p:cTn id="16" fill="hold">
-                            <p:stCondLst>
-                              <p:cond delay="0"/>
-                            </p:stCondLst>
-                            <p:childTnLst>
-                              <p:par>
-                                <p:cTn id="17" presetID="1" presetClass="entr" presetSubtype="0" fill="hold" nodeType="clickEffect">
-                                  <p:stCondLst>
-                                    <p:cond delay="0"/>
-                                  </p:stCondLst>
-                                  <p:childTnLst>
-                                    <p:set>
-                                      <p:cBhvr>
-                                        <p:cTn id="18" dur="1" fill="hold">
-                                          <p:stCondLst>
-                                            <p:cond delay="0"/>
-                                          </p:stCondLst>
-                                        </p:cTn>
-                                        <p:tgtEl>
-                                          <p:spTgt spid="3">
-                                            <p:txEl>
-                                              <p:pRg st="9" end="9"/>
-                                            </p:txEl>
-                                          </p:spTgt>
-                                        </p:tgtEl>
-                                        <p:attrNameLst>
-                                          <p:attrName>style.visibility</p:attrName>
-                                        </p:attrNameLst>
-                                      </p:cBhvr>
-                                      <p:to>
-                                        <p:strVal val="visible"/>
-                                      </p:to>
-                                    </p:set>
-                                  </p:childTnLst>
-                                </p:cTn>
-                              </p:par>
-                              <p:par>
-                                <p:cTn id="19" presetID="1" presetClass="entr" presetSubtype="0" fill="hold" nodeType="withEffect">
-                                  <p:stCondLst>
-                                    <p:cond delay="0"/>
-                                  </p:stCondLst>
-                                  <p:childTnLst>
-                                    <p:set>
-                                      <p:cBhvr>
-                                        <p:cTn id="20" dur="1" fill="hold">
-                                          <p:stCondLst>
-                                            <p:cond delay="0"/>
-                                          </p:stCondLst>
-                                        </p:cTn>
-                                        <p:tgtEl>
-                                          <p:spTgt spid="3">
-                                            <p:txEl>
-                                              <p:pRg st="10" end="10"/>
-                                            </p:txEl>
-                                          </p:spTgt>
-                                        </p:tgtEl>
-                                        <p:attrNameLst>
-                                          <p:attrName>style.visibility</p:attrName>
-                                        </p:attrNameLst>
-                                      </p:cBhvr>
-                                      <p:to>
-                                        <p:strVal val="visible"/>
-                                      </p:to>
-                                    </p:set>
-                                  </p:childTnLst>
-                                </p:cTn>
-                              </p:par>
-                              <p:par>
-                                <p:cTn id="21" presetID="1" presetClass="entr" presetSubtype="0" fill="hold" nodeType="withEffect">
-                                  <p:stCondLst>
-                                    <p:cond delay="0"/>
-                                  </p:stCondLst>
-                                  <p:childTnLst>
-                                    <p:set>
-                                      <p:cBhvr>
-                                        <p:cTn id="22" dur="1" fill="hold">
-                                          <p:stCondLst>
-                                            <p:cond delay="0"/>
-                                          </p:stCondLst>
-                                        </p:cTn>
-                                        <p:tgtEl>
-                                          <p:spTgt spid="3">
-                                            <p:txEl>
-                                              <p:pRg st="11" end="11"/>
-                                            </p:txEl>
-                                          </p:spTgt>
-                                        </p:tgtEl>
-                                        <p:attrNameLst>
-                                          <p:attrName>style.visibility</p:attrName>
-                                        </p:attrNameLst>
-                                      </p:cBhvr>
-                                      <p:to>
-                                        <p:strVal val="visible"/>
-                                      </p:to>
-                                    </p:set>
-                                  </p:childTnLst>
-                                </p:cTn>
-                              </p:par>
-                            </p:childTnLst>
-                          </p:cTn>
-                        </p:par>
-                      </p:childTnLst>
-                    </p:cTn>
-                  </p:par>
-                </p:childTnLst>
-              </p:cTn>
-              <p:prevCondLst>
-                <p:cond evt="onPrev" delay="0">
-                  <p:tgtEl>
-                    <p:sldTgt/>
-                  </p:tgtEl>
-                </p:cond>
-              </p:prevCondLst>
-              <p:nextCondLst>
-                <p:cond evt="onNext" delay="0">
-                  <p:tgtEl>
-                    <p:sldTgt/>
-                  </p:tgtEl>
-                </p:cond>
-              </p:nextCondLst>
-            </p:seq>
-          </p:childTnLst>
-        </p:cTn>
-      </p:par>
-    </p:tnLst>
-  </p:timing>
-</p:sld>
-</file>
-
-<file path=ppt/slides/slide21.xml><?xml version="1.0" encoding="utf-8"?>
-<p:sld xmlns:a="http://schemas.openxmlformats.org/drawingml/2006/main" xmlns:r="http://schemas.openxmlformats.org/officeDocument/2006/relationships" xmlns:p="http://schemas.openxmlformats.org/presentationml/2006/main">
-  <p:cSld>
-    <p:spTree>
-      <p:nvGrpSpPr>
-        <p:cNvPr id="1" name=""/>
-        <p:cNvGrpSpPr/>
-        <p:nvPr/>
-      </p:nvGrpSpPr>
-      <p:grpSpPr>
-        <a:xfrm>
-          <a:off x="0" y="0"/>
-          <a:ext cx="0" cy="0"/>
-          <a:chOff x="0" y="0"/>
-          <a:chExt cx="0" cy="0"/>
-        </a:xfrm>
-      </p:grpSpPr>
-      <p:sp>
-        <p:nvSpPr>
-          <p:cNvPr id="2" name="Title 1"/>
-          <p:cNvSpPr>
-            <a:spLocks noGrp="1"/>
-          </p:cNvSpPr>
-          <p:nvPr>
-            <p:ph type="title"/>
-          </p:nvPr>
-        </p:nvSpPr>
-        <p:spPr/>
-        <p:txBody>
-          <a:bodyPr/>
-          <a:lstStyle/>
-          <a:p>
-            <a:r>
               <a:rPr lang="en-US" dirty="0" smtClean="0"/>
               <a:t>Where clause – Our Filters	</a:t>
             </a:r>
@@ -12290,23 +12002,7 @@
             </a:pPr>
             <a:r>
               <a:rPr lang="en-US" dirty="0" smtClean="0"/>
-              <a:t>What are the names and addresses of the customers we have that </a:t>
-            </a:r>
-            <a:r>
-              <a:rPr lang="en-US" dirty="0" smtClean="0"/>
-              <a:t>live </a:t>
-            </a:r>
-            <a:r>
-              <a:rPr lang="en-US" dirty="0" smtClean="0"/>
-              <a:t>in </a:t>
-            </a:r>
-            <a:r>
-              <a:rPr lang="en-US" dirty="0" smtClean="0"/>
-              <a:t>my favorite </a:t>
-            </a:r>
-            <a:r>
-              <a:rPr lang="en-US" dirty="0" smtClean="0"/>
-              <a:t>country?</a:t>
+              <a:t>What are the names and addresses of the customers we have that live in my favorite country?</a:t>
             </a:r>
           </a:p>
           <a:p>
@@ -12954,7 +12650,7 @@
 </p:sld>
 </file>
 
-<file path=ppt/slides/slide22.xml><?xml version="1.0" encoding="utf-8"?>
+<file path=ppt/slides/slide21.xml><?xml version="1.0" encoding="utf-8"?>
 <p:sld xmlns:a="http://schemas.openxmlformats.org/drawingml/2006/main" xmlns:r="http://schemas.openxmlformats.org/officeDocument/2006/relationships" xmlns:p="http://schemas.openxmlformats.org/presentationml/2006/main">
   <p:cSld>
     <p:spTree>
@@ -13121,7 +12817,7 @@
 </p:sld>
 </file>
 
-<file path=ppt/slides/slide23.xml><?xml version="1.0" encoding="utf-8"?>
+<file path=ppt/slides/slide22.xml><?xml version="1.0" encoding="utf-8"?>
 <p:sld xmlns:a="http://schemas.openxmlformats.org/drawingml/2006/main" xmlns:r="http://schemas.openxmlformats.org/officeDocument/2006/relationships" xmlns:p="http://schemas.openxmlformats.org/presentationml/2006/main">
   <p:cSld>
     <p:spTree>
@@ -14041,6 +13737,94 @@
     <p:extLst>
       <p:ext uri="{BB962C8B-B14F-4D97-AF65-F5344CB8AC3E}">
         <p14:creationId xmlns:p14="http://schemas.microsoft.com/office/powerpoint/2010/main" val="662505587"/>
+      </p:ext>
+    </p:extLst>
+  </p:cSld>
+  <p:clrMapOvr>
+    <a:masterClrMapping/>
+  </p:clrMapOvr>
+  <p:timing>
+    <p:tnLst>
+      <p:par>
+        <p:cTn id="1" dur="indefinite" restart="never" nodeType="tmRoot"/>
+      </p:par>
+    </p:tnLst>
+  </p:timing>
+</p:sld>
+</file>
+
+<file path=ppt/slides/slide23.xml><?xml version="1.0" encoding="utf-8"?>
+<p:sld xmlns:a="http://schemas.openxmlformats.org/drawingml/2006/main" xmlns:r="http://schemas.openxmlformats.org/officeDocument/2006/relationships" xmlns:p="http://schemas.openxmlformats.org/presentationml/2006/main">
+  <p:cSld>
+    <p:spTree>
+      <p:nvGrpSpPr>
+        <p:cNvPr id="1" name=""/>
+        <p:cNvGrpSpPr/>
+        <p:nvPr/>
+      </p:nvGrpSpPr>
+      <p:grpSpPr>
+        <a:xfrm>
+          <a:off x="0" y="0"/>
+          <a:ext cx="0" cy="0"/>
+          <a:chOff x="0" y="0"/>
+          <a:chExt cx="0" cy="0"/>
+        </a:xfrm>
+      </p:grpSpPr>
+      <p:sp>
+        <p:nvSpPr>
+          <p:cNvPr id="8" name="Title 7"/>
+          <p:cNvSpPr>
+            <a:spLocks noGrp="1"/>
+          </p:cNvSpPr>
+          <p:nvPr>
+            <p:ph type="title"/>
+          </p:nvPr>
+        </p:nvSpPr>
+        <p:spPr/>
+        <p:txBody>
+          <a:bodyPr/>
+          <a:lstStyle/>
+          <a:p>
+            <a:r>
+              <a:rPr lang="en-US" dirty="0" smtClean="0"/>
+              <a:t>Actual table structure</a:t>
+            </a:r>
+            <a:endParaRPr lang="en-US" dirty="0"/>
+          </a:p>
+        </p:txBody>
+      </p:sp>
+      <p:pic>
+        <p:nvPicPr>
+          <p:cNvPr id="4" name="Content Placeholder 3"/>
+          <p:cNvPicPr>
+            <a:picLocks noGrp="1" noChangeAspect="1"/>
+          </p:cNvPicPr>
+          <p:nvPr>
+            <p:ph idx="1"/>
+          </p:nvPr>
+        </p:nvPicPr>
+        <p:blipFill rotWithShape="1">
+          <a:blip r:embed="rId3">
+            <a:extLst>
+              <a:ext uri="{28A0092B-C50C-407E-A947-70E740481C1C}">
+                <a14:useLocalDpi xmlns:a14="http://schemas.microsoft.com/office/drawing/2010/main" val="0"/>
+              </a:ext>
+            </a:extLst>
+          </a:blip>
+          <a:srcRect b="33265"/>
+          <a:stretch/>
+        </p:blipFill>
+        <p:spPr>
+          <a:xfrm>
+            <a:off x="1338942" y="1520513"/>
+            <a:ext cx="9285515" cy="4389120"/>
+          </a:xfrm>
+        </p:spPr>
+      </p:pic>
+    </p:spTree>
+    <p:extLst>
+      <p:ext uri="{BB962C8B-B14F-4D97-AF65-F5344CB8AC3E}">
+        <p14:creationId xmlns:p14="http://schemas.microsoft.com/office/powerpoint/2010/main" val="436320157"/>
       </p:ext>
     </p:extLst>
   </p:cSld>
@@ -15968,13 +15752,13 @@
             </a:pPr>
             <a:r>
               <a:rPr lang="en-US" dirty="0">
-                <a:hlinkClick r:id="rId2"/>
+                <a:hlinkClick r:id="rId3"/>
               </a:rPr>
               <a:t>https://en.wikipedia.org/wiki/Row_(database</a:t>
             </a:r>
             <a:r>
               <a:rPr lang="en-US" dirty="0" smtClean="0">
-                <a:hlinkClick r:id="rId2"/>
+                <a:hlinkClick r:id="rId3"/>
               </a:rPr>
               <a:t>)</a:t>
             </a:r>
@@ -15998,13 +15782,13 @@
             </a:pPr>
             <a:r>
               <a:rPr lang="en-US" dirty="0">
-                <a:hlinkClick r:id="rId3"/>
+                <a:hlinkClick r:id="rId4"/>
               </a:rPr>
               <a:t>https://</a:t>
             </a:r>
             <a:r>
               <a:rPr lang="en-US" dirty="0" smtClean="0">
-                <a:hlinkClick r:id="rId3"/>
+                <a:hlinkClick r:id="rId4"/>
               </a:rPr>
               <a:t>en.wikipedia.org/wiki/Relational_database</a:t>
             </a:r>
@@ -16028,16 +15812,124 @@
             </a:pPr>
             <a:r>
               <a:rPr lang="en-US" dirty="0">
-                <a:hlinkClick r:id="rId4"/>
+                <a:hlinkClick r:id="rId5"/>
               </a:rPr>
               <a:t>http://</a:t>
             </a:r>
             <a:r>
               <a:rPr lang="en-US" dirty="0" smtClean="0">
-                <a:hlinkClick r:id="rId4"/>
+                <a:hlinkClick r:id="rId5"/>
               </a:rPr>
               <a:t>www.w3schools.com/sql/default.asp</a:t>
             </a:r>
+            <a:endParaRPr lang="en-US" dirty="0" smtClean="0"/>
+          </a:p>
+          <a:p>
+            <a:pPr marL="0" lvl="0" indent="0">
+              <a:lnSpc>
+                <a:spcPct val="100000"/>
+              </a:lnSpc>
+              <a:spcBef>
+                <a:spcPts val="0"/>
+              </a:spcBef>
+              <a:spcAft>
+                <a:spcPts val="0"/>
+              </a:spcAft>
+              <a:buClrTx/>
+              <a:buSzTx/>
+              <a:buNone/>
+              <a:defRPr/>
+            </a:pPr>
+            <a:r>
+              <a:rPr lang="en-US" dirty="0">
+                <a:hlinkClick r:id="rId6"/>
+              </a:rPr>
+              <a:t>http://</a:t>
+            </a:r>
+            <a:r>
+              <a:rPr lang="en-US" dirty="0" smtClean="0">
+                <a:hlinkClick r:id="rId6"/>
+              </a:rPr>
+              <a:t>www.my-project-management-expert.com/different-types-of-databases.html</a:t>
+            </a:r>
+            <a:endParaRPr lang="en-US" dirty="0" smtClean="0"/>
+          </a:p>
+          <a:p>
+            <a:pPr marL="0" lvl="0" indent="0">
+              <a:lnSpc>
+                <a:spcPct val="100000"/>
+              </a:lnSpc>
+              <a:spcBef>
+                <a:spcPts val="0"/>
+              </a:spcBef>
+              <a:spcAft>
+                <a:spcPts val="0"/>
+              </a:spcAft>
+              <a:buClrTx/>
+              <a:buSzTx/>
+              <a:buNone/>
+              <a:defRPr/>
+            </a:pPr>
+            <a:r>
+              <a:rPr lang="en-US" dirty="0">
+                <a:hlinkClick r:id="rId7"/>
+              </a:rPr>
+              <a:t>http://</a:t>
+            </a:r>
+            <a:r>
+              <a:rPr lang="en-US" dirty="0" smtClean="0">
+                <a:hlinkClick r:id="rId7"/>
+              </a:rPr>
+              <a:t>study.com/academy/lesson/what-are-databases-examples-types-quiz.html</a:t>
+            </a:r>
+            <a:endParaRPr lang="en-US" dirty="0" smtClean="0"/>
+          </a:p>
+          <a:p>
+            <a:pPr marL="0" lvl="0" indent="0">
+              <a:lnSpc>
+                <a:spcPct val="100000"/>
+              </a:lnSpc>
+              <a:spcBef>
+                <a:spcPts val="0"/>
+              </a:spcBef>
+              <a:spcAft>
+                <a:spcPts val="0"/>
+              </a:spcAft>
+              <a:buClrTx/>
+              <a:buSzTx/>
+              <a:buNone/>
+              <a:defRPr/>
+            </a:pPr>
+            <a:r>
+              <a:rPr lang="en-US" dirty="0">
+                <a:hlinkClick r:id="rId8"/>
+              </a:rPr>
+              <a:t>http://</a:t>
+            </a:r>
+            <a:r>
+              <a:rPr lang="en-US" dirty="0" smtClean="0">
+                <a:hlinkClick r:id="rId8"/>
+              </a:rPr>
+              <a:t>www.shawacademy.com/web-development/different-types-of-databases.html?s-page=true</a:t>
+            </a:r>
+            <a:endParaRPr lang="en-US" dirty="0" smtClean="0"/>
+          </a:p>
+          <a:p>
+            <a:pPr marL="0" lvl="0" indent="0">
+              <a:lnSpc>
+                <a:spcPct val="100000"/>
+              </a:lnSpc>
+              <a:spcBef>
+                <a:spcPts val="0"/>
+              </a:spcBef>
+              <a:spcAft>
+                <a:spcPts val="0"/>
+              </a:spcAft>
+              <a:buClrTx/>
+              <a:buSzTx/>
+              <a:buNone/>
+              <a:defRPr/>
+            </a:pPr>
             <a:endParaRPr lang="en-US" dirty="0" smtClean="0"/>
           </a:p>
           <a:p>
@@ -16169,139 +16061,42 @@
             </a:r>
             <a:r>
               <a:rPr lang="en-US" sz="1800" dirty="0" smtClean="0"/>
-              <a:t> Lisa </a:t>
-            </a:r>
-            <a:r>
-              <a:rPr lang="en-US" sz="1800" dirty="0"/>
-              <a:t>Hare </a:t>
-            </a:r>
-            <a:r>
-              <a:rPr lang="en-US" sz="1800" dirty="0" smtClean="0">
+              <a:t> </a:t>
+            </a:r>
+            <a:r>
+              <a:rPr lang="en-US" sz="1800" dirty="0" smtClean="0"/>
+              <a:t>Orion </a:t>
+            </a:r>
+            <a:r>
+              <a:rPr lang="en-US" sz="1800" dirty="0" err="1" smtClean="0"/>
+              <a:t>Supergan</a:t>
+            </a:r>
+            <a:r>
+              <a:rPr lang="en-US" sz="1800" dirty="0" smtClean="0"/>
+              <a:t> </a:t>
+            </a:r>
+            <a:r>
+              <a:rPr lang="en-US" sz="1800" u="sng" dirty="0" err="1" smtClean="0">
+                <a:solidFill>
+                  <a:schemeClr val="accent3"/>
+                </a:solidFill>
                 <a:hlinkClick r:id="rId2"/>
               </a:rPr>
-              <a:t>lisa@launchcode.org</a:t>
-            </a:r>
-            <a:endParaRPr lang="en-US" sz="1800" dirty="0" smtClean="0"/>
-          </a:p>
-          <a:p>
-            <a:r>
-              <a:rPr lang="en-US" sz="1800" b="1" dirty="0" smtClean="0"/>
-              <a:t>Upcoming Dev Bootcamp: </a:t>
-            </a:r>
-            <a:r>
-              <a:rPr lang="en-US" sz="1800" dirty="0" smtClean="0"/>
-              <a:t>This is </a:t>
-            </a:r>
-            <a:r>
-              <a:rPr lang="en-US" sz="1800" b="1" i="1" dirty="0" smtClean="0"/>
-              <a:t>FREE</a:t>
-            </a:r>
-            <a:r>
-              <a:rPr lang="en-US" sz="1800" dirty="0" smtClean="0"/>
-              <a:t> 20-week course that meets Mondays and Wednesdays from 6-9pm at Seattle Central. (Back and Front end tracks)</a:t>
-            </a:r>
-          </a:p>
-          <a:p>
-            <a:r>
-              <a:rPr lang="en-US" sz="1800" b="1" dirty="0"/>
-              <a:t>Course Dates: </a:t>
-            </a:r>
-            <a:r>
-              <a:rPr lang="en-US" sz="1800" dirty="0"/>
-              <a:t>April 3</a:t>
-            </a:r>
-            <a:r>
-              <a:rPr lang="en-US" sz="1800" baseline="30000" dirty="0"/>
-              <a:t>rd</a:t>
-            </a:r>
-            <a:r>
-              <a:rPr lang="en-US" sz="1800" dirty="0"/>
-              <a:t> - September 1</a:t>
-            </a:r>
-            <a:r>
-              <a:rPr lang="en-US" sz="1800" baseline="30000" dirty="0"/>
-              <a:t>st</a:t>
-            </a:r>
-            <a:r>
-              <a:rPr lang="en-US" sz="1800" dirty="0"/>
-              <a:t> </a:t>
-            </a:r>
-            <a:endParaRPr lang="en-US" sz="1800" b="1" dirty="0" smtClean="0"/>
-          </a:p>
-          <a:p>
-            <a:r>
-              <a:rPr lang="en-US" sz="1800" b="1" dirty="0" smtClean="0"/>
-              <a:t>Application </a:t>
-            </a:r>
-            <a:r>
-              <a:rPr lang="en-US" sz="1800" b="1" dirty="0" smtClean="0"/>
-              <a:t>Date Deadline: </a:t>
-            </a:r>
-            <a:r>
-              <a:rPr lang="en-US" sz="1800" dirty="0" smtClean="0"/>
-              <a:t>March 8</a:t>
-            </a:r>
-            <a:r>
-              <a:rPr lang="en-US" sz="1800" baseline="30000" dirty="0" smtClean="0"/>
-              <a:t>th</a:t>
-            </a:r>
-            <a:r>
-              <a:rPr lang="en-US" sz="1800" dirty="0" smtClean="0"/>
-              <a:t> </a:t>
-            </a:r>
-          </a:p>
-          <a:p>
-            <a:r>
-              <a:rPr lang="en-US" sz="1800" b="1" dirty="0" smtClean="0"/>
-              <a:t>Website</a:t>
-            </a:r>
-            <a:r>
-              <a:rPr lang="en-US" sz="1800" b="1" dirty="0"/>
-              <a:t>:</a:t>
-            </a:r>
-            <a:r>
-              <a:rPr lang="en-US" sz="1800" dirty="0"/>
-              <a:t> </a:t>
-            </a:r>
-            <a:r>
-              <a:rPr lang="en-US" sz="1800" dirty="0">
-                <a:hlinkClick r:id="rId3"/>
+              <a:t>o</a:t>
+            </a:r>
+            <a:r>
+              <a:rPr lang="en-US" sz="1800" u="sng" dirty="0" err="1" smtClean="0">
+                <a:solidFill>
+                  <a:schemeClr val="accent3"/>
+                </a:solidFill>
               </a:rPr>
-              <a:t>https://</a:t>
-            </a:r>
-            <a:r>
-              <a:rPr lang="en-US" sz="1800" dirty="0" smtClean="0">
-                <a:hlinkClick r:id="rId3"/>
-              </a:rPr>
-              <a:t>www.launchcode.org/lc101</a:t>
-            </a:r>
-            <a:r>
-              <a:rPr lang="en-US" sz="1800" dirty="0" smtClean="0"/>
-              <a:t> </a:t>
-            </a:r>
-          </a:p>
-          <a:p>
-            <a:r>
-              <a:rPr lang="en-US" sz="1800" b="1" dirty="0"/>
-              <a:t>Syllabus: </a:t>
-            </a:r>
-            <a:r>
-              <a:rPr lang="en-US" sz="1800" dirty="0">
-                <a:hlinkClick r:id="rId4"/>
-              </a:rPr>
-              <a:t>https://</a:t>
-            </a:r>
-            <a:r>
-              <a:rPr lang="en-US" sz="1800" dirty="0" smtClean="0">
-                <a:hlinkClick r:id="rId4"/>
-              </a:rPr>
-              <a:t>www.launchcode.org/assets/LC101Syllabus-929fa8f19bcb0927c29bb6f7ef30a577.pdf</a:t>
-            </a:r>
-            <a:r>
-              <a:rPr lang="en-US" sz="1800" dirty="0" smtClean="0"/>
-              <a:t> </a:t>
-            </a:r>
-            <a:endParaRPr lang="en-US" sz="1800" dirty="0"/>
+              <a:t>rion.supergan@cdk.com</a:t>
+            </a:r>
+            <a:endParaRPr lang="en-US" sz="1800" u="sng" dirty="0" smtClean="0">
+              <a:solidFill>
+                <a:schemeClr val="accent3"/>
+              </a:solidFill>
+            </a:endParaRPr>
           </a:p>
           <a:p>
             <a:endParaRPr lang="en-US" dirty="0"/>
@@ -16362,7 +16157,7 @@
           <a:p>
             <a:r>
               <a:rPr lang="en-US" dirty="0" smtClean="0"/>
-              <a:t>Welcome – Ice Breaker</a:t>
+              <a:t>Background Basics</a:t>
             </a:r>
             <a:endParaRPr lang="en-US" dirty="0"/>
           </a:p>
@@ -16370,91 +16165,36 @@
       </p:sp>
       <p:sp>
         <p:nvSpPr>
-          <p:cNvPr id="3" name="Content Placeholder 2"/>
+          <p:cNvPr id="4" name="Text Placeholder 2"/>
           <p:cNvSpPr>
             <a:spLocks noGrp="1"/>
           </p:cNvSpPr>
           <p:nvPr>
-            <p:ph idx="1"/>
+            <p:ph type="body" idx="1"/>
           </p:nvPr>
         </p:nvSpPr>
-        <p:spPr/>
+        <p:spPr>
+          <a:xfrm>
+            <a:off x="1097280" y="4453128"/>
+            <a:ext cx="10058400" cy="1143000"/>
+          </a:xfrm>
+        </p:spPr>
         <p:txBody>
           <a:bodyPr/>
           <a:lstStyle/>
           <a:p>
             <a:r>
               <a:rPr lang="en-US" dirty="0" smtClean="0"/>
-              <a:t>Tell us a little about yourself:</a:t>
-            </a:r>
-          </a:p>
-          <a:p>
-            <a:endParaRPr lang="en-US" dirty="0"/>
-          </a:p>
-          <a:p>
-            <a:r>
-              <a:rPr lang="en-US" dirty="0" smtClean="0"/>
-              <a:t>What is your name? </a:t>
-            </a:r>
-          </a:p>
-          <a:p>
-            <a:r>
-              <a:rPr lang="en-US" dirty="0" smtClean="0"/>
-              <a:t>Favorite Country you have visited, or a country you really want to visit?</a:t>
-            </a:r>
-          </a:p>
-          <a:p>
-            <a:endParaRPr lang="en-US" dirty="0"/>
-          </a:p>
-          <a:p>
-            <a:r>
-              <a:rPr lang="en-US" dirty="0" smtClean="0"/>
-              <a:t>My answer:</a:t>
-            </a:r>
-          </a:p>
-          <a:p>
-            <a:r>
-              <a:rPr lang="en-US" dirty="0" smtClean="0"/>
-              <a:t>My Name: Tina Brownfield</a:t>
-            </a:r>
-          </a:p>
-          <a:p>
-            <a:r>
-              <a:rPr lang="en-US" dirty="0" smtClean="0"/>
-              <a:t>Favorite Country – France</a:t>
+              <a:t>Things to know before we Play</a:t>
             </a:r>
             <a:endParaRPr lang="en-US" dirty="0"/>
           </a:p>
         </p:txBody>
       </p:sp>
-      <p:pic>
-        <p:nvPicPr>
-          <p:cNvPr id="4" name="Picture 3"/>
-          <p:cNvPicPr>
-            <a:picLocks noChangeAspect="1"/>
-          </p:cNvPicPr>
-          <p:nvPr/>
-        </p:nvPicPr>
-        <p:blipFill>
-          <a:blip r:embed="rId3"/>
-          <a:stretch>
-            <a:fillRect/>
-          </a:stretch>
-        </p:blipFill>
-        <p:spPr>
-          <a:xfrm>
-            <a:off x="5837222" y="3857414"/>
-            <a:ext cx="3822826" cy="2534700"/>
-          </a:xfrm>
-          <a:prstGeom prst="rect">
-            <a:avLst/>
-          </a:prstGeom>
-        </p:spPr>
-      </p:pic>
     </p:spTree>
     <p:extLst>
       <p:ext uri="{BB962C8B-B14F-4D97-AF65-F5344CB8AC3E}">
-        <p14:creationId xmlns:p14="http://schemas.microsoft.com/office/powerpoint/2010/main" val="1367546124"/>
+        <p14:creationId xmlns:p14="http://schemas.microsoft.com/office/powerpoint/2010/main" val="1303491929"/>
       </p:ext>
     </p:extLst>
   </p:cSld>
@@ -16505,7 +16245,7 @@
           <a:p>
             <a:r>
               <a:rPr lang="en-US" dirty="0" smtClean="0"/>
-              <a:t>Background Basics</a:t>
+              <a:t>What is SQL</a:t>
             </a:r>
             <a:endParaRPr lang="en-US" dirty="0"/>
           </a:p>
@@ -16513,28 +16253,135 @@
       </p:sp>
       <p:sp>
         <p:nvSpPr>
-          <p:cNvPr id="4" name="Text Placeholder 2"/>
+          <p:cNvPr id="3" name="Content Placeholder 2"/>
           <p:cNvSpPr>
             <a:spLocks noGrp="1"/>
           </p:cNvSpPr>
           <p:nvPr>
-            <p:ph type="body" idx="1"/>
+            <p:ph idx="1"/>
           </p:nvPr>
         </p:nvSpPr>
-        <p:spPr>
-          <a:xfrm>
-            <a:off x="1097280" y="4453128"/>
-            <a:ext cx="10058400" cy="1143000"/>
-          </a:xfrm>
-        </p:spPr>
+        <p:spPr/>
         <p:txBody>
-          <a:bodyPr/>
+          <a:bodyPr>
+            <a:normAutofit/>
+          </a:bodyPr>
           <a:lstStyle/>
           <a:p>
             <a:r>
+              <a:rPr lang="en-US" b="1" dirty="0"/>
+              <a:t>SQL</a:t>
+            </a:r>
+            <a:r>
+              <a:rPr lang="en-US" dirty="0"/>
+              <a:t> </a:t>
+            </a:r>
+            <a:r>
               <a:rPr lang="en-US" dirty="0" smtClean="0"/>
-              <a:t>Things to know before we Play</a:t>
-            </a:r>
+              <a:t>(pronounced </a:t>
+            </a:r>
+            <a:r>
+              <a:rPr lang="en-US" dirty="0"/>
+              <a:t>"</a:t>
+            </a:r>
+            <a:r>
+              <a:rPr lang="en-US" dirty="0" err="1" smtClean="0"/>
+              <a:t>ess</a:t>
+            </a:r>
+            <a:r>
+              <a:rPr lang="en-US" dirty="0" smtClean="0"/>
+              <a:t>-que-el” or “see-quill”) </a:t>
+            </a:r>
+            <a:r>
+              <a:rPr lang="en-US" dirty="0"/>
+              <a:t>stands for </a:t>
+            </a:r>
+            <a:r>
+              <a:rPr lang="en-US" b="1" dirty="0"/>
+              <a:t>Structured Query Language</a:t>
+            </a:r>
+            <a:r>
+              <a:rPr lang="en-US" dirty="0"/>
+              <a:t>. </a:t>
+            </a:r>
+          </a:p>
+          <a:p>
+            <a:r>
+              <a:rPr lang="en-US" b="1" dirty="0" smtClean="0"/>
+              <a:t>SQL</a:t>
+            </a:r>
+            <a:r>
+              <a:rPr lang="en-US" dirty="0"/>
+              <a:t> is used to communicate with a </a:t>
+            </a:r>
+            <a:r>
+              <a:rPr lang="en-US" dirty="0" smtClean="0"/>
+              <a:t>database. Used for creation and modification  </a:t>
+            </a:r>
+          </a:p>
+          <a:p>
+            <a:r>
+              <a:rPr lang="en-US" b="1" dirty="0" smtClean="0"/>
+              <a:t>SQL</a:t>
+            </a:r>
+            <a:r>
+              <a:rPr lang="en-US" dirty="0" smtClean="0"/>
+              <a:t> is considered the standard language for RDBMS (Relational Database Management Systems).</a:t>
+            </a:r>
+          </a:p>
+          <a:p>
+            <a:r>
+              <a:rPr lang="en-US" b="1" dirty="0" smtClean="0"/>
+              <a:t>SQL</a:t>
+            </a:r>
+            <a:r>
+              <a:rPr lang="en-US" dirty="0" smtClean="0"/>
+              <a:t> </a:t>
+            </a:r>
+            <a:r>
+              <a:rPr lang="en-US" dirty="0"/>
+              <a:t>statements are used to perform tasks </a:t>
+            </a:r>
+            <a:r>
+              <a:rPr lang="en-US" dirty="0" smtClean="0"/>
+              <a:t>such as retrieving data stored in a database, updating data, deleting data and more. </a:t>
+            </a:r>
+          </a:p>
+          <a:p>
+            <a:r>
+              <a:rPr lang="en-US" dirty="0" smtClean="0"/>
+              <a:t>Most RDBMS’s use SQL, but use their particular ’flavor’ of it. Common Flavors are</a:t>
+            </a:r>
+          </a:p>
+          <a:p>
+            <a:pPr lvl="1">
+              <a:buFontTx/>
+              <a:buChar char="-"/>
+            </a:pPr>
+            <a:r>
+              <a:rPr lang="en-US" dirty="0" smtClean="0"/>
+              <a:t>Oracle      -SQLite      - Postgres       -MSQL (Microsoft)       -MySQL      - Microsoft Access</a:t>
+            </a:r>
+          </a:p>
+          <a:p>
+            <a:r>
+              <a:rPr lang="en-US" dirty="0" smtClean="0"/>
+              <a:t>Standard SQL commands (such as Select, Insert, Update, etc.) can be used across SQL types.</a:t>
+            </a:r>
+          </a:p>
+          <a:p>
+            <a:endParaRPr lang="en-US" dirty="0"/>
+          </a:p>
+          <a:p>
+            <a:endParaRPr lang="en-US" dirty="0" smtClean="0"/>
+          </a:p>
+          <a:p>
+            <a:endParaRPr lang="en-US" dirty="0"/>
+          </a:p>
+          <a:p>
+            <a:endParaRPr lang="en-US" dirty="0" smtClean="0"/>
+          </a:p>
+          <a:p>
             <a:endParaRPr lang="en-US" dirty="0"/>
           </a:p>
         </p:txBody>
@@ -16542,7 +16389,7 @@
     </p:spTree>
     <p:extLst>
       <p:ext uri="{BB962C8B-B14F-4D97-AF65-F5344CB8AC3E}">
-        <p14:creationId xmlns:p14="http://schemas.microsoft.com/office/powerpoint/2010/main" val="1303491929"/>
+        <p14:creationId xmlns:p14="http://schemas.microsoft.com/office/powerpoint/2010/main" val="1041376550"/>
       </p:ext>
     </p:extLst>
   </p:cSld>
@@ -16588,201 +16435,6 @@
         </p:nvSpPr>
         <p:spPr/>
         <p:txBody>
-          <a:bodyPr/>
-          <a:lstStyle/>
-          <a:p>
-            <a:r>
-              <a:rPr lang="en-US" dirty="0" smtClean="0"/>
-              <a:t>What is SQL</a:t>
-            </a:r>
-            <a:endParaRPr lang="en-US" dirty="0"/>
-          </a:p>
-        </p:txBody>
-      </p:sp>
-      <p:sp>
-        <p:nvSpPr>
-          <p:cNvPr id="3" name="Content Placeholder 2"/>
-          <p:cNvSpPr>
-            <a:spLocks noGrp="1"/>
-          </p:cNvSpPr>
-          <p:nvPr>
-            <p:ph idx="1"/>
-          </p:nvPr>
-        </p:nvSpPr>
-        <p:spPr/>
-        <p:txBody>
-          <a:bodyPr>
-            <a:normAutofit/>
-          </a:bodyPr>
-          <a:lstStyle/>
-          <a:p>
-            <a:r>
-              <a:rPr lang="en-US" b="1" dirty="0"/>
-              <a:t>SQL</a:t>
-            </a:r>
-            <a:r>
-              <a:rPr lang="en-US" dirty="0"/>
-              <a:t> </a:t>
-            </a:r>
-            <a:r>
-              <a:rPr lang="en-US" dirty="0" smtClean="0"/>
-              <a:t>(pronounced </a:t>
-            </a:r>
-            <a:r>
-              <a:rPr lang="en-US" dirty="0"/>
-              <a:t>"</a:t>
-            </a:r>
-            <a:r>
-              <a:rPr lang="en-US" dirty="0" err="1" smtClean="0"/>
-              <a:t>ess</a:t>
-            </a:r>
-            <a:r>
-              <a:rPr lang="en-US" dirty="0" smtClean="0"/>
-              <a:t>-que-el” or “see-quill”) </a:t>
-            </a:r>
-            <a:r>
-              <a:rPr lang="en-US" dirty="0"/>
-              <a:t>stands for </a:t>
-            </a:r>
-            <a:r>
-              <a:rPr lang="en-US" b="1" dirty="0"/>
-              <a:t>Structured Query Language</a:t>
-            </a:r>
-            <a:r>
-              <a:rPr lang="en-US" dirty="0"/>
-              <a:t>. </a:t>
-            </a:r>
-          </a:p>
-          <a:p>
-            <a:r>
-              <a:rPr lang="en-US" b="1" dirty="0" smtClean="0"/>
-              <a:t>SQL</a:t>
-            </a:r>
-            <a:r>
-              <a:rPr lang="en-US" dirty="0"/>
-              <a:t> is used to communicate with a </a:t>
-            </a:r>
-            <a:r>
-              <a:rPr lang="en-US" dirty="0" smtClean="0"/>
-              <a:t>database. Used for creation and modification  </a:t>
-            </a:r>
-          </a:p>
-          <a:p>
-            <a:r>
-              <a:rPr lang="en-US" b="1" dirty="0" smtClean="0"/>
-              <a:t>SQL</a:t>
-            </a:r>
-            <a:r>
-              <a:rPr lang="en-US" dirty="0" smtClean="0"/>
-              <a:t> is considered the standard language for RDBMS (Relational Database Management Systems).</a:t>
-            </a:r>
-          </a:p>
-          <a:p>
-            <a:r>
-              <a:rPr lang="en-US" b="1" dirty="0" smtClean="0"/>
-              <a:t>SQL</a:t>
-            </a:r>
-            <a:r>
-              <a:rPr lang="en-US" dirty="0" smtClean="0"/>
-              <a:t> </a:t>
-            </a:r>
-            <a:r>
-              <a:rPr lang="en-US" dirty="0"/>
-              <a:t>statements are used to perform tasks </a:t>
-            </a:r>
-            <a:r>
-              <a:rPr lang="en-US" dirty="0" smtClean="0"/>
-              <a:t>such as retrieving data stored in a database, updating data, deleting data and more. </a:t>
-            </a:r>
-          </a:p>
-          <a:p>
-            <a:r>
-              <a:rPr lang="en-US" dirty="0" smtClean="0"/>
-              <a:t>Most RDBMS’s use SQL, but use their particular ’flavor’ of it. Common Flavors are</a:t>
-            </a:r>
-          </a:p>
-          <a:p>
-            <a:pPr lvl="1">
-              <a:buFontTx/>
-              <a:buChar char="-"/>
-            </a:pPr>
-            <a:r>
-              <a:rPr lang="en-US" dirty="0" smtClean="0"/>
-              <a:t>Oracle      -SQLite      - Postgres       -MSQL (Microsoft)       -MySQL      - Microsoft Access</a:t>
-            </a:r>
-          </a:p>
-          <a:p>
-            <a:r>
-              <a:rPr lang="en-US" dirty="0" smtClean="0"/>
-              <a:t>Standard SQL commands (such as Select, Insert, Update, etc.) can be used across SQL types.</a:t>
-            </a:r>
-          </a:p>
-          <a:p>
-            <a:endParaRPr lang="en-US" dirty="0"/>
-          </a:p>
-          <a:p>
-            <a:endParaRPr lang="en-US" dirty="0" smtClean="0"/>
-          </a:p>
-          <a:p>
-            <a:endParaRPr lang="en-US" dirty="0"/>
-          </a:p>
-          <a:p>
-            <a:endParaRPr lang="en-US" dirty="0" smtClean="0"/>
-          </a:p>
-          <a:p>
-            <a:endParaRPr lang="en-US" dirty="0"/>
-          </a:p>
-        </p:txBody>
-      </p:sp>
-    </p:spTree>
-    <p:extLst>
-      <p:ext uri="{BB962C8B-B14F-4D97-AF65-F5344CB8AC3E}">
-        <p14:creationId xmlns:p14="http://schemas.microsoft.com/office/powerpoint/2010/main" val="1041376550"/>
-      </p:ext>
-    </p:extLst>
-  </p:cSld>
-  <p:clrMapOvr>
-    <a:masterClrMapping/>
-  </p:clrMapOvr>
-  <p:timing>
-    <p:tnLst>
-      <p:par>
-        <p:cTn id="1" dur="indefinite" restart="never" nodeType="tmRoot"/>
-      </p:par>
-    </p:tnLst>
-  </p:timing>
-</p:sld>
-</file>
-
-<file path=ppt/slides/slide7.xml><?xml version="1.0" encoding="utf-8"?>
-<p:sld xmlns:a="http://schemas.openxmlformats.org/drawingml/2006/main" xmlns:r="http://schemas.openxmlformats.org/officeDocument/2006/relationships" xmlns:p="http://schemas.openxmlformats.org/presentationml/2006/main">
-  <p:cSld>
-    <p:spTree>
-      <p:nvGrpSpPr>
-        <p:cNvPr id="1" name=""/>
-        <p:cNvGrpSpPr/>
-        <p:nvPr/>
-      </p:nvGrpSpPr>
-      <p:grpSpPr>
-        <a:xfrm>
-          <a:off x="0" y="0"/>
-          <a:ext cx="0" cy="0"/>
-          <a:chOff x="0" y="0"/>
-          <a:chExt cx="0" cy="0"/>
-        </a:xfrm>
-      </p:grpSpPr>
-      <p:sp>
-        <p:nvSpPr>
-          <p:cNvPr id="2" name="Title 1"/>
-          <p:cNvSpPr>
-            <a:spLocks noGrp="1"/>
-          </p:cNvSpPr>
-          <p:nvPr>
-            <p:ph type="title"/>
-          </p:nvPr>
-        </p:nvSpPr>
-        <p:spPr/>
-        <p:txBody>
           <a:bodyPr>
             <a:noAutofit/>
           </a:bodyPr>
@@ -16854,7 +16506,39 @@
             </a:r>
             <a:r>
               <a:rPr lang="en-US" dirty="0" smtClean="0"/>
-              <a:t>: A Restaurant menu- it is a listing of all items, their prices, their descriptions, broken down into sections. </a:t>
+              <a:t>: </a:t>
+            </a:r>
+            <a:r>
+              <a:rPr lang="en-US" dirty="0"/>
+              <a:t>Facebook – it </a:t>
+            </a:r>
+            <a:r>
+              <a:rPr lang="en-US" dirty="0" smtClean="0"/>
+              <a:t>is a listing of </a:t>
+            </a:r>
+            <a:r>
+              <a:rPr lang="en-US" dirty="0" smtClean="0"/>
+              <a:t>users, </a:t>
+            </a:r>
+            <a:r>
+              <a:rPr lang="en-US" dirty="0" smtClean="0"/>
+              <a:t>their </a:t>
+            </a:r>
+            <a:r>
+              <a:rPr lang="en-US" dirty="0" smtClean="0"/>
+              <a:t>friends, </a:t>
+            </a:r>
+            <a:r>
+              <a:rPr lang="en-US" dirty="0" smtClean="0"/>
+              <a:t>their </a:t>
+            </a:r>
+            <a:r>
+              <a:rPr lang="en-US" dirty="0" smtClean="0"/>
+              <a:t>posts, </a:t>
+            </a:r>
+            <a:r>
+              <a:rPr lang="en-US" dirty="0" smtClean="0"/>
+              <a:t>broken down into sections. </a:t>
             </a:r>
           </a:p>
           <a:p>
@@ -16906,7 +16590,7 @@
 </p:sld>
 </file>
 
-<file path=ppt/slides/slide8.xml><?xml version="1.0" encoding="utf-8"?>
+<file path=ppt/slides/slide7.xml><?xml version="1.0" encoding="utf-8"?>
 <p:sld xmlns:a="http://schemas.openxmlformats.org/drawingml/2006/main" xmlns:r="http://schemas.openxmlformats.org/officeDocument/2006/relationships" xmlns:p="http://schemas.openxmlformats.org/presentationml/2006/main">
   <p:cSld>
     <p:spTree>
@@ -17080,7 +16764,7 @@
 </p:sld>
 </file>
 
-<file path=ppt/slides/slide9.xml><?xml version="1.0" encoding="utf-8"?>
+<file path=ppt/slides/slide8.xml><?xml version="1.0" encoding="utf-8"?>
 <p:sld xmlns:a="http://schemas.openxmlformats.org/drawingml/2006/main" xmlns:r="http://schemas.openxmlformats.org/officeDocument/2006/relationships" xmlns:p="http://schemas.openxmlformats.org/presentationml/2006/main">
   <p:cSld>
     <p:spTree>
@@ -17633,6 +17317,302 @@
     <p:extLst>
       <p:ext uri="{BB962C8B-B14F-4D97-AF65-F5344CB8AC3E}">
         <p14:creationId xmlns:p14="http://schemas.microsoft.com/office/powerpoint/2010/main" val="475202900"/>
+      </p:ext>
+    </p:extLst>
+  </p:cSld>
+  <p:clrMapOvr>
+    <a:masterClrMapping/>
+  </p:clrMapOvr>
+  <p:timing>
+    <p:tnLst>
+      <p:par>
+        <p:cTn id="1" dur="indefinite" restart="never" nodeType="tmRoot"/>
+      </p:par>
+    </p:tnLst>
+  </p:timing>
+</p:sld>
+</file>
+
+<file path=ppt/slides/slide9.xml><?xml version="1.0" encoding="utf-8"?>
+<p:sld xmlns:a="http://schemas.openxmlformats.org/drawingml/2006/main" xmlns:r="http://schemas.openxmlformats.org/officeDocument/2006/relationships" xmlns:p="http://schemas.openxmlformats.org/presentationml/2006/main">
+  <p:cSld>
+    <p:spTree>
+      <p:nvGrpSpPr>
+        <p:cNvPr id="1" name=""/>
+        <p:cNvGrpSpPr/>
+        <p:nvPr/>
+      </p:nvGrpSpPr>
+      <p:grpSpPr>
+        <a:xfrm>
+          <a:off x="0" y="0"/>
+          <a:ext cx="0" cy="0"/>
+          <a:chOff x="0" y="0"/>
+          <a:chExt cx="0" cy="0"/>
+        </a:xfrm>
+      </p:grpSpPr>
+      <p:sp>
+        <p:nvSpPr>
+          <p:cNvPr id="2" name="Title 1"/>
+          <p:cNvSpPr>
+            <a:spLocks noGrp="1"/>
+          </p:cNvSpPr>
+          <p:nvPr>
+            <p:ph type="title"/>
+          </p:nvPr>
+        </p:nvSpPr>
+        <p:spPr/>
+        <p:txBody>
+          <a:bodyPr/>
+          <a:lstStyle/>
+          <a:p>
+            <a:r>
+              <a:rPr lang="en-US" dirty="0" smtClean="0"/>
+              <a:t>What is a Row</a:t>
+            </a:r>
+            <a:endParaRPr lang="en-US" dirty="0"/>
+          </a:p>
+        </p:txBody>
+      </p:sp>
+      <p:sp>
+        <p:nvSpPr>
+          <p:cNvPr id="3" name="Content Placeholder 2"/>
+          <p:cNvSpPr>
+            <a:spLocks noGrp="1"/>
+          </p:cNvSpPr>
+          <p:nvPr>
+            <p:ph idx="1"/>
+          </p:nvPr>
+        </p:nvSpPr>
+        <p:spPr/>
+        <p:txBody>
+          <a:bodyPr/>
+          <a:lstStyle/>
+          <a:p>
+            <a:r>
+              <a:rPr lang="en-US" b="1" dirty="0" smtClean="0"/>
+              <a:t>Technical Definition</a:t>
+            </a:r>
+            <a:r>
+              <a:rPr lang="en-US" dirty="0" smtClean="0"/>
+              <a:t>: </a:t>
+            </a:r>
+            <a:r>
+              <a:rPr lang="en-US" dirty="0"/>
+              <a:t>In the context of a relational database, a </a:t>
+            </a:r>
+            <a:r>
+              <a:rPr lang="en-US" b="1" dirty="0"/>
+              <a:t>row</a:t>
+            </a:r>
+            <a:r>
+              <a:rPr lang="en-US" dirty="0"/>
+              <a:t>—also called a record or tuple—represents a single, implicitly structured data item in a </a:t>
+            </a:r>
+            <a:r>
+              <a:rPr lang="en-US" b="1" dirty="0"/>
+              <a:t>table</a:t>
+            </a:r>
+            <a:r>
+              <a:rPr lang="en-US" dirty="0"/>
+              <a:t>. In simple terms, a database </a:t>
+            </a:r>
+            <a:r>
+              <a:rPr lang="en-US" b="1" dirty="0"/>
+              <a:t>table</a:t>
+            </a:r>
+            <a:r>
+              <a:rPr lang="en-US" dirty="0"/>
+              <a:t> can be thought of as consisting of </a:t>
+            </a:r>
+            <a:r>
+              <a:rPr lang="en-US" b="1" dirty="0"/>
+              <a:t>rows</a:t>
+            </a:r>
+            <a:r>
+              <a:rPr lang="en-US" dirty="0"/>
+              <a:t> and columns or </a:t>
+            </a:r>
+            <a:r>
+              <a:rPr lang="en-US" dirty="0" smtClean="0"/>
+              <a:t>fields</a:t>
+            </a:r>
+          </a:p>
+          <a:p>
+            <a:endParaRPr lang="en-US" dirty="0" smtClean="0"/>
+          </a:p>
+          <a:p>
+            <a:r>
+              <a:rPr lang="en-US" b="1" dirty="0" smtClean="0"/>
+              <a:t>User Friendly</a:t>
+            </a:r>
+            <a:r>
+              <a:rPr lang="en-US" dirty="0" smtClean="0"/>
+              <a:t>: A data set representing a single item.</a:t>
+            </a:r>
+          </a:p>
+          <a:p>
+            <a:endParaRPr lang="en-US" dirty="0" smtClean="0"/>
+          </a:p>
+          <a:p>
+            <a:pPr>
+              <a:spcBef>
+                <a:spcPts val="0"/>
+              </a:spcBef>
+            </a:pPr>
+            <a:r>
+              <a:rPr lang="en-US" b="1" dirty="0"/>
+              <a:t>Real World Example</a:t>
+            </a:r>
+            <a:r>
+              <a:rPr lang="en-US" dirty="0"/>
+              <a:t>: In our Weather table:</a:t>
+            </a:r>
+          </a:p>
+          <a:p>
+            <a:pPr>
+              <a:spcBef>
+                <a:spcPts val="0"/>
+              </a:spcBef>
+            </a:pPr>
+            <a:r>
+              <a:rPr lang="en-US" dirty="0" smtClean="0"/>
+              <a:t>Phoenix Arizona 105 90 is a single record. </a:t>
+            </a:r>
+          </a:p>
+          <a:p>
+            <a:pPr>
+              <a:spcBef>
+                <a:spcPts val="0"/>
+              </a:spcBef>
+            </a:pPr>
+            <a:r>
+              <a:rPr lang="en-US" dirty="0" smtClean="0"/>
+              <a:t>Each row has the same columns.</a:t>
+            </a:r>
+            <a:endParaRPr lang="en-US" dirty="0"/>
+          </a:p>
+          <a:p>
+            <a:endParaRPr lang="en-US" dirty="0"/>
+          </a:p>
+        </p:txBody>
+      </p:sp>
+      <p:pic>
+        <p:nvPicPr>
+          <p:cNvPr id="5" name="Picture 4"/>
+          <p:cNvPicPr>
+            <a:picLocks noChangeAspect="1"/>
+          </p:cNvPicPr>
+          <p:nvPr/>
+        </p:nvPicPr>
+        <p:blipFill>
+          <a:blip r:embed="rId3">
+            <a:extLst>
+              <a:ext uri="{28A0092B-C50C-407E-A947-70E740481C1C}">
+                <a14:useLocalDpi xmlns:a14="http://schemas.microsoft.com/office/drawing/2010/main" val="0"/>
+              </a:ext>
+            </a:extLst>
+          </a:blip>
+          <a:stretch>
+            <a:fillRect/>
+          </a:stretch>
+        </p:blipFill>
+        <p:spPr>
+          <a:xfrm>
+            <a:off x="6833042" y="3316394"/>
+            <a:ext cx="3187700" cy="2552700"/>
+          </a:xfrm>
+          <a:prstGeom prst="rect">
+            <a:avLst/>
+          </a:prstGeom>
+        </p:spPr>
+      </p:pic>
+      <p:sp>
+        <p:nvSpPr>
+          <p:cNvPr id="6" name="Rectangle 5"/>
+          <p:cNvSpPr/>
+          <p:nvPr/>
+        </p:nvSpPr>
+        <p:spPr>
+          <a:xfrm>
+            <a:off x="6833042" y="4010686"/>
+            <a:ext cx="3187700" cy="344032"/>
+          </a:xfrm>
+          <a:prstGeom prst="rect">
+            <a:avLst/>
+          </a:prstGeom>
+          <a:noFill/>
+          <a:ln w="38100">
+            <a:solidFill>
+              <a:schemeClr val="tx2">
+                <a:lumMod val="60000"/>
+                <a:lumOff val="40000"/>
+              </a:schemeClr>
+            </a:solidFill>
+          </a:ln>
+        </p:spPr>
+        <p:style>
+          <a:lnRef idx="2">
+            <a:schemeClr val="dk1"/>
+          </a:lnRef>
+          <a:fillRef idx="1">
+            <a:schemeClr val="lt1"/>
+          </a:fillRef>
+          <a:effectRef idx="0">
+            <a:schemeClr val="dk1"/>
+          </a:effectRef>
+          <a:fontRef idx="minor">
+            <a:schemeClr val="dk1"/>
+          </a:fontRef>
+        </p:style>
+        <p:txBody>
+          <a:bodyPr rtlCol="0" anchor="ctr"/>
+          <a:lstStyle/>
+          <a:p>
+            <a:pPr algn="ctr"/>
+            <a:endParaRPr lang="en-US"/>
+          </a:p>
+        </p:txBody>
+      </p:sp>
+      <p:cxnSp>
+        <p:nvCxnSpPr>
+          <p:cNvPr id="10" name="Straight Arrow Connector 9"/>
+          <p:cNvCxnSpPr/>
+          <p:nvPr/>
+        </p:nvCxnSpPr>
+        <p:spPr>
+          <a:xfrm>
+            <a:off x="6156357" y="4227969"/>
+            <a:ext cx="579422" cy="0"/>
+          </a:xfrm>
+          <a:prstGeom prst="straightConnector1">
+            <a:avLst/>
+          </a:prstGeom>
+          <a:ln w="57150">
+            <a:solidFill>
+              <a:schemeClr val="tx1"/>
+            </a:solidFill>
+            <a:tailEnd type="triangle"/>
+          </a:ln>
+        </p:spPr>
+        <p:style>
+          <a:lnRef idx="2">
+            <a:schemeClr val="dk1"/>
+          </a:lnRef>
+          <a:fillRef idx="0">
+            <a:schemeClr val="dk1"/>
+          </a:fillRef>
+          <a:effectRef idx="1">
+            <a:schemeClr val="dk1"/>
+          </a:effectRef>
+          <a:fontRef idx="minor">
+            <a:schemeClr val="tx1"/>
+          </a:fontRef>
+        </p:style>
+      </p:cxnSp>
+    </p:spTree>
+    <p:extLst>
+      <p:ext uri="{BB962C8B-B14F-4D97-AF65-F5344CB8AC3E}">
+        <p14:creationId xmlns:p14="http://schemas.microsoft.com/office/powerpoint/2010/main" val="243457107"/>
       </p:ext>
     </p:extLst>
   </p:cSld>
